--- a/Documents/WorkshopGroup40.pptx
+++ b/Documents/WorkshopGroup40.pptx
@@ -7,14 +7,16 @@
   <p:sldIdLst>
     <p:sldId id="256" r:id="rId2"/>
     <p:sldId id="257" r:id="rId3"/>
-    <p:sldId id="269" r:id="rId4"/>
-    <p:sldId id="267" r:id="rId5"/>
-    <p:sldId id="268" r:id="rId6"/>
-    <p:sldId id="263" r:id="rId7"/>
-    <p:sldId id="260" r:id="rId8"/>
-    <p:sldId id="259" r:id="rId9"/>
-    <p:sldId id="266" r:id="rId10"/>
-    <p:sldId id="265" r:id="rId11"/>
+    <p:sldId id="271" r:id="rId4"/>
+    <p:sldId id="269" r:id="rId5"/>
+    <p:sldId id="273" r:id="rId6"/>
+    <p:sldId id="274" r:id="rId7"/>
+    <p:sldId id="266" r:id="rId8"/>
+    <p:sldId id="275" r:id="rId9"/>
+    <p:sldId id="268" r:id="rId10"/>
+    <p:sldId id="260" r:id="rId11"/>
+    <p:sldId id="276" r:id="rId12"/>
+    <p:sldId id="265" r:id="rId13"/>
   </p:sldIdLst>
   <p:sldSz cx="12192000" cy="6858000"/>
   <p:notesSz cx="6858000" cy="9144000"/>
@@ -313,7 +315,7 @@
             <a:fld id="{B61BEF0D-F0BB-DE4B-95CE-6DB70DBA9567}" type="datetimeFigureOut">
               <a:rPr lang="en-US" dirty="0"/>
               <a:pPr/>
-              <a:t>11/6/2018</a:t>
+              <a:t>11/25/2018</a:t>
             </a:fld>
             <a:endParaRPr lang="en-US" dirty="0"/>
           </a:p>
@@ -746,7 +748,7 @@
             <a:fld id="{B61BEF0D-F0BB-DE4B-95CE-6DB70DBA9567}" type="datetimeFigureOut">
               <a:rPr lang="en-US" dirty="0"/>
               <a:pPr/>
-              <a:t>11/6/2018</a:t>
+              <a:t>11/25/2018</a:t>
             </a:fld>
             <a:endParaRPr lang="en-US" dirty="0"/>
           </a:p>
@@ -993,7 +995,7 @@
             <a:fld id="{B61BEF0D-F0BB-DE4B-95CE-6DB70DBA9567}" type="datetimeFigureOut">
               <a:rPr lang="en-US" dirty="0"/>
               <a:pPr/>
-              <a:t>11/6/2018</a:t>
+              <a:t>11/25/2018</a:t>
             </a:fld>
             <a:endParaRPr lang="en-US" dirty="0"/>
           </a:p>
@@ -1298,7 +1300,7 @@
             <a:fld id="{B61BEF0D-F0BB-DE4B-95CE-6DB70DBA9567}" type="datetimeFigureOut">
               <a:rPr lang="en-US" dirty="0"/>
               <a:pPr/>
-              <a:t>11/6/2018</a:t>
+              <a:t>11/25/2018</a:t>
             </a:fld>
             <a:endParaRPr lang="en-US" dirty="0"/>
           </a:p>
@@ -1613,7 +1615,7 @@
             <a:fld id="{B61BEF0D-F0BB-DE4B-95CE-6DB70DBA9567}" type="datetimeFigureOut">
               <a:rPr lang="en-US" dirty="0"/>
               <a:pPr/>
-              <a:t>11/6/2018</a:t>
+              <a:t>11/25/2018</a:t>
             </a:fld>
             <a:endParaRPr lang="en-US" dirty="0"/>
           </a:p>
@@ -1912,7 +1914,7 @@
             <a:fld id="{B61BEF0D-F0BB-DE4B-95CE-6DB70DBA9567}" type="datetimeFigureOut">
               <a:rPr lang="en-US" dirty="0"/>
               <a:pPr/>
-              <a:t>11/6/2018</a:t>
+              <a:t>11/25/2018</a:t>
             </a:fld>
             <a:endParaRPr lang="en-US" dirty="0"/>
           </a:p>
@@ -2276,7 +2278,7 @@
             <a:fld id="{B61BEF0D-F0BB-DE4B-95CE-6DB70DBA9567}" type="datetimeFigureOut">
               <a:rPr lang="en-US" dirty="0"/>
               <a:pPr/>
-              <a:t>11/6/2018</a:t>
+              <a:t>11/25/2018</a:t>
             </a:fld>
             <a:endParaRPr lang="en-US" dirty="0"/>
           </a:p>
@@ -2447,7 +2449,7 @@
             <a:fld id="{B61BEF0D-F0BB-DE4B-95CE-6DB70DBA9567}" type="datetimeFigureOut">
               <a:rPr lang="en-US" dirty="0"/>
               <a:pPr/>
-              <a:t>11/6/2018</a:t>
+              <a:t>11/25/2018</a:t>
             </a:fld>
             <a:endParaRPr lang="en-US" dirty="0"/>
           </a:p>
@@ -2624,7 +2626,7 @@
             <a:fld id="{B61BEF0D-F0BB-DE4B-95CE-6DB70DBA9567}" type="datetimeFigureOut">
               <a:rPr lang="en-US" dirty="0"/>
               <a:pPr/>
-              <a:t>11/6/2018</a:t>
+              <a:t>11/25/2018</a:t>
             </a:fld>
             <a:endParaRPr lang="en-US" dirty="0"/>
           </a:p>
@@ -2791,7 +2793,7 @@
             <a:fld id="{B61BEF0D-F0BB-DE4B-95CE-6DB70DBA9567}" type="datetimeFigureOut">
               <a:rPr lang="en-US" dirty="0"/>
               <a:pPr/>
-              <a:t>11/6/2018</a:t>
+              <a:t>11/25/2018</a:t>
             </a:fld>
             <a:endParaRPr lang="en-US" dirty="0"/>
           </a:p>
@@ -3038,7 +3040,7 @@
             <a:fld id="{B61BEF0D-F0BB-DE4B-95CE-6DB70DBA9567}" type="datetimeFigureOut">
               <a:rPr lang="en-US" dirty="0"/>
               <a:pPr/>
-              <a:t>11/6/2018</a:t>
+              <a:t>11/25/2018</a:t>
             </a:fld>
             <a:endParaRPr lang="en-US" dirty="0"/>
           </a:p>
@@ -3271,7 +3273,7 @@
             <a:fld id="{B61BEF0D-F0BB-DE4B-95CE-6DB70DBA9567}" type="datetimeFigureOut">
               <a:rPr lang="en-US" dirty="0"/>
               <a:pPr/>
-              <a:t>11/6/2018</a:t>
+              <a:t>11/25/2018</a:t>
             </a:fld>
             <a:endParaRPr lang="en-US" dirty="0"/>
           </a:p>
@@ -3650,7 +3652,7 @@
             <a:fld id="{B61BEF0D-F0BB-DE4B-95CE-6DB70DBA9567}" type="datetimeFigureOut">
               <a:rPr lang="en-US" dirty="0"/>
               <a:pPr/>
-              <a:t>11/6/2018</a:t>
+              <a:t>11/25/2018</a:t>
             </a:fld>
             <a:endParaRPr lang="en-US" dirty="0"/>
           </a:p>
@@ -3765,7 +3767,7 @@
             <a:fld id="{B61BEF0D-F0BB-DE4B-95CE-6DB70DBA9567}" type="datetimeFigureOut">
               <a:rPr lang="en-US" dirty="0"/>
               <a:pPr/>
-              <a:t>11/6/2018</a:t>
+              <a:t>11/25/2018</a:t>
             </a:fld>
             <a:endParaRPr lang="en-US" dirty="0"/>
           </a:p>
@@ -3857,7 +3859,7 @@
             <a:fld id="{B61BEF0D-F0BB-DE4B-95CE-6DB70DBA9567}" type="datetimeFigureOut">
               <a:rPr lang="en-US" dirty="0"/>
               <a:pPr/>
-              <a:t>11/6/2018</a:t>
+              <a:t>11/25/2018</a:t>
             </a:fld>
             <a:endParaRPr lang="en-US" dirty="0"/>
           </a:p>
@@ -4109,7 +4111,7 @@
             <a:fld id="{B61BEF0D-F0BB-DE4B-95CE-6DB70DBA9567}" type="datetimeFigureOut">
               <a:rPr lang="en-US" dirty="0"/>
               <a:pPr/>
-              <a:t>11/6/2018</a:t>
+              <a:t>11/25/2018</a:t>
             </a:fld>
             <a:endParaRPr lang="en-US" dirty="0"/>
           </a:p>
@@ -4389,7 +4391,7 @@
             <a:fld id="{B61BEF0D-F0BB-DE4B-95CE-6DB70DBA9567}" type="datetimeFigureOut">
               <a:rPr lang="en-US" dirty="0"/>
               <a:pPr/>
-              <a:t>11/6/2018</a:t>
+              <a:t>11/25/2018</a:t>
             </a:fld>
             <a:endParaRPr lang="en-US" dirty="0"/>
           </a:p>
@@ -4792,7 +4794,7 @@
             <a:fld id="{B61BEF0D-F0BB-DE4B-95CE-6DB70DBA9567}" type="datetimeFigureOut">
               <a:rPr lang="en-US" dirty="0"/>
               <a:pPr/>
-              <a:t>11/6/2018</a:t>
+              <a:t>11/25/2018</a:t>
             </a:fld>
             <a:endParaRPr lang="en-US" dirty="0"/>
           </a:p>
@@ -5353,7 +5355,7 @@
           <a:p>
             <a:r>
               <a:rPr lang="en-GB" dirty="0"/>
-              <a:t>Predicting The Winning Team </a:t>
+              <a:t>Predicting The Winning Team In A premier league game</a:t>
             </a:r>
             <a:br>
               <a:rPr lang="en-GB" dirty="0"/>
@@ -5455,899 +5457,12 @@
           <a:chExt cx="0" cy="0"/>
         </a:xfrm>
       </p:grpSpPr>
-      <p:sp>
-        <p:nvSpPr>
-          <p:cNvPr id="2" name="Title 1">
+      <p:sp useBgFill="1">
+        <p:nvSpPr>
+          <p:cNvPr id="62" name="Rectangle 46">
             <a:extLst>
               <a:ext uri="{FF2B5EF4-FFF2-40B4-BE49-F238E27FC236}">
-                <a16:creationId xmlns:a16="http://schemas.microsoft.com/office/drawing/2014/main" id="{73BCA3E8-B163-4626-AB15-C2F610CF26B4}"/>
-              </a:ext>
-            </a:extLst>
-          </p:cNvPr>
-          <p:cNvSpPr>
-            <a:spLocks noGrp="1"/>
-          </p:cNvSpPr>
-          <p:nvPr>
-            <p:ph type="title"/>
-          </p:nvPr>
-        </p:nvSpPr>
-        <p:spPr>
-          <a:xfrm>
-            <a:off x="342678" y="213176"/>
-            <a:ext cx="7886200" cy="1298401"/>
-          </a:xfrm>
-        </p:spPr>
-        <p:txBody>
-          <a:bodyPr>
-            <a:normAutofit/>
-          </a:bodyPr>
-          <a:lstStyle/>
-          <a:p>
-            <a:r>
-              <a:rPr lang="en-GB" dirty="0"/>
-              <a:t>Conclusions</a:t>
-            </a:r>
-          </a:p>
-        </p:txBody>
-      </p:sp>
-      <p:pic>
-        <p:nvPicPr>
-          <p:cNvPr id="5" name="Picture 4" descr="A picture containing wall&#10;&#10;Description generated with high confidence">
-            <a:extLst>
-              <a:ext uri="{FF2B5EF4-FFF2-40B4-BE49-F238E27FC236}">
-                <a16:creationId xmlns:a16="http://schemas.microsoft.com/office/drawing/2014/main" id="{43E92EC6-E36C-42BA-942E-B5711F6ECB82}"/>
-              </a:ext>
-            </a:extLst>
-          </p:cNvPr>
-          <p:cNvPicPr>
-            <a:picLocks noChangeAspect="1"/>
-          </p:cNvPicPr>
-          <p:nvPr/>
-        </p:nvPicPr>
-        <p:blipFill>
-          <a:blip r:embed="rId2"/>
-          <a:stretch>
-            <a:fillRect/>
-          </a:stretch>
-        </p:blipFill>
-        <p:spPr>
-          <a:xfrm>
-            <a:off x="307129" y="2177274"/>
-            <a:ext cx="6934702" cy="1907042"/>
-          </a:xfrm>
-          <a:prstGeom prst="rect">
-            <a:avLst/>
-          </a:prstGeom>
-          <a:effectLst>
-            <a:innerShdw blurRad="57150" dist="38100" dir="14460000">
-              <a:prstClr val="black">
-                <a:alpha val="70000"/>
-              </a:prstClr>
-            </a:innerShdw>
-          </a:effectLst>
-        </p:spPr>
-      </p:pic>
-      <p:sp>
-        <p:nvSpPr>
-          <p:cNvPr id="3" name="Content Placeholder 2">
-            <a:extLst>
-              <a:ext uri="{FF2B5EF4-FFF2-40B4-BE49-F238E27FC236}">
-                <a16:creationId xmlns:a16="http://schemas.microsoft.com/office/drawing/2014/main" id="{3E3CE4C3-BF0A-4957-95D7-FBC24D682FEA}"/>
-              </a:ext>
-            </a:extLst>
-          </p:cNvPr>
-          <p:cNvSpPr>
-            <a:spLocks noGrp="1"/>
-          </p:cNvSpPr>
-          <p:nvPr>
-            <p:ph idx="1"/>
-          </p:nvPr>
-        </p:nvSpPr>
-        <p:spPr>
-          <a:xfrm>
-            <a:off x="7102405" y="359830"/>
-            <a:ext cx="4419171" cy="4295552"/>
-          </a:xfrm>
-        </p:spPr>
-        <p:txBody>
-          <a:bodyPr>
-            <a:normAutofit/>
-          </a:bodyPr>
-          <a:lstStyle/>
-          <a:p>
-            <a:pPr lvl="1"/>
-            <a:r>
-              <a:rPr lang="en-US" dirty="0">
-                <a:latin typeface="Helvetica" charset="0"/>
-                <a:ea typeface="Helvetica" charset="0"/>
-                <a:cs typeface="Helvetica" charset="0"/>
-              </a:rPr>
-              <a:t>Based on our analysis of the data we generated from transformation and integration, we have identified some key attributes which will be central to our prediction algorithm</a:t>
-            </a:r>
-          </a:p>
-          <a:p>
-            <a:pPr lvl="1"/>
-            <a:r>
-              <a:rPr lang="en-GB" dirty="0"/>
-              <a:t>We feel we now have a set of attributes that are suitable for a classification algorithm such as K Nearest Neighbour or a Decision Tree.</a:t>
-            </a:r>
-          </a:p>
-        </p:txBody>
-      </p:sp>
-      <p:sp>
-        <p:nvSpPr>
-          <p:cNvPr id="6" name="Rectangle 5">
-            <a:extLst>
-              <a:ext uri="{FF2B5EF4-FFF2-40B4-BE49-F238E27FC236}">
-                <a16:creationId xmlns:a16="http://schemas.microsoft.com/office/drawing/2014/main" id="{03C62D19-B298-47BE-A54F-7BFFEA3012C8}"/>
-              </a:ext>
-            </a:extLst>
-          </p:cNvPr>
-          <p:cNvSpPr/>
-          <p:nvPr/>
-        </p:nvSpPr>
-        <p:spPr>
-          <a:xfrm>
-            <a:off x="-283760" y="1765712"/>
-            <a:ext cx="3416320" cy="369332"/>
-          </a:xfrm>
-          <a:prstGeom prst="rect">
-            <a:avLst/>
-          </a:prstGeom>
-        </p:spPr>
-        <p:txBody>
-          <a:bodyPr wrap="none">
-            <a:spAutoFit/>
-          </a:bodyPr>
-          <a:lstStyle/>
-          <a:p>
-            <a:pPr lvl="1"/>
-            <a:r>
-              <a:rPr lang="en-US" dirty="0">
-                <a:latin typeface="Helvetica" charset="0"/>
-                <a:ea typeface="Helvetica" charset="0"/>
-                <a:cs typeface="Helvetica" charset="0"/>
-              </a:rPr>
-              <a:t>Our dataset went from this:</a:t>
-            </a:r>
-          </a:p>
-        </p:txBody>
-      </p:sp>
-      <p:sp>
-        <p:nvSpPr>
-          <p:cNvPr id="7" name="Rectangle 6">
-            <a:extLst>
-              <a:ext uri="{FF2B5EF4-FFF2-40B4-BE49-F238E27FC236}">
-                <a16:creationId xmlns:a16="http://schemas.microsoft.com/office/drawing/2014/main" id="{CEF41B1C-C13A-492B-B2DC-0EC19D245573}"/>
-              </a:ext>
-            </a:extLst>
-          </p:cNvPr>
-          <p:cNvSpPr/>
-          <p:nvPr/>
-        </p:nvSpPr>
-        <p:spPr>
-          <a:xfrm>
-            <a:off x="-283760" y="4093552"/>
-            <a:ext cx="1377365" cy="369332"/>
-          </a:xfrm>
-          <a:prstGeom prst="rect">
-            <a:avLst/>
-          </a:prstGeom>
-        </p:spPr>
-        <p:txBody>
-          <a:bodyPr wrap="none">
-            <a:spAutoFit/>
-          </a:bodyPr>
-          <a:lstStyle/>
-          <a:p>
-            <a:pPr lvl="1"/>
-            <a:r>
-              <a:rPr lang="en-US" dirty="0">
-                <a:latin typeface="Helvetica" charset="0"/>
-                <a:ea typeface="Helvetica" charset="0"/>
-                <a:cs typeface="Helvetica" charset="0"/>
-              </a:rPr>
-              <a:t>To this:</a:t>
-            </a:r>
-          </a:p>
-        </p:txBody>
-      </p:sp>
-      <p:pic>
-        <p:nvPicPr>
-          <p:cNvPr id="9" name="Picture 8">
-            <a:extLst>
-              <a:ext uri="{FF2B5EF4-FFF2-40B4-BE49-F238E27FC236}">
-                <a16:creationId xmlns:a16="http://schemas.microsoft.com/office/drawing/2014/main" id="{86F3B70D-A5CF-428E-8748-639B6C971CDD}"/>
-              </a:ext>
-            </a:extLst>
-          </p:cNvPr>
-          <p:cNvPicPr>
-            <a:picLocks noChangeAspect="1"/>
-          </p:cNvPicPr>
-          <p:nvPr/>
-        </p:nvPicPr>
-        <p:blipFill>
-          <a:blip r:embed="rId3"/>
-          <a:stretch>
-            <a:fillRect/>
-          </a:stretch>
-        </p:blipFill>
-        <p:spPr>
-          <a:xfrm>
-            <a:off x="342678" y="4547170"/>
-            <a:ext cx="6934701" cy="2007422"/>
-          </a:xfrm>
-          <a:prstGeom prst="rect">
-            <a:avLst/>
-          </a:prstGeom>
-        </p:spPr>
-      </p:pic>
-    </p:spTree>
-    <p:extLst>
-      <p:ext uri="{BB962C8B-B14F-4D97-AF65-F5344CB8AC3E}">
-        <p14:creationId xmlns:p14="http://schemas.microsoft.com/office/powerpoint/2010/main" val="1929422650"/>
-      </p:ext>
-    </p:extLst>
-  </p:cSld>
-  <p:clrMapOvr>
-    <a:masterClrMapping/>
-  </p:clrMapOvr>
-</p:sld>
-</file>
-
-<file path=ppt/slides/slide2.xml><?xml version="1.0" encoding="utf-8"?>
-<p:sld xmlns:a="http://schemas.openxmlformats.org/drawingml/2006/main" xmlns:r="http://schemas.openxmlformats.org/officeDocument/2006/relationships" xmlns:p="http://schemas.openxmlformats.org/presentationml/2006/main">
-  <p:cSld>
-    <p:bg>
-      <p:bgPr>
-        <a:gradFill rotWithShape="1">
-          <a:gsLst>
-            <a:gs pos="10000">
-              <a:schemeClr val="bg2">
-                <a:tint val="97000"/>
-                <a:hueMod val="92000"/>
-                <a:satMod val="169000"/>
-                <a:lumMod val="164000"/>
-              </a:schemeClr>
-            </a:gs>
-            <a:gs pos="100000">
-              <a:schemeClr val="bg2">
-                <a:shade val="96000"/>
-                <a:satMod val="120000"/>
-                <a:lumMod val="90000"/>
-              </a:schemeClr>
-            </a:gs>
-          </a:gsLst>
-          <a:lin ang="6120000" scaled="1"/>
-        </a:gradFill>
-        <a:effectLst/>
-      </p:bgPr>
-    </p:bg>
-    <p:spTree>
-      <p:nvGrpSpPr>
-        <p:cNvPr id="1" name=""/>
-        <p:cNvGrpSpPr/>
-        <p:nvPr/>
-      </p:nvGrpSpPr>
-      <p:grpSpPr>
-        <a:xfrm>
-          <a:off x="0" y="0"/>
-          <a:ext cx="0" cy="0"/>
-          <a:chOff x="0" y="0"/>
-          <a:chExt cx="0" cy="0"/>
-        </a:xfrm>
-      </p:grpSpPr>
-      <p:sp>
-        <p:nvSpPr>
-          <p:cNvPr id="2" name="Title 1">
-            <a:extLst>
-              <a:ext uri="{FF2B5EF4-FFF2-40B4-BE49-F238E27FC236}">
-                <a16:creationId xmlns:a16="http://schemas.microsoft.com/office/drawing/2014/main" id="{73BCA3E8-B163-4626-AB15-C2F610CF26B4}"/>
-              </a:ext>
-            </a:extLst>
-          </p:cNvPr>
-          <p:cNvSpPr>
-            <a:spLocks noGrp="1"/>
-          </p:cNvSpPr>
-          <p:nvPr>
-            <p:ph type="title"/>
-          </p:nvPr>
-        </p:nvSpPr>
-        <p:spPr>
-          <a:xfrm>
-            <a:off x="8194088" y="490492"/>
-            <a:ext cx="3643435" cy="4063754"/>
-          </a:xfrm>
-        </p:spPr>
-        <p:txBody>
-          <a:bodyPr>
-            <a:normAutofit/>
-          </a:bodyPr>
-          <a:lstStyle/>
-          <a:p>
-            <a:r>
-              <a:rPr lang="en-GB" dirty="0"/>
-              <a:t>Our Datasets</a:t>
-            </a:r>
-          </a:p>
-        </p:txBody>
-      </p:sp>
-      <p:sp>
-        <p:nvSpPr>
-          <p:cNvPr id="3" name="Content Placeholder 2">
-            <a:extLst>
-              <a:ext uri="{FF2B5EF4-FFF2-40B4-BE49-F238E27FC236}">
-                <a16:creationId xmlns:a16="http://schemas.microsoft.com/office/drawing/2014/main" id="{3E3CE4C3-BF0A-4957-95D7-FBC24D682FEA}"/>
-              </a:ext>
-            </a:extLst>
-          </p:cNvPr>
-          <p:cNvSpPr>
-            <a:spLocks noGrp="1"/>
-          </p:cNvSpPr>
-          <p:nvPr>
-            <p:ph idx="1"/>
-          </p:nvPr>
-        </p:nvSpPr>
-        <p:spPr>
-          <a:xfrm>
-            <a:off x="684212" y="380247"/>
-            <a:ext cx="7195828" cy="3588072"/>
-          </a:xfrm>
-        </p:spPr>
-        <p:txBody>
-          <a:bodyPr>
-            <a:normAutofit/>
-          </a:bodyPr>
-          <a:lstStyle/>
-          <a:p>
-            <a:r>
-              <a:rPr lang="en-GB" dirty="0"/>
-              <a:t>Premier League Games Datasets – 2000/01 to 2017/18 – from football-data.co.uk – 18 separate datasets</a:t>
-            </a:r>
-          </a:p>
-          <a:p>
-            <a:r>
-              <a:rPr lang="en-GB" dirty="0"/>
-              <a:t>This dataset contains information about every game from this time period.</a:t>
-            </a:r>
-          </a:p>
-          <a:p>
-            <a:r>
-              <a:rPr lang="en-GB" dirty="0"/>
-              <a:t>The number of attributes in these datasets ranged from 28 to 65.</a:t>
-            </a:r>
-          </a:p>
-          <a:p>
-            <a:r>
-              <a:rPr lang="en-GB" dirty="0"/>
-              <a:t>Lots of irrelevant data – in–game stats, bookies odds</a:t>
-            </a:r>
-          </a:p>
-        </p:txBody>
-      </p:sp>
-      <p:pic>
-        <p:nvPicPr>
-          <p:cNvPr id="6" name="Picture 5" descr="A picture containing wall&#10;&#10;Description generated with high confidence">
-            <a:extLst>
-              <a:ext uri="{FF2B5EF4-FFF2-40B4-BE49-F238E27FC236}">
-                <a16:creationId xmlns:a16="http://schemas.microsoft.com/office/drawing/2014/main" id="{EABF7FB9-AB7A-4BC9-9AC0-E7B92CC3B000}"/>
-              </a:ext>
-            </a:extLst>
-          </p:cNvPr>
-          <p:cNvPicPr>
-            <a:picLocks noChangeAspect="1"/>
-          </p:cNvPicPr>
-          <p:nvPr/>
-        </p:nvPicPr>
-        <p:blipFill>
-          <a:blip r:embed="rId2"/>
-          <a:stretch>
-            <a:fillRect/>
-          </a:stretch>
-        </p:blipFill>
-        <p:spPr>
-          <a:xfrm>
-            <a:off x="684212" y="4138488"/>
-            <a:ext cx="9672266" cy="2229020"/>
-          </a:xfrm>
-          <a:prstGeom prst="rect">
-            <a:avLst/>
-          </a:prstGeom>
-        </p:spPr>
-      </p:pic>
-    </p:spTree>
-    <p:extLst>
-      <p:ext uri="{BB962C8B-B14F-4D97-AF65-F5344CB8AC3E}">
-        <p14:creationId xmlns:p14="http://schemas.microsoft.com/office/powerpoint/2010/main" val="2983668870"/>
-      </p:ext>
-    </p:extLst>
-  </p:cSld>
-  <p:clrMapOvr>
-    <a:masterClrMapping/>
-  </p:clrMapOvr>
-</p:sld>
-</file>
-
-<file path=ppt/slides/slide3.xml><?xml version="1.0" encoding="utf-8"?>
-<p:sld xmlns:a="http://schemas.openxmlformats.org/drawingml/2006/main" xmlns:r="http://schemas.openxmlformats.org/officeDocument/2006/relationships" xmlns:p="http://schemas.openxmlformats.org/presentationml/2006/main">
-  <p:cSld>
-    <p:bg>
-      <p:bgPr>
-        <a:gradFill rotWithShape="1">
-          <a:gsLst>
-            <a:gs pos="10000">
-              <a:schemeClr val="bg2">
-                <a:tint val="97000"/>
-                <a:hueMod val="92000"/>
-                <a:satMod val="169000"/>
-                <a:lumMod val="164000"/>
-              </a:schemeClr>
-            </a:gs>
-            <a:gs pos="100000">
-              <a:schemeClr val="bg2">
-                <a:shade val="96000"/>
-                <a:satMod val="120000"/>
-                <a:lumMod val="90000"/>
-              </a:schemeClr>
-            </a:gs>
-          </a:gsLst>
-          <a:lin ang="6120000" scaled="1"/>
-        </a:gradFill>
-        <a:effectLst/>
-      </p:bgPr>
-    </p:bg>
-    <p:spTree>
-      <p:nvGrpSpPr>
-        <p:cNvPr id="1" name=""/>
-        <p:cNvGrpSpPr/>
-        <p:nvPr/>
-      </p:nvGrpSpPr>
-      <p:grpSpPr>
-        <a:xfrm>
-          <a:off x="0" y="0"/>
-          <a:ext cx="0" cy="0"/>
-          <a:chOff x="0" y="0"/>
-          <a:chExt cx="0" cy="0"/>
-        </a:xfrm>
-      </p:grpSpPr>
-      <p:sp>
-        <p:nvSpPr>
-          <p:cNvPr id="2" name="Title 1">
-            <a:extLst>
-              <a:ext uri="{FF2B5EF4-FFF2-40B4-BE49-F238E27FC236}">
-                <a16:creationId xmlns:a16="http://schemas.microsoft.com/office/drawing/2014/main" id="{780318D2-AB1D-4649-83D3-FBA67FB96824}"/>
-              </a:ext>
-            </a:extLst>
-          </p:cNvPr>
-          <p:cNvSpPr>
-            <a:spLocks noGrp="1"/>
-          </p:cNvSpPr>
-          <p:nvPr>
-            <p:ph type="title"/>
-          </p:nvPr>
-        </p:nvSpPr>
-        <p:spPr>
-          <a:xfrm>
-            <a:off x="8194088" y="490492"/>
-            <a:ext cx="3643435" cy="4063754"/>
-          </a:xfrm>
-        </p:spPr>
-        <p:txBody>
-          <a:bodyPr>
-            <a:normAutofit/>
-          </a:bodyPr>
-          <a:lstStyle/>
-          <a:p>
-            <a:r>
-              <a:rPr lang="en-US" dirty="0"/>
-              <a:t>Possible Attributes</a:t>
-            </a:r>
-            <a:endParaRPr lang="en-GB" dirty="0"/>
-          </a:p>
-        </p:txBody>
-      </p:sp>
-      <p:sp>
-        <p:nvSpPr>
-          <p:cNvPr id="3" name="Content Placeholder 2">
-            <a:extLst>
-              <a:ext uri="{FF2B5EF4-FFF2-40B4-BE49-F238E27FC236}">
-                <a16:creationId xmlns:a16="http://schemas.microsoft.com/office/drawing/2014/main" id="{30B99E1B-51BF-47FC-96D2-8C5E5ECFBC01}"/>
-              </a:ext>
-            </a:extLst>
-          </p:cNvPr>
-          <p:cNvSpPr>
-            <a:spLocks noGrp="1"/>
-          </p:cNvSpPr>
-          <p:nvPr>
-            <p:ph idx="1"/>
-          </p:nvPr>
-        </p:nvSpPr>
-        <p:spPr>
-          <a:xfrm>
-            <a:off x="684212" y="490491"/>
-            <a:ext cx="7195828" cy="3477827"/>
-          </a:xfrm>
-        </p:spPr>
-        <p:txBody>
-          <a:bodyPr>
-            <a:normAutofit/>
-          </a:bodyPr>
-          <a:lstStyle/>
-          <a:p>
-            <a:pPr>
-              <a:lnSpc>
-                <a:spcPct val="90000"/>
-              </a:lnSpc>
-            </a:pPr>
-            <a:endParaRPr lang="en-GB" sz="1400" dirty="0"/>
-          </a:p>
-          <a:p>
-            <a:pPr>
-              <a:lnSpc>
-                <a:spcPct val="90000"/>
-              </a:lnSpc>
-            </a:pPr>
-            <a:endParaRPr lang="en-GB" sz="1400" dirty="0"/>
-          </a:p>
-          <a:p>
-            <a:pPr>
-              <a:lnSpc>
-                <a:spcPct val="90000"/>
-              </a:lnSpc>
-            </a:pPr>
-            <a:r>
-              <a:rPr lang="en-US" sz="1400" dirty="0"/>
-              <a:t>W</a:t>
-            </a:r>
-            <a:r>
-              <a:rPr lang="en-GB" sz="1400" dirty="0"/>
-              <a:t>hen we stripped out all the irrelevant attributes (In-Game Stats, Bookies Odds) we still had no clear attributes to make a prediction with.</a:t>
-            </a:r>
-          </a:p>
-          <a:p>
-            <a:pPr>
-              <a:lnSpc>
-                <a:spcPct val="90000"/>
-              </a:lnSpc>
-            </a:pPr>
-            <a:r>
-              <a:rPr lang="en-GB" sz="1400" dirty="0"/>
-              <a:t>We knew we needed to perform some data transformation techniques to generate some attributes.</a:t>
-            </a:r>
-          </a:p>
-          <a:p>
-            <a:pPr>
-              <a:lnSpc>
-                <a:spcPct val="90000"/>
-              </a:lnSpc>
-            </a:pPr>
-            <a:r>
-              <a:rPr lang="en-US" sz="1400" dirty="0"/>
-              <a:t>W</a:t>
-            </a:r>
-            <a:r>
-              <a:rPr lang="en-GB" sz="1400" dirty="0"/>
-              <a:t>e looked at what the dataset had to offer (Date, Full Time Result, Goals Scored etc) and thought of how we could utilise these attributes. </a:t>
-            </a:r>
-          </a:p>
-          <a:p>
-            <a:pPr>
-              <a:lnSpc>
-                <a:spcPct val="90000"/>
-              </a:lnSpc>
-            </a:pPr>
-            <a:r>
-              <a:rPr lang="en-US" sz="1400" dirty="0"/>
-              <a:t>Due to the fact we had the date, we knew we could </a:t>
-            </a:r>
-            <a:r>
-              <a:rPr lang="en-US" sz="1400" dirty="0" err="1"/>
-              <a:t>utilise</a:t>
-            </a:r>
-            <a:r>
-              <a:rPr lang="en-US" sz="1400" dirty="0"/>
-              <a:t> attribute construction and aggregation to generate new attributes. </a:t>
-            </a:r>
-          </a:p>
-          <a:p>
-            <a:pPr>
-              <a:lnSpc>
-                <a:spcPct val="90000"/>
-              </a:lnSpc>
-            </a:pPr>
-            <a:r>
-              <a:rPr lang="en-US" sz="1400" dirty="0"/>
-              <a:t>Some of these attributes included goal difference between teams, team points and team form</a:t>
-            </a:r>
-            <a:endParaRPr lang="en-GB" sz="1400" dirty="0"/>
-          </a:p>
-          <a:p>
-            <a:pPr marL="0" indent="0">
-              <a:lnSpc>
-                <a:spcPct val="90000"/>
-              </a:lnSpc>
-              <a:buNone/>
-            </a:pPr>
-            <a:endParaRPr lang="en-GB" sz="1400" dirty="0"/>
-          </a:p>
-        </p:txBody>
-      </p:sp>
-      <p:pic>
-        <p:nvPicPr>
-          <p:cNvPr id="5" name="Picture 4" descr="A screenshot of a cell phone&#10;&#10;Description generated with very high confidence">
-            <a:extLst>
-              <a:ext uri="{FF2B5EF4-FFF2-40B4-BE49-F238E27FC236}">
-                <a16:creationId xmlns:a16="http://schemas.microsoft.com/office/drawing/2014/main" id="{31A3CACC-56D0-411D-952C-84C576754521}"/>
-              </a:ext>
-            </a:extLst>
-          </p:cNvPr>
-          <p:cNvPicPr>
-            <a:picLocks noChangeAspect="1"/>
-          </p:cNvPicPr>
-          <p:nvPr/>
-        </p:nvPicPr>
-        <p:blipFill>
-          <a:blip r:embed="rId2"/>
-          <a:stretch>
-            <a:fillRect/>
-          </a:stretch>
-        </p:blipFill>
-        <p:spPr>
-          <a:xfrm>
-            <a:off x="684212" y="4132926"/>
-            <a:ext cx="7195828" cy="1745309"/>
-          </a:xfrm>
-          <a:prstGeom prst="rect">
-            <a:avLst/>
-          </a:prstGeom>
-        </p:spPr>
-      </p:pic>
-    </p:spTree>
-    <p:extLst>
-      <p:ext uri="{BB962C8B-B14F-4D97-AF65-F5344CB8AC3E}">
-        <p14:creationId xmlns:p14="http://schemas.microsoft.com/office/powerpoint/2010/main" val="490186074"/>
-      </p:ext>
-    </p:extLst>
-  </p:cSld>
-  <p:clrMapOvr>
-    <a:masterClrMapping/>
-  </p:clrMapOvr>
-</p:sld>
-</file>
-
-<file path=ppt/slides/slide4.xml><?xml version="1.0" encoding="utf-8"?>
-<p:sld xmlns:a="http://schemas.openxmlformats.org/drawingml/2006/main" xmlns:r="http://schemas.openxmlformats.org/officeDocument/2006/relationships" xmlns:p="http://schemas.openxmlformats.org/presentationml/2006/main">
-  <p:cSld>
-    <p:spTree>
-      <p:nvGrpSpPr>
-        <p:cNvPr id="1" name=""/>
-        <p:cNvGrpSpPr/>
-        <p:nvPr/>
-      </p:nvGrpSpPr>
-      <p:grpSpPr>
-        <a:xfrm>
-          <a:off x="0" y="0"/>
-          <a:ext cx="0" cy="0"/>
-          <a:chOff x="0" y="0"/>
-          <a:chExt cx="0" cy="0"/>
-        </a:xfrm>
-      </p:grpSpPr>
-      <p:sp>
-        <p:nvSpPr>
-          <p:cNvPr id="2" name="Title 1">
-            <a:extLst>
-              <a:ext uri="{FF2B5EF4-FFF2-40B4-BE49-F238E27FC236}">
-                <a16:creationId xmlns:a16="http://schemas.microsoft.com/office/drawing/2014/main" id="{73BCA3E8-B163-4626-AB15-C2F610CF26B4}"/>
-              </a:ext>
-            </a:extLst>
-          </p:cNvPr>
-          <p:cNvSpPr>
-            <a:spLocks noGrp="1"/>
-          </p:cNvSpPr>
-          <p:nvPr>
-            <p:ph type="title"/>
-          </p:nvPr>
-        </p:nvSpPr>
-        <p:spPr>
-          <a:xfrm>
-            <a:off x="798076" y="4834569"/>
-            <a:ext cx="8534400" cy="1507067"/>
-          </a:xfrm>
-        </p:spPr>
-        <p:txBody>
-          <a:bodyPr>
-            <a:normAutofit/>
-          </a:bodyPr>
-          <a:lstStyle/>
-          <a:p>
-            <a:r>
-              <a:rPr lang="en-GB" dirty="0"/>
-              <a:t>Attribute Analysis – </a:t>
-            </a:r>
-            <a:br>
-              <a:rPr lang="en-GB" dirty="0"/>
-            </a:br>
-            <a:r>
-              <a:rPr lang="en-GB" dirty="0"/>
-              <a:t>Aggregate win percentage </a:t>
-            </a:r>
-          </a:p>
-        </p:txBody>
-      </p:sp>
-      <p:pic>
-        <p:nvPicPr>
-          <p:cNvPr id="8" name="Content Placeholder 4">
-            <a:extLst>
-              <a:ext uri="{FF2B5EF4-FFF2-40B4-BE49-F238E27FC236}">
-                <a16:creationId xmlns:a16="http://schemas.microsoft.com/office/drawing/2014/main" id="{08E50B3B-4597-4D46-BD3C-2A70E1B43B32}"/>
-              </a:ext>
-            </a:extLst>
-          </p:cNvPr>
-          <p:cNvPicPr>
-            <a:picLocks noChangeAspect="1"/>
-          </p:cNvPicPr>
-          <p:nvPr/>
-        </p:nvPicPr>
-        <p:blipFill rotWithShape="1">
-          <a:blip r:embed="rId2"/>
-          <a:srcRect l="5489" r="-1" b="-1"/>
-          <a:stretch/>
-        </p:blipFill>
-        <p:spPr>
-          <a:xfrm>
-            <a:off x="798076" y="516364"/>
-            <a:ext cx="4506141" cy="3575884"/>
-          </a:xfrm>
-          <a:prstGeom prst="rect">
-            <a:avLst/>
-          </a:prstGeom>
-          <a:effectLst>
-            <a:innerShdw blurRad="57150" dist="38100" dir="14460000">
-              <a:prstClr val="black">
-                <a:alpha val="70000"/>
-              </a:prstClr>
-            </a:innerShdw>
-          </a:effectLst>
-        </p:spPr>
-      </p:pic>
-      <p:sp>
-        <p:nvSpPr>
-          <p:cNvPr id="10" name="Content Placeholder 9">
-            <a:extLst>
-              <a:ext uri="{FF2B5EF4-FFF2-40B4-BE49-F238E27FC236}">
-                <a16:creationId xmlns:a16="http://schemas.microsoft.com/office/drawing/2014/main" id="{58B2802A-45C9-49E2-8837-CE2A3753F856}"/>
-              </a:ext>
-            </a:extLst>
-          </p:cNvPr>
-          <p:cNvSpPr>
-            <a:spLocks noGrp="1"/>
-          </p:cNvSpPr>
-          <p:nvPr>
-            <p:ph idx="1"/>
-          </p:nvPr>
-        </p:nvSpPr>
-        <p:spPr>
-          <a:xfrm>
-            <a:off x="6499650" y="1783734"/>
-            <a:ext cx="4419171" cy="3575884"/>
-          </a:xfrm>
-        </p:spPr>
-        <p:txBody>
-          <a:bodyPr>
-            <a:normAutofit/>
-          </a:bodyPr>
-          <a:lstStyle/>
-          <a:p>
-            <a:r>
-              <a:rPr lang="en-US" dirty="0"/>
-              <a:t>We overlooked how big a part Home advantage played. </a:t>
-            </a:r>
-          </a:p>
-          <a:p>
-            <a:r>
-              <a:rPr lang="en-US" dirty="0"/>
-              <a:t>Initial we had only considered a match as a head to head without taking home advantage into consideration</a:t>
-            </a:r>
-          </a:p>
-          <a:p>
-            <a:r>
-              <a:rPr lang="en-US" dirty="0"/>
-              <a:t>We determined that there should be a bias towards the home team</a:t>
-            </a:r>
-          </a:p>
-        </p:txBody>
-      </p:sp>
-      <p:pic>
-        <p:nvPicPr>
-          <p:cNvPr id="4" name="Picture 3">
-            <a:extLst>
-              <a:ext uri="{FF2B5EF4-FFF2-40B4-BE49-F238E27FC236}">
-                <a16:creationId xmlns:a16="http://schemas.microsoft.com/office/drawing/2014/main" id="{8AE383E5-B313-4E9A-86E7-BB82846A0921}"/>
-              </a:ext>
-            </a:extLst>
-          </p:cNvPr>
-          <p:cNvPicPr>
-            <a:picLocks noChangeAspect="1"/>
-          </p:cNvPicPr>
-          <p:nvPr/>
-        </p:nvPicPr>
-        <p:blipFill>
-          <a:blip r:embed="rId3"/>
-          <a:stretch>
-            <a:fillRect/>
-          </a:stretch>
-        </p:blipFill>
-        <p:spPr>
-          <a:xfrm>
-            <a:off x="5762180" y="516364"/>
-            <a:ext cx="5894109" cy="1389734"/>
-          </a:xfrm>
-          <a:prstGeom prst="rect">
-            <a:avLst/>
-          </a:prstGeom>
-        </p:spPr>
-      </p:pic>
-    </p:spTree>
-    <p:extLst>
-      <p:ext uri="{BB962C8B-B14F-4D97-AF65-F5344CB8AC3E}">
-        <p14:creationId xmlns:p14="http://schemas.microsoft.com/office/powerpoint/2010/main" val="1666605950"/>
-      </p:ext>
-    </p:extLst>
-  </p:cSld>
-  <p:clrMapOvr>
-    <a:masterClrMapping/>
-  </p:clrMapOvr>
-</p:sld>
-</file>
-
-<file path=ppt/slides/slide5.xml><?xml version="1.0" encoding="utf-8"?>
-<p:sld xmlns:a="http://schemas.openxmlformats.org/drawingml/2006/main" xmlns:r="http://schemas.openxmlformats.org/officeDocument/2006/relationships" xmlns:p="http://schemas.openxmlformats.org/presentationml/2006/main">
-  <p:cSld>
-    <p:bg>
-      <p:bgPr>
-        <a:gradFill rotWithShape="1">
-          <a:gsLst>
-            <a:gs pos="10000">
-              <a:schemeClr val="bg2">
-                <a:tint val="97000"/>
-                <a:hueMod val="92000"/>
-                <a:satMod val="169000"/>
-                <a:lumMod val="164000"/>
-              </a:schemeClr>
-            </a:gs>
-            <a:gs pos="100000">
-              <a:schemeClr val="bg2">
-                <a:shade val="96000"/>
-                <a:satMod val="120000"/>
-                <a:lumMod val="90000"/>
-              </a:schemeClr>
-            </a:gs>
-          </a:gsLst>
-          <a:lin ang="6120000" scaled="1"/>
-        </a:gradFill>
-        <a:effectLst/>
-      </p:bgPr>
-    </p:bg>
-    <p:spTree>
-      <p:nvGrpSpPr>
-        <p:cNvPr id="1" name=""/>
-        <p:cNvGrpSpPr/>
-        <p:nvPr/>
-      </p:nvGrpSpPr>
-      <p:grpSpPr>
-        <a:xfrm>
-          <a:off x="0" y="0"/>
-          <a:ext cx="0" cy="0"/>
-          <a:chOff x="0" y="0"/>
-          <a:chExt cx="0" cy="0"/>
-        </a:xfrm>
-      </p:grpSpPr>
-      <p:sp useBgFill="1">
-        <p:nvSpPr>
-          <p:cNvPr id="104" name="Rectangle 103">
-            <a:extLst>
-              <a:ext uri="{FF2B5EF4-FFF2-40B4-BE49-F238E27FC236}">
-                <a16:creationId xmlns:a16="http://schemas.microsoft.com/office/drawing/2014/main" id="{0E2F306A-EACD-45DC-B0AD-B4BE3259021A}"/>
+                <a16:creationId xmlns:a16="http://schemas.microsoft.com/office/drawing/2014/main" id="{2BDB7F85-D796-4A23-94A0-EAB405E0B52E}"/>
               </a:ext>
               <a:ext uri="{C183D7F6-B498-43B3-948B-1728B52AA6E4}">
                 <adec:decorative xmlns:adec="http://schemas.microsoft.com/office/drawing/2017/decorative" val="1"/>
@@ -6420,1261 +5535,8 @@
         </p:nvSpPr>
         <p:spPr>
           <a:xfrm>
-            <a:off x="4552378" y="4487332"/>
-            <a:ext cx="5556822" cy="1507067"/>
-          </a:xfrm>
-        </p:spPr>
-        <p:txBody>
-          <a:bodyPr vert="horz" lIns="91440" tIns="45720" rIns="91440" bIns="45720" rtlCol="0">
-            <a:normAutofit/>
-          </a:bodyPr>
-          <a:lstStyle/>
-          <a:p>
-            <a:r>
-              <a:rPr lang="en-US" dirty="0"/>
-              <a:t>Attribute Analysis – Points Difference </a:t>
-            </a:r>
-          </a:p>
-        </p:txBody>
-      </p:sp>
-      <p:sp>
-        <p:nvSpPr>
-          <p:cNvPr id="106" name="Rectangle 105">
-            <a:extLst>
-              <a:ext uri="{FF2B5EF4-FFF2-40B4-BE49-F238E27FC236}">
-                <a16:creationId xmlns:a16="http://schemas.microsoft.com/office/drawing/2014/main" id="{CFAED95C-57A9-4B1B-BCCD-C30862465A9D}"/>
-              </a:ext>
-              <a:ext uri="{C183D7F6-B498-43B3-948B-1728B52AA6E4}">
-                <adec:decorative xmlns:adec="http://schemas.microsoft.com/office/drawing/2017/decorative" val="1"/>
-              </a:ext>
-            </a:extLst>
-          </p:cNvPr>
-          <p:cNvSpPr>
-            <a:spLocks noGrp="1" noRot="1" noChangeAspect="1" noMove="1" noResize="1" noEditPoints="1" noAdjustHandles="1" noChangeArrowheads="1" noChangeShapeType="1" noTextEdit="1"/>
-          </p:cNvSpPr>
-          <p:nvPr>
-            <p:extLst>
-              <p:ext uri="{386F3935-93C4-4BCD-93E2-E3B085C9AB24}">
-                <p16:designElem xmlns:p16="http://schemas.microsoft.com/office/powerpoint/2015/main" val="1"/>
-              </p:ext>
-            </p:extLst>
-          </p:nvPr>
-        </p:nvSpPr>
-        <p:spPr>
-          <a:xfrm>
-            <a:off x="-3176" y="0"/>
-            <a:ext cx="4070923" cy="6858000"/>
-          </a:xfrm>
-          <a:prstGeom prst="rect">
-            <a:avLst/>
-          </a:prstGeom>
-          <a:solidFill>
-            <a:schemeClr val="tx1"/>
-          </a:solidFill>
-          <a:ln>
-            <a:noFill/>
-          </a:ln>
-          <a:effectLst>
-            <a:innerShdw blurRad="57150" dist="38100" dir="14460000">
-              <a:prstClr val="black">
-                <a:alpha val="70000"/>
-              </a:prstClr>
-            </a:innerShdw>
-          </a:effectLst>
-        </p:spPr>
-        <p:style>
-          <a:lnRef idx="2">
-            <a:schemeClr val="accent1">
-              <a:shade val="50000"/>
-            </a:schemeClr>
-          </a:lnRef>
-          <a:fillRef idx="1">
-            <a:schemeClr val="accent1"/>
-          </a:fillRef>
-          <a:effectRef idx="0">
-            <a:schemeClr val="accent1"/>
-          </a:effectRef>
-          <a:fontRef idx="minor">
-            <a:schemeClr val="lt1"/>
-          </a:fontRef>
-        </p:style>
-        <p:txBody>
-          <a:bodyPr rtlCol="0" anchor="ctr"/>
-          <a:lstStyle/>
-          <a:p>
-            <a:pPr algn="ctr"/>
-            <a:endParaRPr lang="en-US"/>
-          </a:p>
-        </p:txBody>
-      </p:sp>
-      <p:pic>
-        <p:nvPicPr>
-          <p:cNvPr id="59" name="Content Placeholder 5">
-            <a:extLst>
-              <a:ext uri="{FF2B5EF4-FFF2-40B4-BE49-F238E27FC236}">
-                <a16:creationId xmlns:a16="http://schemas.microsoft.com/office/drawing/2014/main" id="{02A3D275-F417-4C01-AE8B-A6B073A97C36}"/>
-              </a:ext>
-            </a:extLst>
-          </p:cNvPr>
-          <p:cNvPicPr>
-            <a:picLocks noChangeAspect="1"/>
-          </p:cNvPicPr>
-          <p:nvPr/>
-        </p:nvPicPr>
-        <p:blipFill rotWithShape="1">
-          <a:blip r:embed="rId2"/>
-          <a:srcRect r="43676"/>
-          <a:stretch/>
-        </p:blipFill>
-        <p:spPr>
-          <a:xfrm>
-            <a:off x="184598" y="685800"/>
-            <a:ext cx="3802563" cy="1184262"/>
-          </a:xfrm>
-          <a:prstGeom prst="rect">
-            <a:avLst/>
-          </a:prstGeom>
-        </p:spPr>
-      </p:pic>
-      <p:pic>
-        <p:nvPicPr>
-          <p:cNvPr id="5" name="Content Placeholder 4" descr="A picture containing object, writing implement, measuring stick&#10;&#10;Description generated with high confidence">
-            <a:extLst>
-              <a:ext uri="{FF2B5EF4-FFF2-40B4-BE49-F238E27FC236}">
-                <a16:creationId xmlns:a16="http://schemas.microsoft.com/office/drawing/2014/main" id="{BED15367-BFE2-43A1-8DAD-51C33982E908}"/>
-              </a:ext>
-            </a:extLst>
-          </p:cNvPr>
-          <p:cNvPicPr>
-            <a:picLocks noChangeAspect="1"/>
-          </p:cNvPicPr>
-          <p:nvPr/>
-        </p:nvPicPr>
-        <p:blipFill rotWithShape="1">
-          <a:blip r:embed="rId3"/>
-          <a:srcRect l="13312" r="14968" b="-4"/>
-          <a:stretch/>
-        </p:blipFill>
-        <p:spPr>
-          <a:xfrm>
-            <a:off x="74669" y="2359622"/>
-            <a:ext cx="3912492" cy="1813934"/>
-          </a:xfrm>
-          <a:prstGeom prst="rect">
-            <a:avLst/>
-          </a:prstGeom>
-        </p:spPr>
-      </p:pic>
-      <p:sp>
-        <p:nvSpPr>
-          <p:cNvPr id="66" name="Content Placeholder 36">
-            <a:extLst>
-              <a:ext uri="{FF2B5EF4-FFF2-40B4-BE49-F238E27FC236}">
-                <a16:creationId xmlns:a16="http://schemas.microsoft.com/office/drawing/2014/main" id="{36D58AFA-CB70-421D-BB5F-E28BD5C2705A}"/>
-              </a:ext>
-            </a:extLst>
-          </p:cNvPr>
-          <p:cNvSpPr>
-            <a:spLocks noGrp="1"/>
-          </p:cNvSpPr>
-          <p:nvPr>
-            <p:ph idx="1"/>
-          </p:nvPr>
-        </p:nvSpPr>
-        <p:spPr>
-          <a:xfrm>
-            <a:off x="4552378" y="685800"/>
-            <a:ext cx="6952234" cy="3615267"/>
-          </a:xfrm>
-        </p:spPr>
-        <p:txBody>
-          <a:bodyPr>
-            <a:normAutofit fontScale="92500"/>
-          </a:bodyPr>
-          <a:lstStyle/>
-          <a:p>
-            <a:r>
-              <a:rPr lang="en-US" dirty="0"/>
-              <a:t>From looking at the original dataset we discovered we could generate both teams points using the date, the team and the full time result for each game. </a:t>
-            </a:r>
-          </a:p>
-          <a:p>
-            <a:r>
-              <a:rPr lang="en-US" dirty="0"/>
-              <a:t>There are two bar charts shown – Difference in points for Week 2 and Week 19</a:t>
-            </a:r>
-          </a:p>
-          <a:p>
-            <a:r>
-              <a:rPr lang="en-US" dirty="0"/>
-              <a:t>We contrived from the Week 2 diagram that early on in the season difference in points has little bearing.</a:t>
-            </a:r>
-          </a:p>
-          <a:p>
-            <a:r>
-              <a:rPr lang="en-US" dirty="0"/>
-              <a:t>At the mid way point of the season we </a:t>
-            </a:r>
-            <a:r>
-              <a:rPr lang="en-US" dirty="0" err="1"/>
-              <a:t>realised</a:t>
-            </a:r>
-            <a:r>
-              <a:rPr lang="en-US" dirty="0"/>
-              <a:t> how much of an impact difference in points has when the greater the point difference between the teams.</a:t>
-            </a:r>
-          </a:p>
-        </p:txBody>
-      </p:sp>
-      <p:pic>
-        <p:nvPicPr>
-          <p:cNvPr id="32" name="Content Placeholder 4" descr="A screenshot of a cell phone&#10;&#10;Description generated with high confidence">
-            <a:extLst>
-              <a:ext uri="{FF2B5EF4-FFF2-40B4-BE49-F238E27FC236}">
-                <a16:creationId xmlns:a16="http://schemas.microsoft.com/office/drawing/2014/main" id="{65EF952B-C404-4AFB-ABA3-D4B8148B81D3}"/>
-              </a:ext>
-            </a:extLst>
-          </p:cNvPr>
-          <p:cNvPicPr>
-            <a:picLocks noChangeAspect="1"/>
-          </p:cNvPicPr>
-          <p:nvPr/>
-        </p:nvPicPr>
-        <p:blipFill rotWithShape="1">
-          <a:blip r:embed="rId4"/>
-          <a:srcRect l="13955" r="22664" b="-3"/>
-          <a:stretch/>
-        </p:blipFill>
-        <p:spPr>
-          <a:xfrm>
-            <a:off x="74669" y="4480604"/>
-            <a:ext cx="3912492" cy="2052574"/>
-          </a:xfrm>
-          <a:prstGeom prst="rect">
-            <a:avLst/>
-          </a:prstGeom>
-        </p:spPr>
-      </p:pic>
-      <p:grpSp>
-        <p:nvGrpSpPr>
-          <p:cNvPr id="108" name="Group 107">
-            <a:extLst>
-              <a:ext uri="{FF2B5EF4-FFF2-40B4-BE49-F238E27FC236}">
-                <a16:creationId xmlns:a16="http://schemas.microsoft.com/office/drawing/2014/main" id="{7628126E-4AB5-46CE-8202-5A895CF2181B}"/>
-              </a:ext>
-              <a:ext uri="{C183D7F6-B498-43B3-948B-1728B52AA6E4}">
-                <adec:decorative xmlns:adec="http://schemas.microsoft.com/office/drawing/2017/decorative" val="1"/>
-              </a:ext>
-            </a:extLst>
-          </p:cNvPr>
-          <p:cNvGrpSpPr>
-            <a:grpSpLocks noGrp="1" noUngrp="1" noRot="1" noChangeAspect="1" noMove="1" noResize="1"/>
-          </p:cNvGrpSpPr>
-          <p:nvPr>
-            <p:extLst>
-              <p:ext uri="{386F3935-93C4-4BCD-93E2-E3B085C9AB24}">
-                <p16:designElem xmlns:p16="http://schemas.microsoft.com/office/powerpoint/2015/main" val="1"/>
-              </p:ext>
-            </p:extLst>
-          </p:nvPr>
-        </p:nvGrpSpPr>
-        <p:grpSpPr>
-          <a:xfrm>
-            <a:off x="9206969" y="2963333"/>
-            <a:ext cx="2981858" cy="3208867"/>
-            <a:chOff x="9206969" y="2963333"/>
-            <a:chExt cx="2981858" cy="3208867"/>
-          </a:xfrm>
-        </p:grpSpPr>
-        <p:cxnSp>
-          <p:nvCxnSpPr>
-            <p:cNvPr id="109" name="Straight Connector 108">
-              <a:extLst>
-                <a:ext uri="{FF2B5EF4-FFF2-40B4-BE49-F238E27FC236}">
-                  <a16:creationId xmlns:a16="http://schemas.microsoft.com/office/drawing/2014/main" id="{1E13714C-A02D-4839-BBDA-0C39D99F6897}"/>
-                </a:ext>
-                <a:ext uri="{C183D7F6-B498-43B3-948B-1728B52AA6E4}">
-                  <adec:decorative xmlns:adec="http://schemas.microsoft.com/office/drawing/2017/decorative" val="1"/>
-                </a:ext>
-              </a:extLst>
-            </p:cNvPr>
-            <p:cNvCxnSpPr/>
-            <p:nvPr>
-              <p:extLst>
-                <p:ext uri="{386F3935-93C4-4BCD-93E2-E3B085C9AB24}">
-                  <p16:designElem xmlns:p16="http://schemas.microsoft.com/office/powerpoint/2015/main" val="1"/>
-                </p:ext>
-              </p:extLst>
-            </p:nvPr>
-          </p:nvCxnSpPr>
-          <p:spPr>
-            <a:xfrm flipH="1">
-              <a:off x="11276012" y="2963333"/>
-              <a:ext cx="912814" cy="912812"/>
-            </a:xfrm>
-            <a:prstGeom prst="line">
-              <a:avLst/>
-            </a:prstGeom>
-            <a:ln w="9525">
-              <a:solidFill>
-                <a:schemeClr val="tx1"/>
-              </a:solidFill>
-            </a:ln>
-          </p:spPr>
-          <p:style>
-            <a:lnRef idx="2">
-              <a:schemeClr val="accent1"/>
-            </a:lnRef>
-            <a:fillRef idx="0">
-              <a:schemeClr val="accent1"/>
-            </a:fillRef>
-            <a:effectRef idx="1">
-              <a:schemeClr val="accent1"/>
-            </a:effectRef>
-            <a:fontRef idx="minor">
-              <a:schemeClr val="tx1"/>
-            </a:fontRef>
-          </p:style>
-        </p:cxnSp>
-        <p:cxnSp>
-          <p:nvCxnSpPr>
-            <p:cNvPr id="110" name="Straight Connector 109">
-              <a:extLst>
-                <a:ext uri="{FF2B5EF4-FFF2-40B4-BE49-F238E27FC236}">
-                  <a16:creationId xmlns:a16="http://schemas.microsoft.com/office/drawing/2014/main" id="{C4664EA9-3F8D-48CE-B998-C3CD7DC83776}"/>
-                </a:ext>
-                <a:ext uri="{C183D7F6-B498-43B3-948B-1728B52AA6E4}">
-                  <adec:decorative xmlns:adec="http://schemas.microsoft.com/office/drawing/2017/decorative" val="1"/>
-                </a:ext>
-              </a:extLst>
-            </p:cNvPr>
-            <p:cNvCxnSpPr/>
-            <p:nvPr>
-              <p:extLst>
-                <p:ext uri="{386F3935-93C4-4BCD-93E2-E3B085C9AB24}">
-                  <p16:designElem xmlns:p16="http://schemas.microsoft.com/office/powerpoint/2015/main" val="1"/>
-                </p:ext>
-              </p:extLst>
-            </p:nvPr>
-          </p:nvCxnSpPr>
-          <p:spPr>
-            <a:xfrm flipH="1">
-              <a:off x="9206969" y="3190344"/>
-              <a:ext cx="2981857" cy="2981856"/>
-            </a:xfrm>
-            <a:prstGeom prst="line">
-              <a:avLst/>
-            </a:prstGeom>
-            <a:ln w="9525">
-              <a:solidFill>
-                <a:schemeClr val="tx1"/>
-              </a:solidFill>
-            </a:ln>
-          </p:spPr>
-          <p:style>
-            <a:lnRef idx="2">
-              <a:schemeClr val="accent1"/>
-            </a:lnRef>
-            <a:fillRef idx="0">
-              <a:schemeClr val="accent1"/>
-            </a:fillRef>
-            <a:effectRef idx="1">
-              <a:schemeClr val="accent1"/>
-            </a:effectRef>
-            <a:fontRef idx="minor">
-              <a:schemeClr val="tx1"/>
-            </a:fontRef>
-          </p:style>
-        </p:cxnSp>
-        <p:cxnSp>
-          <p:nvCxnSpPr>
-            <p:cNvPr id="111" name="Straight Connector 110">
-              <a:extLst>
-                <a:ext uri="{FF2B5EF4-FFF2-40B4-BE49-F238E27FC236}">
-                  <a16:creationId xmlns:a16="http://schemas.microsoft.com/office/drawing/2014/main" id="{8EE868B0-0996-44D3-88FB-A67E7E254F35}"/>
-                </a:ext>
-                <a:ext uri="{C183D7F6-B498-43B3-948B-1728B52AA6E4}">
-                  <adec:decorative xmlns:adec="http://schemas.microsoft.com/office/drawing/2017/decorative" val="1"/>
-                </a:ext>
-              </a:extLst>
-            </p:cNvPr>
-            <p:cNvCxnSpPr/>
-            <p:nvPr>
-              <p:extLst>
-                <p:ext uri="{386F3935-93C4-4BCD-93E2-E3B085C9AB24}">
-                  <p16:designElem xmlns:p16="http://schemas.microsoft.com/office/powerpoint/2015/main" val="1"/>
-                </p:ext>
-              </p:extLst>
-            </p:nvPr>
-          </p:nvCxnSpPr>
-          <p:spPr>
-            <a:xfrm flipH="1">
-              <a:off x="10292292" y="3285067"/>
-              <a:ext cx="1896534" cy="1896533"/>
-            </a:xfrm>
-            <a:prstGeom prst="line">
-              <a:avLst/>
-            </a:prstGeom>
-            <a:ln w="9525">
-              <a:solidFill>
-                <a:schemeClr val="tx1"/>
-              </a:solidFill>
-            </a:ln>
-          </p:spPr>
-          <p:style>
-            <a:lnRef idx="2">
-              <a:schemeClr val="accent1"/>
-            </a:lnRef>
-            <a:fillRef idx="0">
-              <a:schemeClr val="accent1"/>
-            </a:fillRef>
-            <a:effectRef idx="1">
-              <a:schemeClr val="accent1"/>
-            </a:effectRef>
-            <a:fontRef idx="minor">
-              <a:schemeClr val="tx1"/>
-            </a:fontRef>
-          </p:style>
-        </p:cxnSp>
-        <p:cxnSp>
-          <p:nvCxnSpPr>
-            <p:cNvPr id="112" name="Straight Connector 111">
-              <a:extLst>
-                <a:ext uri="{FF2B5EF4-FFF2-40B4-BE49-F238E27FC236}">
-                  <a16:creationId xmlns:a16="http://schemas.microsoft.com/office/drawing/2014/main" id="{DF4ADDB5-6815-4FA7-9775-23B43B6D81A8}"/>
-                </a:ext>
-                <a:ext uri="{C183D7F6-B498-43B3-948B-1728B52AA6E4}">
-                  <adec:decorative xmlns:adec="http://schemas.microsoft.com/office/drawing/2017/decorative" val="1"/>
-                </a:ext>
-              </a:extLst>
-            </p:cNvPr>
-            <p:cNvCxnSpPr/>
-            <p:nvPr>
-              <p:extLst>
-                <p:ext uri="{386F3935-93C4-4BCD-93E2-E3B085C9AB24}">
-                  <p16:designElem xmlns:p16="http://schemas.microsoft.com/office/powerpoint/2015/main" val="1"/>
-                </p:ext>
-              </p:extLst>
-            </p:nvPr>
-          </p:nvCxnSpPr>
-          <p:spPr>
-            <a:xfrm flipH="1">
-              <a:off x="10443103" y="3131080"/>
-              <a:ext cx="1745722" cy="1745720"/>
-            </a:xfrm>
-            <a:prstGeom prst="line">
-              <a:avLst/>
-            </a:prstGeom>
-            <a:ln w="28575">
-              <a:solidFill>
-                <a:schemeClr val="tx1"/>
-              </a:solidFill>
-            </a:ln>
-          </p:spPr>
-          <p:style>
-            <a:lnRef idx="2">
-              <a:schemeClr val="accent1"/>
-            </a:lnRef>
-            <a:fillRef idx="0">
-              <a:schemeClr val="accent1"/>
-            </a:fillRef>
-            <a:effectRef idx="1">
-              <a:schemeClr val="accent1"/>
-            </a:effectRef>
-            <a:fontRef idx="minor">
-              <a:schemeClr val="tx1"/>
-            </a:fontRef>
-          </p:style>
-        </p:cxnSp>
-        <p:cxnSp>
-          <p:nvCxnSpPr>
-            <p:cNvPr id="113" name="Straight Connector 112">
-              <a:extLst>
-                <a:ext uri="{FF2B5EF4-FFF2-40B4-BE49-F238E27FC236}">
-                  <a16:creationId xmlns:a16="http://schemas.microsoft.com/office/drawing/2014/main" id="{0FB02412-43C8-4475-BB67-A0EF6643064A}"/>
-                </a:ext>
-                <a:ext uri="{C183D7F6-B498-43B3-948B-1728B52AA6E4}">
-                  <adec:decorative xmlns:adec="http://schemas.microsoft.com/office/drawing/2017/decorative" val="1"/>
-                </a:ext>
-              </a:extLst>
-            </p:cNvPr>
-            <p:cNvCxnSpPr/>
-            <p:nvPr>
-              <p:extLst>
-                <p:ext uri="{386F3935-93C4-4BCD-93E2-E3B085C9AB24}">
-                  <p16:designElem xmlns:p16="http://schemas.microsoft.com/office/powerpoint/2015/main" val="1"/>
-                </p:ext>
-              </p:extLst>
-            </p:nvPr>
-          </p:nvCxnSpPr>
-          <p:spPr>
-            <a:xfrm flipH="1">
-              <a:off x="10918826" y="3683001"/>
-              <a:ext cx="1270001" cy="1269999"/>
-            </a:xfrm>
-            <a:prstGeom prst="line">
-              <a:avLst/>
-            </a:prstGeom>
-            <a:ln w="28575">
-              <a:solidFill>
-                <a:schemeClr val="tx1"/>
-              </a:solidFill>
-            </a:ln>
-          </p:spPr>
-          <p:style>
-            <a:lnRef idx="2">
-              <a:schemeClr val="accent1"/>
-            </a:lnRef>
-            <a:fillRef idx="0">
-              <a:schemeClr val="accent1"/>
-            </a:fillRef>
-            <a:effectRef idx="1">
-              <a:schemeClr val="accent1"/>
-            </a:effectRef>
-            <a:fontRef idx="minor">
-              <a:schemeClr val="tx1"/>
-            </a:fontRef>
-          </p:style>
-        </p:cxnSp>
-      </p:grpSp>
-    </p:spTree>
-    <p:extLst>
-      <p:ext uri="{BB962C8B-B14F-4D97-AF65-F5344CB8AC3E}">
-        <p14:creationId xmlns:p14="http://schemas.microsoft.com/office/powerpoint/2010/main" val="305579644"/>
-      </p:ext>
-    </p:extLst>
-  </p:cSld>
-  <p:clrMapOvr>
-    <a:masterClrMapping/>
-  </p:clrMapOvr>
-</p:sld>
-</file>
-
-<file path=ppt/slides/slide6.xml><?xml version="1.0" encoding="utf-8"?>
-<p:sld xmlns:a="http://schemas.openxmlformats.org/drawingml/2006/main" xmlns:r="http://schemas.openxmlformats.org/officeDocument/2006/relationships" xmlns:p="http://schemas.openxmlformats.org/presentationml/2006/main">
-  <p:cSld>
-    <p:bg>
-      <p:bgPr>
-        <a:solidFill>
-          <a:schemeClr val="bg1"/>
-        </a:solidFill>
-        <a:effectLst/>
-      </p:bgPr>
-    </p:bg>
-    <p:spTree>
-      <p:nvGrpSpPr>
-        <p:cNvPr id="1" name=""/>
-        <p:cNvGrpSpPr/>
-        <p:nvPr/>
-      </p:nvGrpSpPr>
-      <p:grpSpPr>
-        <a:xfrm>
-          <a:off x="0" y="0"/>
-          <a:ext cx="0" cy="0"/>
-          <a:chOff x="0" y="0"/>
-          <a:chExt cx="0" cy="0"/>
-        </a:xfrm>
-      </p:grpSpPr>
-      <p:sp>
-        <p:nvSpPr>
-          <p:cNvPr id="13" name="Rectangle 12">
-            <a:extLst>
-              <a:ext uri="{FF2B5EF4-FFF2-40B4-BE49-F238E27FC236}">
-                <a16:creationId xmlns:a16="http://schemas.microsoft.com/office/drawing/2014/main" id="{D6F819BF-BEC4-454B-82CF-C7F1926407F9}"/>
-              </a:ext>
-              <a:ext uri="{C183D7F6-B498-43B3-948B-1728B52AA6E4}">
-                <adec:decorative xmlns:adec="http://schemas.microsoft.com/office/drawing/2017/decorative" val="1"/>
-              </a:ext>
-            </a:extLst>
-          </p:cNvPr>
-          <p:cNvSpPr>
-            <a:spLocks noGrp="1" noRot="1" noChangeAspect="1" noMove="1" noResize="1" noEditPoints="1" noAdjustHandles="1" noChangeArrowheads="1" noChangeShapeType="1" noTextEdit="1"/>
-          </p:cNvSpPr>
-          <p:nvPr>
-            <p:extLst>
-              <p:ext uri="{386F3935-93C4-4BCD-93E2-E3B085C9AB24}">
-                <p16:designElem xmlns:p16="http://schemas.microsoft.com/office/powerpoint/2015/main" val="1"/>
-              </p:ext>
-            </p:extLst>
-          </p:nvPr>
-        </p:nvSpPr>
-        <p:spPr>
-          <a:xfrm>
-            <a:off x="0" y="0"/>
-            <a:ext cx="12192000" cy="6858000"/>
-          </a:xfrm>
-          <a:prstGeom prst="rect">
-            <a:avLst/>
-          </a:prstGeom>
-          <a:ln>
-            <a:noFill/>
-          </a:ln>
-        </p:spPr>
-        <p:style>
-          <a:lnRef idx="2">
-            <a:schemeClr val="accent1">
-              <a:shade val="50000"/>
-            </a:schemeClr>
-          </a:lnRef>
-          <a:fillRef idx="1002">
-            <a:schemeClr val="dk2"/>
-          </a:fillRef>
-          <a:effectRef idx="0">
-            <a:schemeClr val="accent1"/>
-          </a:effectRef>
-          <a:fontRef idx="minor">
-            <a:schemeClr val="lt1"/>
-          </a:fontRef>
-        </p:style>
-        <p:txBody>
-          <a:bodyPr rtlCol="0" anchor="ctr"/>
-          <a:lstStyle/>
-          <a:p>
-            <a:pPr algn="ctr"/>
-            <a:endParaRPr lang="en-US"/>
-          </a:p>
-        </p:txBody>
-      </p:sp>
-      <p:sp>
-        <p:nvSpPr>
-          <p:cNvPr id="2" name="Title 1">
-            <a:extLst>
-              <a:ext uri="{FF2B5EF4-FFF2-40B4-BE49-F238E27FC236}">
-                <a16:creationId xmlns:a16="http://schemas.microsoft.com/office/drawing/2014/main" id="{059252AB-9CD6-44ED-AB36-42FA05D5FB5A}"/>
-              </a:ext>
-            </a:extLst>
-          </p:cNvPr>
-          <p:cNvSpPr>
-            <a:spLocks noGrp="1"/>
-          </p:cNvSpPr>
-          <p:nvPr>
-            <p:ph type="title"/>
-          </p:nvPr>
-        </p:nvSpPr>
-        <p:spPr>
-          <a:xfrm>
-            <a:off x="7532710" y="620722"/>
-            <a:ext cx="3382941" cy="1142462"/>
-          </a:xfrm>
-        </p:spPr>
-        <p:txBody>
-          <a:bodyPr anchor="b">
-            <a:normAutofit/>
-          </a:bodyPr>
-          <a:lstStyle/>
-          <a:p>
-            <a:r>
-              <a:rPr lang="en-US" sz="2400" dirty="0">
-                <a:solidFill>
-                  <a:srgbClr val="FFFFFF"/>
-                </a:solidFill>
-              </a:rPr>
-              <a:t>Attribute Analysis - Form</a:t>
-            </a:r>
-            <a:endParaRPr lang="en-GB" sz="2400" dirty="0">
-              <a:solidFill>
-                <a:srgbClr val="FFFFFF"/>
-              </a:solidFill>
-            </a:endParaRPr>
-          </a:p>
-        </p:txBody>
-      </p:sp>
-      <p:sp useBgFill="1">
-        <p:nvSpPr>
-          <p:cNvPr id="15" name="Snip Diagonal Corner Rectangle 21">
-            <a:extLst>
-              <a:ext uri="{FF2B5EF4-FFF2-40B4-BE49-F238E27FC236}">
-                <a16:creationId xmlns:a16="http://schemas.microsoft.com/office/drawing/2014/main" id="{79D5C3D0-88DD-405B-A549-4B5C3712E181}"/>
-              </a:ext>
-              <a:ext uri="{C183D7F6-B498-43B3-948B-1728B52AA6E4}">
-                <adec:decorative xmlns:adec="http://schemas.microsoft.com/office/drawing/2017/decorative" val="1"/>
-              </a:ext>
-            </a:extLst>
-          </p:cNvPr>
-          <p:cNvSpPr>
-            <a:spLocks noGrp="1" noRot="1" noChangeAspect="1" noMove="1" noResize="1" noEditPoints="1" noAdjustHandles="1" noChangeArrowheads="1" noChangeShapeType="1" noTextEdit="1"/>
-          </p:cNvSpPr>
-          <p:nvPr>
-            <p:extLst>
-              <p:ext uri="{386F3935-93C4-4BCD-93E2-E3B085C9AB24}">
-                <p16:designElem xmlns:p16="http://schemas.microsoft.com/office/powerpoint/2015/main" val="1"/>
-              </p:ext>
-            </p:extLst>
-          </p:nvPr>
-        </p:nvSpPr>
-        <p:spPr>
-          <a:xfrm>
-            <a:off x="684212" y="641648"/>
-            <a:ext cx="6575496" cy="5286838"/>
-          </a:xfrm>
-          <a:prstGeom prst="snip2DiagRect">
-            <a:avLst>
-              <a:gd name="adj1" fmla="val 8741"/>
-              <a:gd name="adj2" fmla="val 0"/>
-            </a:avLst>
-          </a:prstGeom>
-          <a:ln>
-            <a:noFill/>
-          </a:ln>
-          <a:effectLst>
-            <a:innerShdw blurRad="57150" dist="38100" dir="14460000">
-              <a:prstClr val="black">
-                <a:alpha val="70000"/>
-              </a:prstClr>
-            </a:innerShdw>
-          </a:effectLst>
-        </p:spPr>
-        <p:style>
-          <a:lnRef idx="2">
-            <a:schemeClr val="accent1">
-              <a:shade val="50000"/>
-            </a:schemeClr>
-          </a:lnRef>
-          <a:fillRef idx="1">
-            <a:schemeClr val="accent1"/>
-          </a:fillRef>
-          <a:effectRef idx="0">
-            <a:schemeClr val="accent1"/>
-          </a:effectRef>
-          <a:fontRef idx="minor">
-            <a:schemeClr val="lt1"/>
-          </a:fontRef>
-        </p:style>
-        <p:txBody>
-          <a:bodyPr rtlCol="0" anchor="ctr"/>
-          <a:lstStyle/>
-          <a:p>
-            <a:pPr algn="ctr"/>
-            <a:endParaRPr lang="en-US"/>
-          </a:p>
-        </p:txBody>
-      </p:sp>
-      <p:pic>
-        <p:nvPicPr>
-          <p:cNvPr id="8" name="Content Placeholder 4">
-            <a:extLst>
-              <a:ext uri="{FF2B5EF4-FFF2-40B4-BE49-F238E27FC236}">
-                <a16:creationId xmlns:a16="http://schemas.microsoft.com/office/drawing/2014/main" id="{732AEB78-E2E2-452F-A8FB-0352155BEA0E}"/>
-              </a:ext>
-            </a:extLst>
-          </p:cNvPr>
-          <p:cNvPicPr>
-            <a:picLocks noChangeAspect="1"/>
-          </p:cNvPicPr>
-          <p:nvPr/>
-        </p:nvPicPr>
-        <p:blipFill>
-          <a:blip r:embed="rId2"/>
-          <a:stretch>
-            <a:fillRect/>
-          </a:stretch>
-        </p:blipFill>
-        <p:spPr>
-          <a:xfrm>
-            <a:off x="1039911" y="812230"/>
-            <a:ext cx="5734113" cy="4945673"/>
-          </a:xfrm>
-          <a:prstGeom prst="rect">
-            <a:avLst/>
-          </a:prstGeom>
-        </p:spPr>
-      </p:pic>
-      <p:sp>
-        <p:nvSpPr>
-          <p:cNvPr id="31" name="Content Placeholder 9">
-            <a:extLst>
-              <a:ext uri="{FF2B5EF4-FFF2-40B4-BE49-F238E27FC236}">
-                <a16:creationId xmlns:a16="http://schemas.microsoft.com/office/drawing/2014/main" id="{9486730F-710F-4528-8206-D7CCCE40597C}"/>
-              </a:ext>
-            </a:extLst>
-          </p:cNvPr>
-          <p:cNvSpPr>
-            <a:spLocks noGrp="1"/>
-          </p:cNvSpPr>
-          <p:nvPr>
-            <p:ph idx="1"/>
-          </p:nvPr>
-        </p:nvSpPr>
-        <p:spPr>
-          <a:xfrm>
-            <a:off x="7532710" y="1822449"/>
-            <a:ext cx="3479419" cy="2922591"/>
-          </a:xfrm>
-        </p:spPr>
-        <p:txBody>
-          <a:bodyPr anchor="t">
-            <a:normAutofit/>
-          </a:bodyPr>
-          <a:lstStyle/>
-          <a:p>
-            <a:r>
-              <a:rPr lang="en-US" sz="1200" dirty="0">
-                <a:solidFill>
-                  <a:srgbClr val="0F496F"/>
-                </a:solidFill>
-              </a:rPr>
-              <a:t>Form is huge in football.</a:t>
-            </a:r>
-          </a:p>
-          <a:p>
-            <a:r>
-              <a:rPr lang="en-US" sz="1200" dirty="0">
-                <a:solidFill>
-                  <a:srgbClr val="0F496F"/>
-                </a:solidFill>
-              </a:rPr>
-              <a:t>We knew we could generate the form for a team coming into a game.</a:t>
-            </a:r>
-          </a:p>
-          <a:p>
-            <a:r>
-              <a:rPr lang="en-US" sz="1200" dirty="0">
-                <a:solidFill>
-                  <a:srgbClr val="0F496F"/>
-                </a:solidFill>
-              </a:rPr>
-              <a:t>We investigated whether form could positively impact our prediction.</a:t>
-            </a:r>
-          </a:p>
-          <a:p>
-            <a:r>
-              <a:rPr lang="en-US" sz="1200" dirty="0">
-                <a:solidFill>
-                  <a:srgbClr val="0F496F"/>
-                </a:solidFill>
-              </a:rPr>
-              <a:t>We generated all the probabilities of all the permutations for a team’s last 3 results.</a:t>
-            </a:r>
-          </a:p>
-          <a:p>
-            <a:r>
-              <a:rPr lang="en-US" sz="1200" dirty="0">
-                <a:solidFill>
-                  <a:srgbClr val="0F496F"/>
-                </a:solidFill>
-              </a:rPr>
-              <a:t>From these results, we deemed form as a good attribute to use in our prediction.</a:t>
-            </a:r>
-          </a:p>
-        </p:txBody>
-      </p:sp>
-      <p:grpSp>
-        <p:nvGrpSpPr>
-          <p:cNvPr id="17" name="Group 16">
-            <a:extLst>
-              <a:ext uri="{FF2B5EF4-FFF2-40B4-BE49-F238E27FC236}">
-                <a16:creationId xmlns:a16="http://schemas.microsoft.com/office/drawing/2014/main" id="{B29E1950-A366-48B7-8DAB-726C0DE58072}"/>
-              </a:ext>
-              <a:ext uri="{C183D7F6-B498-43B3-948B-1728B52AA6E4}">
-                <adec:decorative xmlns:adec="http://schemas.microsoft.com/office/drawing/2017/decorative" val="1"/>
-              </a:ext>
-            </a:extLst>
-          </p:cNvPr>
-          <p:cNvGrpSpPr>
-            <a:grpSpLocks noGrp="1" noUngrp="1" noRot="1" noChangeAspect="1" noMove="1" noResize="1"/>
-          </p:cNvGrpSpPr>
-          <p:nvPr>
-            <p:extLst>
-              <p:ext uri="{386F3935-93C4-4BCD-93E2-E3B085C9AB24}">
-                <p16:designElem xmlns:p16="http://schemas.microsoft.com/office/powerpoint/2015/main" val="1"/>
-              </p:ext>
-            </p:extLst>
-          </p:nvPr>
-        </p:nvGrpSpPr>
-        <p:grpSpPr>
-          <a:xfrm>
-            <a:off x="9206969" y="2963333"/>
-            <a:ext cx="2981858" cy="3208867"/>
-            <a:chOff x="9206969" y="2963333"/>
-            <a:chExt cx="2981858" cy="3208867"/>
-          </a:xfrm>
-        </p:grpSpPr>
-        <p:cxnSp>
-          <p:nvCxnSpPr>
-            <p:cNvPr id="32" name="Straight Connector 17">
-              <a:extLst>
-                <a:ext uri="{FF2B5EF4-FFF2-40B4-BE49-F238E27FC236}">
-                  <a16:creationId xmlns:a16="http://schemas.microsoft.com/office/drawing/2014/main" id="{624123CD-2156-4134-A3FB-C82036B5FAEB}"/>
-                </a:ext>
-                <a:ext uri="{C183D7F6-B498-43B3-948B-1728B52AA6E4}">
-                  <adec:decorative xmlns:adec="http://schemas.microsoft.com/office/drawing/2017/decorative" val="1"/>
-                </a:ext>
-              </a:extLst>
-            </p:cNvPr>
-            <p:cNvCxnSpPr/>
-            <p:nvPr>
-              <p:extLst>
-                <p:ext uri="{386F3935-93C4-4BCD-93E2-E3B085C9AB24}">
-                  <p16:designElem xmlns:p16="http://schemas.microsoft.com/office/powerpoint/2015/main" val="1"/>
-                </p:ext>
-              </p:extLst>
-            </p:nvPr>
-          </p:nvCxnSpPr>
-          <p:spPr>
-            <a:xfrm flipH="1">
-              <a:off x="11276012" y="2963333"/>
-              <a:ext cx="912814" cy="912812"/>
-            </a:xfrm>
-            <a:prstGeom prst="line">
-              <a:avLst/>
-            </a:prstGeom>
-            <a:ln w="9525">
-              <a:solidFill>
-                <a:srgbClr val="FFFFFF"/>
-              </a:solidFill>
-            </a:ln>
-          </p:spPr>
-          <p:style>
-            <a:lnRef idx="2">
-              <a:schemeClr val="accent1"/>
-            </a:lnRef>
-            <a:fillRef idx="0">
-              <a:schemeClr val="accent1"/>
-            </a:fillRef>
-            <a:effectRef idx="1">
-              <a:schemeClr val="accent1"/>
-            </a:effectRef>
-            <a:fontRef idx="minor">
-              <a:schemeClr val="tx1"/>
-            </a:fontRef>
-          </p:style>
-        </p:cxnSp>
-        <p:cxnSp>
-          <p:nvCxnSpPr>
-            <p:cNvPr id="19" name="Straight Connector 18">
-              <a:extLst>
-                <a:ext uri="{FF2B5EF4-FFF2-40B4-BE49-F238E27FC236}">
-                  <a16:creationId xmlns:a16="http://schemas.microsoft.com/office/drawing/2014/main" id="{282DAEA8-4DC7-4972-8972-06976C61D518}"/>
-                </a:ext>
-                <a:ext uri="{C183D7F6-B498-43B3-948B-1728B52AA6E4}">
-                  <adec:decorative xmlns:adec="http://schemas.microsoft.com/office/drawing/2017/decorative" val="1"/>
-                </a:ext>
-              </a:extLst>
-            </p:cNvPr>
-            <p:cNvCxnSpPr/>
-            <p:nvPr>
-              <p:extLst>
-                <p:ext uri="{386F3935-93C4-4BCD-93E2-E3B085C9AB24}">
-                  <p16:designElem xmlns:p16="http://schemas.microsoft.com/office/powerpoint/2015/main" val="1"/>
-                </p:ext>
-              </p:extLst>
-            </p:nvPr>
-          </p:nvCxnSpPr>
-          <p:spPr>
-            <a:xfrm flipH="1">
-              <a:off x="9206969" y="3190344"/>
-              <a:ext cx="2981857" cy="2981856"/>
-            </a:xfrm>
-            <a:prstGeom prst="line">
-              <a:avLst/>
-            </a:prstGeom>
-            <a:ln w="9525">
-              <a:solidFill>
-                <a:srgbClr val="FFFFFF"/>
-              </a:solidFill>
-            </a:ln>
-          </p:spPr>
-          <p:style>
-            <a:lnRef idx="2">
-              <a:schemeClr val="accent1"/>
-            </a:lnRef>
-            <a:fillRef idx="0">
-              <a:schemeClr val="accent1"/>
-            </a:fillRef>
-            <a:effectRef idx="1">
-              <a:schemeClr val="accent1"/>
-            </a:effectRef>
-            <a:fontRef idx="minor">
-              <a:schemeClr val="tx1"/>
-            </a:fontRef>
-          </p:style>
-        </p:cxnSp>
-        <p:cxnSp>
-          <p:nvCxnSpPr>
-            <p:cNvPr id="33" name="Straight Connector 19">
-              <a:extLst>
-                <a:ext uri="{FF2B5EF4-FFF2-40B4-BE49-F238E27FC236}">
-                  <a16:creationId xmlns:a16="http://schemas.microsoft.com/office/drawing/2014/main" id="{C33B16A3-1C35-4E6B-88DA-2A2550F94147}"/>
-                </a:ext>
-                <a:ext uri="{C183D7F6-B498-43B3-948B-1728B52AA6E4}">
-                  <adec:decorative xmlns:adec="http://schemas.microsoft.com/office/drawing/2017/decorative" val="1"/>
-                </a:ext>
-              </a:extLst>
-            </p:cNvPr>
-            <p:cNvCxnSpPr/>
-            <p:nvPr>
-              <p:extLst>
-                <p:ext uri="{386F3935-93C4-4BCD-93E2-E3B085C9AB24}">
-                  <p16:designElem xmlns:p16="http://schemas.microsoft.com/office/powerpoint/2015/main" val="1"/>
-                </p:ext>
-              </p:extLst>
-            </p:nvPr>
-          </p:nvCxnSpPr>
-          <p:spPr>
-            <a:xfrm flipH="1">
-              <a:off x="10292292" y="3285067"/>
-              <a:ext cx="1896534" cy="1896533"/>
-            </a:xfrm>
-            <a:prstGeom prst="line">
-              <a:avLst/>
-            </a:prstGeom>
-            <a:ln w="9525">
-              <a:solidFill>
-                <a:srgbClr val="FFFFFF"/>
-              </a:solidFill>
-            </a:ln>
-          </p:spPr>
-          <p:style>
-            <a:lnRef idx="2">
-              <a:schemeClr val="accent1"/>
-            </a:lnRef>
-            <a:fillRef idx="0">
-              <a:schemeClr val="accent1"/>
-            </a:fillRef>
-            <a:effectRef idx="1">
-              <a:schemeClr val="accent1"/>
-            </a:effectRef>
-            <a:fontRef idx="minor">
-              <a:schemeClr val="tx1"/>
-            </a:fontRef>
-          </p:style>
-        </p:cxnSp>
-        <p:cxnSp>
-          <p:nvCxnSpPr>
-            <p:cNvPr id="21" name="Straight Connector 20">
-              <a:extLst>
-                <a:ext uri="{FF2B5EF4-FFF2-40B4-BE49-F238E27FC236}">
-                  <a16:creationId xmlns:a16="http://schemas.microsoft.com/office/drawing/2014/main" id="{106381D1-240B-4A28-88D3-6ACC575DCF15}"/>
-                </a:ext>
-                <a:ext uri="{C183D7F6-B498-43B3-948B-1728B52AA6E4}">
-                  <adec:decorative xmlns:adec="http://schemas.microsoft.com/office/drawing/2017/decorative" val="1"/>
-                </a:ext>
-              </a:extLst>
-            </p:cNvPr>
-            <p:cNvCxnSpPr/>
-            <p:nvPr>
-              <p:extLst>
-                <p:ext uri="{386F3935-93C4-4BCD-93E2-E3B085C9AB24}">
-                  <p16:designElem xmlns:p16="http://schemas.microsoft.com/office/powerpoint/2015/main" val="1"/>
-                </p:ext>
-              </p:extLst>
-            </p:nvPr>
-          </p:nvCxnSpPr>
-          <p:spPr>
-            <a:xfrm flipH="1">
-              <a:off x="10443103" y="3131080"/>
-              <a:ext cx="1745722" cy="1745720"/>
-            </a:xfrm>
-            <a:prstGeom prst="line">
-              <a:avLst/>
-            </a:prstGeom>
-            <a:ln w="28575">
-              <a:solidFill>
-                <a:srgbClr val="FFFFFF"/>
-              </a:solidFill>
-            </a:ln>
-          </p:spPr>
-          <p:style>
-            <a:lnRef idx="2">
-              <a:schemeClr val="accent1"/>
-            </a:lnRef>
-            <a:fillRef idx="0">
-              <a:schemeClr val="accent1"/>
-            </a:fillRef>
-            <a:effectRef idx="1">
-              <a:schemeClr val="accent1"/>
-            </a:effectRef>
-            <a:fontRef idx="minor">
-              <a:schemeClr val="tx1"/>
-            </a:fontRef>
-          </p:style>
-        </p:cxnSp>
-        <p:cxnSp>
-          <p:nvCxnSpPr>
-            <p:cNvPr id="34" name="Straight Connector 21">
-              <a:extLst>
-                <a:ext uri="{FF2B5EF4-FFF2-40B4-BE49-F238E27FC236}">
-                  <a16:creationId xmlns:a16="http://schemas.microsoft.com/office/drawing/2014/main" id="{7C8CFC7B-B818-47F0-AE87-6B34B07D14D2}"/>
-                </a:ext>
-                <a:ext uri="{C183D7F6-B498-43B3-948B-1728B52AA6E4}">
-                  <adec:decorative xmlns:adec="http://schemas.microsoft.com/office/drawing/2017/decorative" val="1"/>
-                </a:ext>
-              </a:extLst>
-            </p:cNvPr>
-            <p:cNvCxnSpPr/>
-            <p:nvPr>
-              <p:extLst>
-                <p:ext uri="{386F3935-93C4-4BCD-93E2-E3B085C9AB24}">
-                  <p16:designElem xmlns:p16="http://schemas.microsoft.com/office/powerpoint/2015/main" val="1"/>
-                </p:ext>
-              </p:extLst>
-            </p:nvPr>
-          </p:nvCxnSpPr>
-          <p:spPr>
-            <a:xfrm flipH="1">
-              <a:off x="10918826" y="3683001"/>
-              <a:ext cx="1270001" cy="1269999"/>
-            </a:xfrm>
-            <a:prstGeom prst="line">
-              <a:avLst/>
-            </a:prstGeom>
-            <a:ln w="28575">
-              <a:solidFill>
-                <a:srgbClr val="FFFFFF"/>
-              </a:solidFill>
-            </a:ln>
-          </p:spPr>
-          <p:style>
-            <a:lnRef idx="2">
-              <a:schemeClr val="accent1"/>
-            </a:lnRef>
-            <a:fillRef idx="0">
-              <a:schemeClr val="accent1"/>
-            </a:fillRef>
-            <a:effectRef idx="1">
-              <a:schemeClr val="accent1"/>
-            </a:effectRef>
-            <a:fontRef idx="minor">
-              <a:schemeClr val="tx1"/>
-            </a:fontRef>
-          </p:style>
-        </p:cxnSp>
-      </p:grpSp>
-    </p:spTree>
-    <p:extLst>
-      <p:ext uri="{BB962C8B-B14F-4D97-AF65-F5344CB8AC3E}">
-        <p14:creationId xmlns:p14="http://schemas.microsoft.com/office/powerpoint/2010/main" val="755369973"/>
-      </p:ext>
-    </p:extLst>
-  </p:cSld>
-  <p:clrMapOvr>
-    <a:overrideClrMapping bg1="lt1" tx1="dk1" bg2="lt2" tx2="dk2" accent1="accent1" accent2="accent2" accent3="accent3" accent4="accent4" accent5="accent5" accent6="accent6" hlink="hlink" folHlink="folHlink"/>
-  </p:clrMapOvr>
-</p:sld>
-</file>
-
-<file path=ppt/slides/slide7.xml><?xml version="1.0" encoding="utf-8"?>
-<p:sld xmlns:a="http://schemas.openxmlformats.org/drawingml/2006/main" xmlns:r="http://schemas.openxmlformats.org/officeDocument/2006/relationships" xmlns:p="http://schemas.openxmlformats.org/presentationml/2006/main">
-  <p:cSld>
-    <p:bg>
-      <p:bgPr>
-        <a:gradFill rotWithShape="1">
-          <a:gsLst>
-            <a:gs pos="10000">
-              <a:schemeClr val="bg2">
-                <a:tint val="97000"/>
-                <a:hueMod val="92000"/>
-                <a:satMod val="169000"/>
-                <a:lumMod val="164000"/>
-              </a:schemeClr>
-            </a:gs>
-            <a:gs pos="100000">
-              <a:schemeClr val="bg2">
-                <a:shade val="96000"/>
-                <a:satMod val="120000"/>
-                <a:lumMod val="90000"/>
-              </a:schemeClr>
-            </a:gs>
-          </a:gsLst>
-          <a:lin ang="6120000" scaled="1"/>
-        </a:gradFill>
-        <a:effectLst/>
-      </p:bgPr>
-    </p:bg>
-    <p:spTree>
-      <p:nvGrpSpPr>
-        <p:cNvPr id="1" name=""/>
-        <p:cNvGrpSpPr/>
-        <p:nvPr/>
-      </p:nvGrpSpPr>
-      <p:grpSpPr>
-        <a:xfrm>
-          <a:off x="0" y="0"/>
-          <a:ext cx="0" cy="0"/>
-          <a:chOff x="0" y="0"/>
-          <a:chExt cx="0" cy="0"/>
-        </a:xfrm>
-      </p:grpSpPr>
-      <p:sp useBgFill="1">
-        <p:nvSpPr>
-          <p:cNvPr id="62" name="Rectangle 46">
-            <a:extLst>
-              <a:ext uri="{FF2B5EF4-FFF2-40B4-BE49-F238E27FC236}">
-                <a16:creationId xmlns:a16="http://schemas.microsoft.com/office/drawing/2014/main" id="{2BDB7F85-D796-4A23-94A0-EAB405E0B52E}"/>
-              </a:ext>
-              <a:ext uri="{C183D7F6-B498-43B3-948B-1728B52AA6E4}">
-                <adec:decorative xmlns:adec="http://schemas.microsoft.com/office/drawing/2017/decorative" val="1"/>
-              </a:ext>
-            </a:extLst>
-          </p:cNvPr>
-          <p:cNvSpPr>
-            <a:spLocks noGrp="1" noRot="1" noChangeAspect="1" noMove="1" noResize="1" noEditPoints="1" noAdjustHandles="1" noChangeArrowheads="1" noChangeShapeType="1" noTextEdit="1"/>
-          </p:cNvSpPr>
-          <p:nvPr>
-            <p:extLst>
-              <p:ext uri="{386F3935-93C4-4BCD-93E2-E3B085C9AB24}">
-                <p16:designElem xmlns:p16="http://schemas.microsoft.com/office/powerpoint/2015/main" val="1"/>
-              </p:ext>
-            </p:extLst>
-          </p:nvPr>
-        </p:nvSpPr>
-        <p:spPr>
-          <a:xfrm>
-            <a:off x="0" y="0"/>
-            <a:ext cx="12192000" cy="6858000"/>
-          </a:xfrm>
-          <a:prstGeom prst="rect">
-            <a:avLst/>
-          </a:prstGeom>
-          <a:ln>
-            <a:noFill/>
-          </a:ln>
-        </p:spPr>
-        <p:style>
-          <a:lnRef idx="2">
-            <a:schemeClr val="accent1">
-              <a:shade val="50000"/>
-            </a:schemeClr>
-          </a:lnRef>
-          <a:fillRef idx="1">
-            <a:schemeClr val="accent1"/>
-          </a:fillRef>
-          <a:effectRef idx="0">
-            <a:schemeClr val="accent1"/>
-          </a:effectRef>
-          <a:fontRef idx="minor">
-            <a:schemeClr val="lt1"/>
-          </a:fontRef>
-        </p:style>
-        <p:txBody>
-          <a:bodyPr rtlCol="0" anchor="ctr"/>
-          <a:lstStyle/>
-          <a:p>
-            <a:pPr algn="ctr"/>
-            <a:endParaRPr lang="en-US"/>
-          </a:p>
-        </p:txBody>
-      </p:sp>
-      <p:sp>
-        <p:nvSpPr>
-          <p:cNvPr id="2" name="Title 1">
-            <a:extLst>
-              <a:ext uri="{FF2B5EF4-FFF2-40B4-BE49-F238E27FC236}">
-                <a16:creationId xmlns:a16="http://schemas.microsoft.com/office/drawing/2014/main" id="{73BCA3E8-B163-4626-AB15-C2F610CF26B4}"/>
-              </a:ext>
-            </a:extLst>
-          </p:cNvPr>
-          <p:cNvSpPr>
-            <a:spLocks noGrp="1"/>
-          </p:cNvSpPr>
-          <p:nvPr>
-            <p:ph type="title"/>
-          </p:nvPr>
-        </p:nvSpPr>
-        <p:spPr>
-          <a:xfrm>
-            <a:off x="872507" y="224291"/>
-            <a:ext cx="11014459" cy="1507067"/>
+            <a:off x="717960" y="220298"/>
+            <a:ext cx="11014459" cy="1045174"/>
           </a:xfrm>
         </p:spPr>
         <p:txBody>
@@ -7690,7 +5552,7 @@
             </a:pPr>
             <a:r>
               <a:rPr lang="en-GB" sz="3300" dirty="0"/>
-              <a:t>Data Transformation</a:t>
+              <a:t>Correlation Coefficient </a:t>
             </a:r>
           </a:p>
         </p:txBody>
@@ -7719,7 +5581,7 @@
         </p:spPr>
         <p:txBody>
           <a:bodyPr>
-            <a:normAutofit fontScale="85000" lnSpcReduction="20000"/>
+            <a:normAutofit/>
           </a:bodyPr>
           <a:lstStyle/>
           <a:p>
@@ -7730,7 +5592,7 @@
             </a:pPr>
             <a:r>
               <a:rPr lang="en-GB" dirty="0"/>
-              <a:t>Based on our analysis we decided to generate the appropriate attributes.</a:t>
+              <a:t>Analysis of relationship between all attributes after individual attribute analysis</a:t>
             </a:r>
           </a:p>
           <a:p>
@@ -7741,7 +5603,7 @@
             </a:pPr>
             <a:r>
               <a:rPr lang="en-GB" dirty="0"/>
-              <a:t>Using Attribute Construction we constructed completely new features from attributes already in the dataset. </a:t>
+              <a:t>Redundancy detection </a:t>
             </a:r>
           </a:p>
           <a:p>
@@ -7752,29 +5614,7 @@
             </a:pPr>
             <a:r>
               <a:rPr lang="en-GB" dirty="0"/>
-              <a:t>Form was an example of this. We used the date to find the teams last 3 games, and generated form based on these games. </a:t>
-            </a:r>
-          </a:p>
-          <a:p>
-            <a:pPr lvl="1">
-              <a:lnSpc>
-                <a:spcPct val="90000"/>
-              </a:lnSpc>
-            </a:pPr>
-            <a:r>
-              <a:rPr lang="en-GB" dirty="0"/>
-              <a:t>We also used aggregation operations to aggregate the teams goal difference. </a:t>
-            </a:r>
-          </a:p>
-          <a:p>
-            <a:pPr lvl="1">
-              <a:lnSpc>
-                <a:spcPct val="90000"/>
-              </a:lnSpc>
-            </a:pPr>
-            <a:r>
-              <a:rPr lang="en-GB" dirty="0"/>
-              <a:t>We also performed a correlation analysis on the transformed dataset to try and single out any redundancies in the dataset. </a:t>
+              <a:t>Removal of unnecessary attributes</a:t>
             </a:r>
           </a:p>
         </p:txBody>
@@ -8140,7 +5980,968 @@
 </p:sld>
 </file>
 
-<file path=ppt/slides/slide8.xml><?xml version="1.0" encoding="utf-8"?>
+<file path=ppt/slides/slide11.xml><?xml version="1.0" encoding="utf-8"?>
+<p:sld xmlns:a="http://schemas.openxmlformats.org/drawingml/2006/main" xmlns:r="http://schemas.openxmlformats.org/officeDocument/2006/relationships" xmlns:p="http://schemas.openxmlformats.org/presentationml/2006/main">
+  <p:cSld>
+    <p:spTree>
+      <p:nvGrpSpPr>
+        <p:cNvPr id="1" name=""/>
+        <p:cNvGrpSpPr/>
+        <p:nvPr/>
+      </p:nvGrpSpPr>
+      <p:grpSpPr>
+        <a:xfrm>
+          <a:off x="0" y="0"/>
+          <a:ext cx="0" cy="0"/>
+          <a:chOff x="0" y="0"/>
+          <a:chExt cx="0" cy="0"/>
+        </a:xfrm>
+      </p:grpSpPr>
+      <p:sp>
+        <p:nvSpPr>
+          <p:cNvPr id="2" name="Title 1">
+            <a:extLst>
+              <a:ext uri="{FF2B5EF4-FFF2-40B4-BE49-F238E27FC236}">
+                <a16:creationId xmlns:a16="http://schemas.microsoft.com/office/drawing/2014/main" id="{7AA1A986-61EC-4E98-9A7C-66A7BBA1E715}"/>
+              </a:ext>
+            </a:extLst>
+          </p:cNvPr>
+          <p:cNvSpPr>
+            <a:spLocks noGrp="1"/>
+          </p:cNvSpPr>
+          <p:nvPr>
+            <p:ph type="title"/>
+          </p:nvPr>
+        </p:nvSpPr>
+        <p:spPr>
+          <a:xfrm>
+            <a:off x="443580" y="220579"/>
+            <a:ext cx="8534400" cy="965646"/>
+          </a:xfrm>
+        </p:spPr>
+        <p:txBody>
+          <a:bodyPr/>
+          <a:lstStyle/>
+          <a:p>
+            <a:r>
+              <a:rPr lang="en-GB" dirty="0"/>
+              <a:t>Normalisation ?</a:t>
+            </a:r>
+          </a:p>
+        </p:txBody>
+      </p:sp>
+      <p:sp>
+        <p:nvSpPr>
+          <p:cNvPr id="3" name="Content Placeholder 2">
+            <a:extLst>
+              <a:ext uri="{FF2B5EF4-FFF2-40B4-BE49-F238E27FC236}">
+                <a16:creationId xmlns:a16="http://schemas.microsoft.com/office/drawing/2014/main" id="{9A35A2BE-E1A1-4003-BD7A-466D02169204}"/>
+              </a:ext>
+            </a:extLst>
+          </p:cNvPr>
+          <p:cNvSpPr>
+            <a:spLocks noGrp="1"/>
+          </p:cNvSpPr>
+          <p:nvPr>
+            <p:ph idx="1"/>
+          </p:nvPr>
+        </p:nvSpPr>
+        <p:spPr>
+          <a:xfrm>
+            <a:off x="443580" y="1282477"/>
+            <a:ext cx="8534400" cy="3615267"/>
+          </a:xfrm>
+        </p:spPr>
+        <p:txBody>
+          <a:bodyPr/>
+          <a:lstStyle/>
+          <a:p>
+            <a:r>
+              <a:rPr lang="en-GB" dirty="0"/>
+              <a:t>We implemented normalisation on continuous data</a:t>
+            </a:r>
+          </a:p>
+          <a:p>
+            <a:r>
+              <a:rPr lang="en-GB" dirty="0"/>
+              <a:t>Attributes of different units – goals, points, league position</a:t>
+            </a:r>
+          </a:p>
+          <a:p>
+            <a:r>
+              <a:rPr lang="en-GB" dirty="0"/>
+              <a:t>If you have outliers in your data set, normalizing your data will certainly scale the “normal” data to a very small interval</a:t>
+            </a:r>
+          </a:p>
+          <a:p>
+            <a:r>
+              <a:rPr lang="en-GB" dirty="0"/>
+              <a:t>Used Decimal Scaling </a:t>
+            </a:r>
+          </a:p>
+          <a:p>
+            <a:r>
+              <a:rPr lang="en-GB" dirty="0"/>
+              <a:t> Should we normalise? </a:t>
+            </a:r>
+          </a:p>
+          <a:p>
+            <a:endParaRPr lang="en-GB" dirty="0"/>
+          </a:p>
+        </p:txBody>
+      </p:sp>
+    </p:spTree>
+    <p:extLst>
+      <p:ext uri="{BB962C8B-B14F-4D97-AF65-F5344CB8AC3E}">
+        <p14:creationId xmlns:p14="http://schemas.microsoft.com/office/powerpoint/2010/main" val="4233740209"/>
+      </p:ext>
+    </p:extLst>
+  </p:cSld>
+  <p:clrMapOvr>
+    <a:masterClrMapping/>
+  </p:clrMapOvr>
+</p:sld>
+</file>
+
+<file path=ppt/slides/slide12.xml><?xml version="1.0" encoding="utf-8"?>
+<p:sld xmlns:a="http://schemas.openxmlformats.org/drawingml/2006/main" xmlns:r="http://schemas.openxmlformats.org/officeDocument/2006/relationships" xmlns:p="http://schemas.openxmlformats.org/presentationml/2006/main">
+  <p:cSld>
+    <p:bg>
+      <p:bgPr>
+        <a:gradFill rotWithShape="1">
+          <a:gsLst>
+            <a:gs pos="10000">
+              <a:schemeClr val="bg2">
+                <a:tint val="97000"/>
+                <a:hueMod val="92000"/>
+                <a:satMod val="169000"/>
+                <a:lumMod val="164000"/>
+              </a:schemeClr>
+            </a:gs>
+            <a:gs pos="100000">
+              <a:schemeClr val="bg2">
+                <a:shade val="96000"/>
+                <a:satMod val="120000"/>
+                <a:lumMod val="90000"/>
+              </a:schemeClr>
+            </a:gs>
+          </a:gsLst>
+          <a:lin ang="6120000" scaled="1"/>
+        </a:gradFill>
+        <a:effectLst/>
+      </p:bgPr>
+    </p:bg>
+    <p:spTree>
+      <p:nvGrpSpPr>
+        <p:cNvPr id="1" name=""/>
+        <p:cNvGrpSpPr/>
+        <p:nvPr/>
+      </p:nvGrpSpPr>
+      <p:grpSpPr>
+        <a:xfrm>
+          <a:off x="0" y="0"/>
+          <a:ext cx="0" cy="0"/>
+          <a:chOff x="0" y="0"/>
+          <a:chExt cx="0" cy="0"/>
+        </a:xfrm>
+      </p:grpSpPr>
+      <p:sp>
+        <p:nvSpPr>
+          <p:cNvPr id="2" name="Title 1">
+            <a:extLst>
+              <a:ext uri="{FF2B5EF4-FFF2-40B4-BE49-F238E27FC236}">
+                <a16:creationId xmlns:a16="http://schemas.microsoft.com/office/drawing/2014/main" id="{73BCA3E8-B163-4626-AB15-C2F610CF26B4}"/>
+              </a:ext>
+            </a:extLst>
+          </p:cNvPr>
+          <p:cNvSpPr>
+            <a:spLocks noGrp="1"/>
+          </p:cNvSpPr>
+          <p:nvPr>
+            <p:ph type="title"/>
+          </p:nvPr>
+        </p:nvSpPr>
+        <p:spPr>
+          <a:xfrm>
+            <a:off x="342678" y="213176"/>
+            <a:ext cx="7886200" cy="1298401"/>
+          </a:xfrm>
+        </p:spPr>
+        <p:txBody>
+          <a:bodyPr>
+            <a:normAutofit/>
+          </a:bodyPr>
+          <a:lstStyle/>
+          <a:p>
+            <a:r>
+              <a:rPr lang="en-GB" dirty="0"/>
+              <a:t>Conclusion</a:t>
+            </a:r>
+          </a:p>
+        </p:txBody>
+      </p:sp>
+      <p:pic>
+        <p:nvPicPr>
+          <p:cNvPr id="5" name="Picture 4" descr="A picture containing wall&#10;&#10;Description generated with high confidence">
+            <a:extLst>
+              <a:ext uri="{FF2B5EF4-FFF2-40B4-BE49-F238E27FC236}">
+                <a16:creationId xmlns:a16="http://schemas.microsoft.com/office/drawing/2014/main" id="{43E92EC6-E36C-42BA-942E-B5711F6ECB82}"/>
+              </a:ext>
+            </a:extLst>
+          </p:cNvPr>
+          <p:cNvPicPr>
+            <a:picLocks noChangeAspect="1"/>
+          </p:cNvPicPr>
+          <p:nvPr/>
+        </p:nvPicPr>
+        <p:blipFill>
+          <a:blip r:embed="rId2"/>
+          <a:stretch>
+            <a:fillRect/>
+          </a:stretch>
+        </p:blipFill>
+        <p:spPr>
+          <a:xfrm>
+            <a:off x="183087" y="4952105"/>
+            <a:ext cx="5943891" cy="1634569"/>
+          </a:xfrm>
+          <a:prstGeom prst="rect">
+            <a:avLst/>
+          </a:prstGeom>
+          <a:effectLst>
+            <a:innerShdw blurRad="57150" dist="38100" dir="14460000">
+              <a:prstClr val="black">
+                <a:alpha val="70000"/>
+              </a:prstClr>
+            </a:innerShdw>
+          </a:effectLst>
+        </p:spPr>
+      </p:pic>
+      <p:sp>
+        <p:nvSpPr>
+          <p:cNvPr id="3" name="Content Placeholder 2">
+            <a:extLst>
+              <a:ext uri="{FF2B5EF4-FFF2-40B4-BE49-F238E27FC236}">
+                <a16:creationId xmlns:a16="http://schemas.microsoft.com/office/drawing/2014/main" id="{3E3CE4C3-BF0A-4957-95D7-FBC24D682FEA}"/>
+              </a:ext>
+            </a:extLst>
+          </p:cNvPr>
+          <p:cNvSpPr>
+            <a:spLocks noGrp="1"/>
+          </p:cNvSpPr>
+          <p:nvPr>
+            <p:ph idx="1"/>
+          </p:nvPr>
+        </p:nvSpPr>
+        <p:spPr>
+          <a:xfrm>
+            <a:off x="183087" y="1108229"/>
+            <a:ext cx="11150660" cy="3444203"/>
+          </a:xfrm>
+        </p:spPr>
+        <p:txBody>
+          <a:bodyPr>
+            <a:normAutofit/>
+          </a:bodyPr>
+          <a:lstStyle/>
+          <a:p>
+            <a:pPr lvl="1"/>
+            <a:r>
+              <a:rPr lang="en-GB" dirty="0">
+                <a:latin typeface="Helvetica" charset="0"/>
+                <a:ea typeface="Helvetica" charset="0"/>
+                <a:cs typeface="Helvetica" charset="0"/>
+              </a:rPr>
+              <a:t>What we learned:</a:t>
+            </a:r>
+          </a:p>
+          <a:p>
+            <a:pPr lvl="2"/>
+            <a:r>
+              <a:rPr lang="en-GB" dirty="0">
+                <a:latin typeface="Helvetica" charset="0"/>
+                <a:ea typeface="Helvetica" charset="0"/>
+                <a:cs typeface="Helvetica" charset="0"/>
+              </a:rPr>
+              <a:t>Attributes in dataset may not be relevant on their own </a:t>
+            </a:r>
+          </a:p>
+          <a:p>
+            <a:pPr lvl="2"/>
+            <a:r>
+              <a:rPr lang="en-GB" dirty="0">
+                <a:latin typeface="Helvetica" charset="0"/>
+                <a:ea typeface="Helvetica" charset="0"/>
+                <a:cs typeface="Helvetica" charset="0"/>
+              </a:rPr>
+              <a:t>Attribute construction and aggregation reveals relationships and discover missing information</a:t>
+            </a:r>
+          </a:p>
+          <a:p>
+            <a:pPr lvl="2"/>
+            <a:r>
+              <a:rPr lang="en-GB" dirty="0">
+                <a:latin typeface="Helvetica" charset="0"/>
+                <a:ea typeface="Helvetica" charset="0"/>
+                <a:cs typeface="Helvetica" charset="0"/>
+              </a:rPr>
+              <a:t>Normalisation may not be the best solution</a:t>
+            </a:r>
+          </a:p>
+          <a:p>
+            <a:pPr lvl="2"/>
+            <a:r>
+              <a:rPr lang="en-GB" dirty="0">
+                <a:latin typeface="Helvetica" charset="0"/>
+                <a:ea typeface="Helvetica" charset="0"/>
+                <a:cs typeface="Helvetica" charset="0"/>
+              </a:rPr>
+              <a:t>Attributes may be redundant – Goal Diff and Points</a:t>
+            </a:r>
+          </a:p>
+          <a:p>
+            <a:pPr lvl="1"/>
+            <a:r>
+              <a:rPr lang="en-GB" dirty="0">
+                <a:latin typeface="Helvetica" charset="0"/>
+                <a:ea typeface="Helvetica" charset="0"/>
+                <a:cs typeface="Helvetica" charset="0"/>
+              </a:rPr>
+              <a:t>Implementing transformation and integration techniques has completely changed our dataset</a:t>
+            </a:r>
+          </a:p>
+        </p:txBody>
+      </p:sp>
+      <p:sp>
+        <p:nvSpPr>
+          <p:cNvPr id="6" name="Rectangle 5">
+            <a:extLst>
+              <a:ext uri="{FF2B5EF4-FFF2-40B4-BE49-F238E27FC236}">
+                <a16:creationId xmlns:a16="http://schemas.microsoft.com/office/drawing/2014/main" id="{03C62D19-B298-47BE-A54F-7BFFEA3012C8}"/>
+              </a:ext>
+            </a:extLst>
+          </p:cNvPr>
+          <p:cNvSpPr/>
+          <p:nvPr/>
+        </p:nvSpPr>
+        <p:spPr>
+          <a:xfrm>
+            <a:off x="-283760" y="4550594"/>
+            <a:ext cx="2108269" cy="369332"/>
+          </a:xfrm>
+          <a:prstGeom prst="rect">
+            <a:avLst/>
+          </a:prstGeom>
+        </p:spPr>
+        <p:txBody>
+          <a:bodyPr wrap="none">
+            <a:spAutoFit/>
+          </a:bodyPr>
+          <a:lstStyle/>
+          <a:p>
+            <a:pPr lvl="1"/>
+            <a:r>
+              <a:rPr lang="en-US" dirty="0">
+                <a:latin typeface="Helvetica" charset="0"/>
+                <a:ea typeface="Helvetica" charset="0"/>
+                <a:cs typeface="Helvetica" charset="0"/>
+              </a:rPr>
+              <a:t>Initial Dataset:</a:t>
+            </a:r>
+          </a:p>
+        </p:txBody>
+      </p:sp>
+      <p:sp>
+        <p:nvSpPr>
+          <p:cNvPr id="7" name="Rectangle 6">
+            <a:extLst>
+              <a:ext uri="{FF2B5EF4-FFF2-40B4-BE49-F238E27FC236}">
+                <a16:creationId xmlns:a16="http://schemas.microsoft.com/office/drawing/2014/main" id="{CEF41B1C-C13A-492B-B2DC-0EC19D245573}"/>
+              </a:ext>
+            </a:extLst>
+          </p:cNvPr>
+          <p:cNvSpPr/>
+          <p:nvPr/>
+        </p:nvSpPr>
+        <p:spPr>
+          <a:xfrm>
+            <a:off x="5834670" y="4550594"/>
+            <a:ext cx="2069797" cy="369332"/>
+          </a:xfrm>
+          <a:prstGeom prst="rect">
+            <a:avLst/>
+          </a:prstGeom>
+        </p:spPr>
+        <p:txBody>
+          <a:bodyPr wrap="none">
+            <a:spAutoFit/>
+          </a:bodyPr>
+          <a:lstStyle/>
+          <a:p>
+            <a:pPr lvl="1"/>
+            <a:r>
+              <a:rPr lang="en-US" dirty="0">
+                <a:latin typeface="Helvetica" charset="0"/>
+                <a:ea typeface="Helvetica" charset="0"/>
+                <a:cs typeface="Helvetica" charset="0"/>
+              </a:rPr>
+              <a:t>Final Dataset:</a:t>
+            </a:r>
+          </a:p>
+        </p:txBody>
+      </p:sp>
+      <p:pic>
+        <p:nvPicPr>
+          <p:cNvPr id="9" name="Picture 8">
+            <a:extLst>
+              <a:ext uri="{FF2B5EF4-FFF2-40B4-BE49-F238E27FC236}">
+                <a16:creationId xmlns:a16="http://schemas.microsoft.com/office/drawing/2014/main" id="{86F3B70D-A5CF-428E-8748-639B6C971CDD}"/>
+              </a:ext>
+            </a:extLst>
+          </p:cNvPr>
+          <p:cNvPicPr>
+            <a:picLocks noChangeAspect="1"/>
+          </p:cNvPicPr>
+          <p:nvPr/>
+        </p:nvPicPr>
+        <p:blipFill>
+          <a:blip r:embed="rId3"/>
+          <a:stretch>
+            <a:fillRect/>
+          </a:stretch>
+        </p:blipFill>
+        <p:spPr>
+          <a:xfrm>
+            <a:off x="6363131" y="4952106"/>
+            <a:ext cx="5646669" cy="1634569"/>
+          </a:xfrm>
+          <a:prstGeom prst="rect">
+            <a:avLst/>
+          </a:prstGeom>
+        </p:spPr>
+      </p:pic>
+    </p:spTree>
+    <p:extLst>
+      <p:ext uri="{BB962C8B-B14F-4D97-AF65-F5344CB8AC3E}">
+        <p14:creationId xmlns:p14="http://schemas.microsoft.com/office/powerpoint/2010/main" val="1929422650"/>
+      </p:ext>
+    </p:extLst>
+  </p:cSld>
+  <p:clrMapOvr>
+    <a:masterClrMapping/>
+  </p:clrMapOvr>
+</p:sld>
+</file>
+
+<file path=ppt/slides/slide2.xml><?xml version="1.0" encoding="utf-8"?>
+<p:sld xmlns:a="http://schemas.openxmlformats.org/drawingml/2006/main" xmlns:r="http://schemas.openxmlformats.org/officeDocument/2006/relationships" xmlns:p="http://schemas.openxmlformats.org/presentationml/2006/main">
+  <p:cSld>
+    <p:bg>
+      <p:bgPr>
+        <a:gradFill rotWithShape="1">
+          <a:gsLst>
+            <a:gs pos="10000">
+              <a:schemeClr val="bg2">
+                <a:tint val="97000"/>
+                <a:hueMod val="92000"/>
+                <a:satMod val="169000"/>
+                <a:lumMod val="164000"/>
+              </a:schemeClr>
+            </a:gs>
+            <a:gs pos="100000">
+              <a:schemeClr val="bg2">
+                <a:shade val="96000"/>
+                <a:satMod val="120000"/>
+                <a:lumMod val="90000"/>
+              </a:schemeClr>
+            </a:gs>
+          </a:gsLst>
+          <a:lin ang="6120000" scaled="1"/>
+        </a:gradFill>
+        <a:effectLst/>
+      </p:bgPr>
+    </p:bg>
+    <p:spTree>
+      <p:nvGrpSpPr>
+        <p:cNvPr id="1" name=""/>
+        <p:cNvGrpSpPr/>
+        <p:nvPr/>
+      </p:nvGrpSpPr>
+      <p:grpSpPr>
+        <a:xfrm>
+          <a:off x="0" y="0"/>
+          <a:ext cx="0" cy="0"/>
+          <a:chOff x="0" y="0"/>
+          <a:chExt cx="0" cy="0"/>
+        </a:xfrm>
+      </p:grpSpPr>
+      <p:sp>
+        <p:nvSpPr>
+          <p:cNvPr id="2" name="Title 1">
+            <a:extLst>
+              <a:ext uri="{FF2B5EF4-FFF2-40B4-BE49-F238E27FC236}">
+                <a16:creationId xmlns:a16="http://schemas.microsoft.com/office/drawing/2014/main" id="{73BCA3E8-B163-4626-AB15-C2F610CF26B4}"/>
+              </a:ext>
+            </a:extLst>
+          </p:cNvPr>
+          <p:cNvSpPr>
+            <a:spLocks noGrp="1"/>
+          </p:cNvSpPr>
+          <p:nvPr>
+            <p:ph type="title"/>
+          </p:nvPr>
+        </p:nvSpPr>
+        <p:spPr>
+          <a:xfrm>
+            <a:off x="684212" y="289966"/>
+            <a:ext cx="3643435" cy="1001424"/>
+          </a:xfrm>
+        </p:spPr>
+        <p:txBody>
+          <a:bodyPr>
+            <a:normAutofit/>
+          </a:bodyPr>
+          <a:lstStyle/>
+          <a:p>
+            <a:r>
+              <a:rPr lang="en-GB" dirty="0"/>
+              <a:t>Our Datasets</a:t>
+            </a:r>
+          </a:p>
+        </p:txBody>
+      </p:sp>
+      <p:sp>
+        <p:nvSpPr>
+          <p:cNvPr id="3" name="Content Placeholder 2">
+            <a:extLst>
+              <a:ext uri="{FF2B5EF4-FFF2-40B4-BE49-F238E27FC236}">
+                <a16:creationId xmlns:a16="http://schemas.microsoft.com/office/drawing/2014/main" id="{3E3CE4C3-BF0A-4957-95D7-FBC24D682FEA}"/>
+              </a:ext>
+            </a:extLst>
+          </p:cNvPr>
+          <p:cNvSpPr>
+            <a:spLocks noGrp="1"/>
+          </p:cNvSpPr>
+          <p:nvPr>
+            <p:ph idx="1"/>
+          </p:nvPr>
+        </p:nvSpPr>
+        <p:spPr>
+          <a:xfrm>
+            <a:off x="684212" y="966174"/>
+            <a:ext cx="7195828" cy="3588072"/>
+          </a:xfrm>
+        </p:spPr>
+        <p:txBody>
+          <a:bodyPr>
+            <a:normAutofit/>
+          </a:bodyPr>
+          <a:lstStyle/>
+          <a:p>
+            <a:r>
+              <a:rPr lang="en-GB" dirty="0"/>
+              <a:t>Premier League Games Datasets – 2000/01 to 2017/18 – from football-data.co.uk – 18 separate datasets</a:t>
+            </a:r>
+          </a:p>
+          <a:p>
+            <a:r>
+              <a:rPr lang="en-GB" dirty="0"/>
+              <a:t>This dataset contains information about every premier league game from this time period.</a:t>
+            </a:r>
+          </a:p>
+          <a:p>
+            <a:r>
+              <a:rPr lang="en-GB" dirty="0"/>
+              <a:t>The number of attributes in these datasets ranged from 28 to 65.</a:t>
+            </a:r>
+          </a:p>
+          <a:p>
+            <a:r>
+              <a:rPr lang="en-GB" dirty="0"/>
+              <a:t>Lots of irrelevant data – in–game stats, bookies odds</a:t>
+            </a:r>
+          </a:p>
+        </p:txBody>
+      </p:sp>
+      <p:pic>
+        <p:nvPicPr>
+          <p:cNvPr id="6" name="Picture 5" descr="A picture containing wall&#10;&#10;Description generated with high confidence">
+            <a:extLst>
+              <a:ext uri="{FF2B5EF4-FFF2-40B4-BE49-F238E27FC236}">
+                <a16:creationId xmlns:a16="http://schemas.microsoft.com/office/drawing/2014/main" id="{EABF7FB9-AB7A-4BC9-9AC0-E7B92CC3B000}"/>
+              </a:ext>
+            </a:extLst>
+          </p:cNvPr>
+          <p:cNvPicPr>
+            <a:picLocks noChangeAspect="1"/>
+          </p:cNvPicPr>
+          <p:nvPr/>
+        </p:nvPicPr>
+        <p:blipFill>
+          <a:blip r:embed="rId2"/>
+          <a:stretch>
+            <a:fillRect/>
+          </a:stretch>
+        </p:blipFill>
+        <p:spPr>
+          <a:xfrm>
+            <a:off x="684212" y="4339014"/>
+            <a:ext cx="9672266" cy="2229020"/>
+          </a:xfrm>
+          <a:prstGeom prst="rect">
+            <a:avLst/>
+          </a:prstGeom>
+        </p:spPr>
+      </p:pic>
+    </p:spTree>
+    <p:extLst>
+      <p:ext uri="{BB962C8B-B14F-4D97-AF65-F5344CB8AC3E}">
+        <p14:creationId xmlns:p14="http://schemas.microsoft.com/office/powerpoint/2010/main" val="2983668870"/>
+      </p:ext>
+    </p:extLst>
+  </p:cSld>
+  <p:clrMapOvr>
+    <a:masterClrMapping/>
+  </p:clrMapOvr>
+</p:sld>
+</file>
+
+<file path=ppt/slides/slide3.xml><?xml version="1.0" encoding="utf-8"?>
+<p:sld xmlns:a="http://schemas.openxmlformats.org/drawingml/2006/main" xmlns:r="http://schemas.openxmlformats.org/officeDocument/2006/relationships" xmlns:p="http://schemas.openxmlformats.org/presentationml/2006/main">
+  <p:cSld>
+    <p:spTree>
+      <p:nvGrpSpPr>
+        <p:cNvPr id="1" name=""/>
+        <p:cNvGrpSpPr/>
+        <p:nvPr/>
+      </p:nvGrpSpPr>
+      <p:grpSpPr>
+        <a:xfrm>
+          <a:off x="0" y="0"/>
+          <a:ext cx="0" cy="0"/>
+          <a:chOff x="0" y="0"/>
+          <a:chExt cx="0" cy="0"/>
+        </a:xfrm>
+      </p:grpSpPr>
+      <p:sp>
+        <p:nvSpPr>
+          <p:cNvPr id="2" name="Title 1">
+            <a:extLst>
+              <a:ext uri="{FF2B5EF4-FFF2-40B4-BE49-F238E27FC236}">
+                <a16:creationId xmlns:a16="http://schemas.microsoft.com/office/drawing/2014/main" id="{29A7EF05-B82D-40DE-AD78-65CC84448DFE}"/>
+              </a:ext>
+            </a:extLst>
+          </p:cNvPr>
+          <p:cNvSpPr>
+            <a:spLocks noGrp="1"/>
+          </p:cNvSpPr>
+          <p:nvPr>
+            <p:ph type="title"/>
+          </p:nvPr>
+        </p:nvSpPr>
+        <p:spPr>
+          <a:xfrm>
+            <a:off x="571917" y="104274"/>
+            <a:ext cx="9919620" cy="1507067"/>
+          </a:xfrm>
+        </p:spPr>
+        <p:txBody>
+          <a:bodyPr/>
+          <a:lstStyle/>
+          <a:p>
+            <a:r>
+              <a:rPr lang="en-GB" dirty="0"/>
+              <a:t>Why did we Choose This Workshop?</a:t>
+            </a:r>
+          </a:p>
+        </p:txBody>
+      </p:sp>
+      <p:sp>
+        <p:nvSpPr>
+          <p:cNvPr id="3" name="Content Placeholder 2">
+            <a:extLst>
+              <a:ext uri="{FF2B5EF4-FFF2-40B4-BE49-F238E27FC236}">
+                <a16:creationId xmlns:a16="http://schemas.microsoft.com/office/drawing/2014/main" id="{B385F8F7-6424-4236-B1B8-0CD2F70FE321}"/>
+              </a:ext>
+            </a:extLst>
+          </p:cNvPr>
+          <p:cNvSpPr>
+            <a:spLocks noGrp="1"/>
+          </p:cNvSpPr>
+          <p:nvPr>
+            <p:ph idx="1"/>
+          </p:nvPr>
+        </p:nvSpPr>
+        <p:spPr>
+          <a:xfrm>
+            <a:off x="571917" y="1536032"/>
+            <a:ext cx="8534400" cy="3615267"/>
+          </a:xfrm>
+        </p:spPr>
+        <p:txBody>
+          <a:bodyPr/>
+          <a:lstStyle/>
+          <a:p>
+            <a:r>
+              <a:rPr lang="en-GB" dirty="0"/>
+              <a:t>Our initial dataset had no attributes that we could use directly to make a prediction.</a:t>
+            </a:r>
+          </a:p>
+          <a:p>
+            <a:r>
+              <a:rPr lang="en-GB" dirty="0"/>
+              <a:t>Techniques outlined in this workshop would allow us to create relevant attributes – aggregation/attribute construction </a:t>
+            </a:r>
+          </a:p>
+          <a:p>
+            <a:r>
+              <a:rPr lang="en-GB" dirty="0"/>
+              <a:t>As the data was in raw form – potentially needed to use normalisation</a:t>
+            </a:r>
+          </a:p>
+          <a:p>
+            <a:r>
+              <a:rPr lang="en-GB" dirty="0"/>
+              <a:t>We had 18 datasets – these need to be integrated.</a:t>
+            </a:r>
+          </a:p>
+        </p:txBody>
+      </p:sp>
+    </p:spTree>
+    <p:extLst>
+      <p:ext uri="{BB962C8B-B14F-4D97-AF65-F5344CB8AC3E}">
+        <p14:creationId xmlns:p14="http://schemas.microsoft.com/office/powerpoint/2010/main" val="3540744333"/>
+      </p:ext>
+    </p:extLst>
+  </p:cSld>
+  <p:clrMapOvr>
+    <a:masterClrMapping/>
+  </p:clrMapOvr>
+</p:sld>
+</file>
+
+<file path=ppt/slides/slide4.xml><?xml version="1.0" encoding="utf-8"?>
+<p:sld xmlns:a="http://schemas.openxmlformats.org/drawingml/2006/main" xmlns:r="http://schemas.openxmlformats.org/officeDocument/2006/relationships" xmlns:p="http://schemas.openxmlformats.org/presentationml/2006/main">
+  <p:cSld>
+    <p:bg>
+      <p:bgPr>
+        <a:gradFill rotWithShape="1">
+          <a:gsLst>
+            <a:gs pos="10000">
+              <a:schemeClr val="bg2">
+                <a:tint val="97000"/>
+                <a:hueMod val="92000"/>
+                <a:satMod val="169000"/>
+                <a:lumMod val="164000"/>
+              </a:schemeClr>
+            </a:gs>
+            <a:gs pos="100000">
+              <a:schemeClr val="bg2">
+                <a:shade val="96000"/>
+                <a:satMod val="120000"/>
+                <a:lumMod val="90000"/>
+              </a:schemeClr>
+            </a:gs>
+          </a:gsLst>
+          <a:lin ang="6120000" scaled="1"/>
+        </a:gradFill>
+        <a:effectLst/>
+      </p:bgPr>
+    </p:bg>
+    <p:spTree>
+      <p:nvGrpSpPr>
+        <p:cNvPr id="1" name=""/>
+        <p:cNvGrpSpPr/>
+        <p:nvPr/>
+      </p:nvGrpSpPr>
+      <p:grpSpPr>
+        <a:xfrm>
+          <a:off x="0" y="0"/>
+          <a:ext cx="0" cy="0"/>
+          <a:chOff x="0" y="0"/>
+          <a:chExt cx="0" cy="0"/>
+        </a:xfrm>
+      </p:grpSpPr>
+      <p:sp>
+        <p:nvSpPr>
+          <p:cNvPr id="2" name="Title 1">
+            <a:extLst>
+              <a:ext uri="{FF2B5EF4-FFF2-40B4-BE49-F238E27FC236}">
+                <a16:creationId xmlns:a16="http://schemas.microsoft.com/office/drawing/2014/main" id="{780318D2-AB1D-4649-83D3-FBA67FB96824}"/>
+              </a:ext>
+            </a:extLst>
+          </p:cNvPr>
+          <p:cNvSpPr>
+            <a:spLocks noGrp="1"/>
+          </p:cNvSpPr>
+          <p:nvPr>
+            <p:ph type="title"/>
+          </p:nvPr>
+        </p:nvSpPr>
+        <p:spPr>
+          <a:xfrm>
+            <a:off x="684212" y="201735"/>
+            <a:ext cx="6102470" cy="969340"/>
+          </a:xfrm>
+        </p:spPr>
+        <p:txBody>
+          <a:bodyPr>
+            <a:normAutofit/>
+          </a:bodyPr>
+          <a:lstStyle/>
+          <a:p>
+            <a:r>
+              <a:rPr lang="en-US" dirty="0"/>
+              <a:t>Possible Attributes</a:t>
+            </a:r>
+            <a:endParaRPr lang="en-GB" dirty="0"/>
+          </a:p>
+        </p:txBody>
+      </p:sp>
+      <p:sp>
+        <p:nvSpPr>
+          <p:cNvPr id="3" name="Content Placeholder 2">
+            <a:extLst>
+              <a:ext uri="{FF2B5EF4-FFF2-40B4-BE49-F238E27FC236}">
+                <a16:creationId xmlns:a16="http://schemas.microsoft.com/office/drawing/2014/main" id="{30B99E1B-51BF-47FC-96D2-8C5E5ECFBC01}"/>
+              </a:ext>
+            </a:extLst>
+          </p:cNvPr>
+          <p:cNvSpPr>
+            <a:spLocks noGrp="1"/>
+          </p:cNvSpPr>
+          <p:nvPr>
+            <p:ph idx="1"/>
+          </p:nvPr>
+        </p:nvSpPr>
+        <p:spPr>
+          <a:xfrm>
+            <a:off x="684212" y="626849"/>
+            <a:ext cx="8443746" cy="3477827"/>
+          </a:xfrm>
+        </p:spPr>
+        <p:txBody>
+          <a:bodyPr>
+            <a:noAutofit/>
+          </a:bodyPr>
+          <a:lstStyle/>
+          <a:p>
+            <a:pPr>
+              <a:lnSpc>
+                <a:spcPct val="90000"/>
+              </a:lnSpc>
+            </a:pPr>
+            <a:endParaRPr lang="en-GB" dirty="0"/>
+          </a:p>
+          <a:p>
+            <a:pPr>
+              <a:lnSpc>
+                <a:spcPct val="90000"/>
+              </a:lnSpc>
+            </a:pPr>
+            <a:endParaRPr lang="en-GB" dirty="0"/>
+          </a:p>
+          <a:p>
+            <a:pPr>
+              <a:lnSpc>
+                <a:spcPct val="90000"/>
+              </a:lnSpc>
+            </a:pPr>
+            <a:r>
+              <a:rPr lang="en-GB" dirty="0"/>
+              <a:t>We removed attributes that we didn’t want to include in the prediction – in-game stats, bookies odds</a:t>
+            </a:r>
+          </a:p>
+          <a:p>
+            <a:pPr>
+              <a:lnSpc>
+                <a:spcPct val="90000"/>
+              </a:lnSpc>
+            </a:pPr>
+            <a:r>
+              <a:rPr lang="en-GB" dirty="0"/>
+              <a:t>We still had no clear attributes to make a prediction with.</a:t>
+            </a:r>
+          </a:p>
+          <a:p>
+            <a:pPr>
+              <a:lnSpc>
+                <a:spcPct val="90000"/>
+              </a:lnSpc>
+            </a:pPr>
+            <a:r>
+              <a:rPr lang="en-GB" dirty="0"/>
+              <a:t>Data transformation techniques - generate some attributes.</a:t>
+            </a:r>
+          </a:p>
+          <a:p>
+            <a:pPr>
+              <a:lnSpc>
+                <a:spcPct val="90000"/>
+              </a:lnSpc>
+            </a:pPr>
+            <a:r>
+              <a:rPr lang="en-GB" dirty="0"/>
+              <a:t>Aggregation - Date, Full Time Result, Goals Scored etc – Home Team Points, Away Team Points</a:t>
+            </a:r>
+          </a:p>
+          <a:p>
+            <a:pPr>
+              <a:lnSpc>
+                <a:spcPct val="90000"/>
+              </a:lnSpc>
+            </a:pPr>
+            <a:r>
+              <a:rPr lang="en-US" dirty="0"/>
+              <a:t>Attribute Construction – Generate Form</a:t>
+            </a:r>
+          </a:p>
+        </p:txBody>
+      </p:sp>
+      <p:pic>
+        <p:nvPicPr>
+          <p:cNvPr id="5" name="Picture 4" descr="A screenshot of a cell phone&#10;&#10;Description generated with very high confidence">
+            <a:extLst>
+              <a:ext uri="{FF2B5EF4-FFF2-40B4-BE49-F238E27FC236}">
+                <a16:creationId xmlns:a16="http://schemas.microsoft.com/office/drawing/2014/main" id="{31A3CACC-56D0-411D-952C-84C576754521}"/>
+              </a:ext>
+            </a:extLst>
+          </p:cNvPr>
+          <p:cNvPicPr>
+            <a:picLocks noChangeAspect="1"/>
+          </p:cNvPicPr>
+          <p:nvPr/>
+        </p:nvPicPr>
+        <p:blipFill>
+          <a:blip r:embed="rId2"/>
+          <a:stretch>
+            <a:fillRect/>
+          </a:stretch>
+        </p:blipFill>
+        <p:spPr>
+          <a:xfrm>
+            <a:off x="684212" y="4718463"/>
+            <a:ext cx="7195828" cy="1745309"/>
+          </a:xfrm>
+          <a:prstGeom prst="rect">
+            <a:avLst/>
+          </a:prstGeom>
+        </p:spPr>
+      </p:pic>
+    </p:spTree>
+    <p:extLst>
+      <p:ext uri="{BB962C8B-B14F-4D97-AF65-F5344CB8AC3E}">
+        <p14:creationId xmlns:p14="http://schemas.microsoft.com/office/powerpoint/2010/main" val="490186074"/>
+      </p:ext>
+    </p:extLst>
+  </p:cSld>
+  <p:clrMapOvr>
+    <a:masterClrMapping/>
+  </p:clrMapOvr>
+</p:sld>
+</file>
+
+<file path=ppt/slides/slide5.xml><?xml version="1.0" encoding="utf-8"?>
 <p:sld xmlns:a="http://schemas.openxmlformats.org/drawingml/2006/main" xmlns:r="http://schemas.openxmlformats.org/officeDocument/2006/relationships" xmlns:p="http://schemas.openxmlformats.org/presentationml/2006/main">
   <p:cSld>
     <p:bg>
@@ -8184,10 +6985,10 @@
       </p:grpSpPr>
       <p:sp useBgFill="1">
         <p:nvSpPr>
-          <p:cNvPr id="22" name="Rectangle 21">
+          <p:cNvPr id="10" name="Rectangle 9">
             <a:extLst>
               <a:ext uri="{FF2B5EF4-FFF2-40B4-BE49-F238E27FC236}">
-                <a16:creationId xmlns:a16="http://schemas.microsoft.com/office/drawing/2014/main" id="{EFC3BF2D-25C6-4594-8B55-8F1185219B59}"/>
+                <a16:creationId xmlns:a16="http://schemas.microsoft.com/office/drawing/2014/main" id="{B9403C7F-76AE-4587-92A2-D4E41EBE68BD}"/>
               </a:ext>
               <a:ext uri="{C183D7F6-B498-43B3-948B-1728B52AA6E4}">
                 <adec:decorative xmlns:adec="http://schemas.microsoft.com/office/drawing/2017/decorative" val="1"/>
@@ -8247,7 +7048,7 @@
           <p:cNvPr id="2" name="Title 1">
             <a:extLst>
               <a:ext uri="{FF2B5EF4-FFF2-40B4-BE49-F238E27FC236}">
-                <a16:creationId xmlns:a16="http://schemas.microsoft.com/office/drawing/2014/main" id="{73BCA3E8-B163-4626-AB15-C2F610CF26B4}"/>
+                <a16:creationId xmlns:a16="http://schemas.microsoft.com/office/drawing/2014/main" id="{AFDFB7D7-8B7C-47AB-A19A-681B2D242E2B}"/>
               </a:ext>
             </a:extLst>
           </p:cNvPr>
@@ -8260,8 +7061,8 @@
         </p:nvSpPr>
         <p:spPr>
           <a:xfrm>
-            <a:off x="4534688" y="175623"/>
-            <a:ext cx="7430889" cy="1507067"/>
+            <a:off x="3884612" y="172006"/>
+            <a:ext cx="5627158" cy="1507067"/>
           </a:xfrm>
         </p:spPr>
         <p:txBody>
@@ -8271,88 +7072,18 @@
           <a:lstStyle/>
           <a:p>
             <a:r>
-              <a:rPr lang="en-GB" sz="3300" dirty="0"/>
-              <a:t>Data Transformation</a:t>
-            </a:r>
-          </a:p>
-        </p:txBody>
-      </p:sp>
-      <p:sp>
-        <p:nvSpPr>
-          <p:cNvPr id="39" name="Rectangle 23">
+              <a:rPr lang="en-GB" dirty="0"/>
+              <a:t>Data transformation - Aggregation</a:t>
+            </a:r>
+          </a:p>
+        </p:txBody>
+      </p:sp>
+      <p:pic>
+        <p:nvPicPr>
+          <p:cNvPr id="5" name="Picture 4" descr="A screenshot of a cell phone&#10;&#10;Description generated with very high confidence">
             <a:extLst>
               <a:ext uri="{FF2B5EF4-FFF2-40B4-BE49-F238E27FC236}">
-                <a16:creationId xmlns:a16="http://schemas.microsoft.com/office/drawing/2014/main" id="{F7A12C12-F8D4-4AC9-84E1-E4F85BFABB1B}"/>
-              </a:ext>
-              <a:ext uri="{C183D7F6-B498-43B3-948B-1728B52AA6E4}">
-                <adec:decorative xmlns:adec="http://schemas.microsoft.com/office/drawing/2017/decorative" val="1"/>
-              </a:ext>
-            </a:extLst>
-          </p:cNvPr>
-          <p:cNvSpPr>
-            <a:spLocks noGrp="1" noRot="1" noChangeAspect="1" noMove="1" noResize="1" noEditPoints="1" noAdjustHandles="1" noChangeArrowheads="1" noChangeShapeType="1" noTextEdit="1"/>
-          </p:cNvSpPr>
-          <p:nvPr>
-            <p:extLst>
-              <p:ext uri="{386F3935-93C4-4BCD-93E2-E3B085C9AB24}">
-                <p16:designElem xmlns:p16="http://schemas.microsoft.com/office/powerpoint/2015/main" val="1"/>
-              </p:ext>
-            </p:extLst>
-          </p:nvPr>
-        </p:nvSpPr>
-        <p:spPr>
-          <a:xfrm>
-            <a:off x="-3176" y="0"/>
-            <a:ext cx="4070923" cy="6858000"/>
-          </a:xfrm>
-          <a:prstGeom prst="rect">
-            <a:avLst/>
-          </a:prstGeom>
-          <a:solidFill>
-            <a:schemeClr val="tx1"/>
-          </a:solidFill>
-          <a:ln>
-            <a:noFill/>
-          </a:ln>
-          <a:effectLst>
-            <a:innerShdw blurRad="57150" dist="38100" dir="14460000">
-              <a:prstClr val="black">
-                <a:alpha val="70000"/>
-              </a:prstClr>
-            </a:innerShdw>
-          </a:effectLst>
-        </p:spPr>
-        <p:style>
-          <a:lnRef idx="2">
-            <a:schemeClr val="accent1">
-              <a:shade val="50000"/>
-            </a:schemeClr>
-          </a:lnRef>
-          <a:fillRef idx="1">
-            <a:schemeClr val="accent1"/>
-          </a:fillRef>
-          <a:effectRef idx="0">
-            <a:schemeClr val="accent1"/>
-          </a:effectRef>
-          <a:fontRef idx="minor">
-            <a:schemeClr val="lt1"/>
-          </a:fontRef>
-        </p:style>
-        <p:txBody>
-          <a:bodyPr rtlCol="0" anchor="ctr"/>
-          <a:lstStyle/>
-          <a:p>
-            <a:pPr algn="ctr"/>
-            <a:endParaRPr lang="en-US"/>
-          </a:p>
-        </p:txBody>
-      </p:sp>
-      <p:pic>
-        <p:nvPicPr>
-          <p:cNvPr id="5" name="Picture 4" descr="A screenshot of text&#10;&#10;Description generated with very high confidence">
-            <a:extLst>
-              <a:ext uri="{FF2B5EF4-FFF2-40B4-BE49-F238E27FC236}">
-                <a16:creationId xmlns:a16="http://schemas.microsoft.com/office/drawing/2014/main" id="{3E0EECD3-1350-4CF9-B1B5-067F0A3FD5B0}"/>
+                <a16:creationId xmlns:a16="http://schemas.microsoft.com/office/drawing/2014/main" id="{DAEC179C-ADD3-4EBE-9F23-8F1AB7FB88FD}"/>
               </a:ext>
             </a:extLst>
           </p:cNvPr>
@@ -8361,72 +7092,48 @@
           </p:cNvPicPr>
           <p:nvPr/>
         </p:nvPicPr>
-        <p:blipFill>
+        <p:blipFill rotWithShape="1">
           <a:blip r:embed="rId2"/>
-          <a:stretch>
-            <a:fillRect/>
-          </a:stretch>
+          <a:srcRect r="12335"/>
+          <a:stretch/>
         </p:blipFill>
         <p:spPr>
           <a:xfrm>
-            <a:off x="144725" y="148318"/>
-            <a:ext cx="3864991" cy="3136749"/>
+            <a:off x="831" y="10"/>
+            <a:ext cx="3502025" cy="6857990"/>
           </a:xfrm>
           <a:prstGeom prst="rect">
             <a:avLst/>
           </a:prstGeom>
+          <a:effectLst>
+            <a:innerShdw blurRad="57150" dist="38100" dir="14460000">
+              <a:prstClr val="black">
+                <a:alpha val="70000"/>
+              </a:prstClr>
+            </a:innerShdw>
+          </a:effectLst>
         </p:spPr>
       </p:pic>
-      <p:pic>
-        <p:nvPicPr>
-          <p:cNvPr id="7" name="Picture 6" descr="A screenshot of text&#10;&#10;Description generated with very high confidence">
+      <p:sp>
+        <p:nvSpPr>
+          <p:cNvPr id="3" name="Content Placeholder 2">
             <a:extLst>
               <a:ext uri="{FF2B5EF4-FFF2-40B4-BE49-F238E27FC236}">
-                <a16:creationId xmlns:a16="http://schemas.microsoft.com/office/drawing/2014/main" id="{0AF6A6F4-0907-49D4-A37F-C39DC61AD180}"/>
+                <a16:creationId xmlns:a16="http://schemas.microsoft.com/office/drawing/2014/main" id="{45EB78E7-8690-4399-9350-62F45BF6F47D}"/>
               </a:ext>
             </a:extLst>
           </p:cNvPr>
-          <p:cNvPicPr>
-            <a:picLocks noChangeAspect="1"/>
-          </p:cNvPicPr>
-          <p:nvPr/>
-        </p:nvPicPr>
-        <p:blipFill>
-          <a:blip r:embed="rId3"/>
-          <a:stretch>
-            <a:fillRect/>
-          </a:stretch>
-        </p:blipFill>
+          <p:cNvSpPr>
+            <a:spLocks noGrp="1"/>
+          </p:cNvSpPr>
+          <p:nvPr>
+            <p:ph idx="1"/>
+          </p:nvPr>
+        </p:nvSpPr>
         <p:spPr>
           <a:xfrm>
-            <a:off x="144725" y="3429000"/>
-            <a:ext cx="3864991" cy="3136749"/>
-          </a:xfrm>
-          <a:prstGeom prst="rect">
-            <a:avLst/>
-          </a:prstGeom>
-        </p:spPr>
-      </p:pic>
-      <p:sp>
-        <p:nvSpPr>
-          <p:cNvPr id="3" name="Content Placeholder 2">
-            <a:extLst>
-              <a:ext uri="{FF2B5EF4-FFF2-40B4-BE49-F238E27FC236}">
-                <a16:creationId xmlns:a16="http://schemas.microsoft.com/office/drawing/2014/main" id="{3E3CE4C3-BF0A-4957-95D7-FBC24D682FEA}"/>
-              </a:ext>
-            </a:extLst>
-          </p:cNvPr>
-          <p:cNvSpPr>
-            <a:spLocks noGrp="1"/>
-          </p:cNvSpPr>
-          <p:nvPr>
-            <p:ph idx="1"/>
-          </p:nvPr>
-        </p:nvSpPr>
-        <p:spPr>
-          <a:xfrm>
-            <a:off x="4212472" y="1669627"/>
-            <a:ext cx="6952234" cy="3615267"/>
+            <a:off x="3634772" y="1155699"/>
+            <a:ext cx="6626072" cy="3615267"/>
           </a:xfrm>
         </p:spPr>
         <p:txBody>
@@ -8435,41 +7142,43 @@
           </a:bodyPr>
           <a:lstStyle/>
           <a:p>
-            <a:pPr lvl="1"/>
             <a:r>
               <a:rPr lang="en-GB" dirty="0"/>
-              <a:t>We used a python script to generate our dataset with the appropriate attributes. </a:t>
-            </a:r>
-          </a:p>
-          <a:p>
-            <a:pPr lvl="1"/>
+              <a:t>Carry out transformation across all 18 datasets.</a:t>
+            </a:r>
+          </a:p>
+          <a:p>
             <a:r>
               <a:rPr lang="en-GB" dirty="0"/>
-              <a:t>The images displayed show how we generated goal and points difference for the home and away sides. </a:t>
-            </a:r>
-          </a:p>
-          <a:p>
-            <a:pPr lvl="1"/>
+              <a:t>Then integrate them.</a:t>
+            </a:r>
+          </a:p>
+          <a:p>
             <a:r>
               <a:rPr lang="en-GB" dirty="0"/>
-              <a:t>We used max-min normalisation to perform a linear transformation of our data, both categorical and discrete. </a:t>
-            </a:r>
-          </a:p>
-          <a:p>
-            <a:pPr lvl="1"/>
+              <a:t>Easier to create attributes year by year.</a:t>
+            </a:r>
+          </a:p>
+          <a:p>
             <a:r>
               <a:rPr lang="en-GB" dirty="0"/>
-              <a:t>This helped reduce redundancy and allow data to be compared more easily. </a:t>
+              <a:t>Arduous Process – as each attribute needed to abide by the date</a:t>
+            </a:r>
+          </a:p>
+          <a:p>
+            <a:r>
+              <a:rPr lang="en-GB" dirty="0"/>
+              <a:t>HTGD ATGD Code</a:t>
             </a:r>
           </a:p>
         </p:txBody>
       </p:sp>
       <p:grpSp>
         <p:nvGrpSpPr>
-          <p:cNvPr id="40" name="Group 25">
+          <p:cNvPr id="12" name="Group 11">
             <a:extLst>
               <a:ext uri="{FF2B5EF4-FFF2-40B4-BE49-F238E27FC236}">
-                <a16:creationId xmlns:a16="http://schemas.microsoft.com/office/drawing/2014/main" id="{8FD8AD14-0613-481A-BA78-CCA8DD1F3B5D}"/>
+                <a16:creationId xmlns:a16="http://schemas.microsoft.com/office/drawing/2014/main" id="{D6C71778-3DDA-4748-AEBB-2A4B75016325}"/>
               </a:ext>
               <a:ext uri="{C183D7F6-B498-43B3-948B-1728B52AA6E4}">
                 <adec:decorative xmlns:adec="http://schemas.microsoft.com/office/drawing/2017/decorative" val="1"/>
@@ -8497,10 +7206,10 @@
         </p:grpSpPr>
         <p:cxnSp>
           <p:nvCxnSpPr>
-            <p:cNvPr id="27" name="Straight Connector 26">
+            <p:cNvPr id="13" name="Straight Connector 12">
               <a:extLst>
                 <a:ext uri="{FF2B5EF4-FFF2-40B4-BE49-F238E27FC236}">
-                  <a16:creationId xmlns:a16="http://schemas.microsoft.com/office/drawing/2014/main" id="{F36D0C6A-5417-49B9-A556-98633131BE84}"/>
+                  <a16:creationId xmlns:a16="http://schemas.microsoft.com/office/drawing/2014/main" id="{BA1F5C7D-5183-424E-BD72-BBFC59C5A263}"/>
                 </a:ext>
                 <a:ext uri="{C183D7F6-B498-43B3-948B-1728B52AA6E4}">
                   <adec:decorative xmlns:adec="http://schemas.microsoft.com/office/drawing/2017/decorative" val="1"/>
@@ -8547,10 +7256,10 @@
         </p:cxnSp>
         <p:cxnSp>
           <p:nvCxnSpPr>
-            <p:cNvPr id="28" name="Straight Connector 27">
+            <p:cNvPr id="14" name="Straight Connector 13">
               <a:extLst>
                 <a:ext uri="{FF2B5EF4-FFF2-40B4-BE49-F238E27FC236}">
-                  <a16:creationId xmlns:a16="http://schemas.microsoft.com/office/drawing/2014/main" id="{08727C4A-D172-4E5A-9D28-9C04CC829883}"/>
+                  <a16:creationId xmlns:a16="http://schemas.microsoft.com/office/drawing/2014/main" id="{B848F76E-D8DE-4826-901B-4E4090240E52}"/>
                 </a:ext>
                 <a:ext uri="{C183D7F6-B498-43B3-948B-1728B52AA6E4}">
                   <adec:decorative xmlns:adec="http://schemas.microsoft.com/office/drawing/2017/decorative" val="1"/>
@@ -8597,10 +7306,10 @@
         </p:cxnSp>
         <p:cxnSp>
           <p:nvCxnSpPr>
-            <p:cNvPr id="29" name="Straight Connector 28">
+            <p:cNvPr id="15" name="Straight Connector 14">
               <a:extLst>
                 <a:ext uri="{FF2B5EF4-FFF2-40B4-BE49-F238E27FC236}">
-                  <a16:creationId xmlns:a16="http://schemas.microsoft.com/office/drawing/2014/main" id="{23D19D09-0DC1-4FC2-B1AD-011ED901011C}"/>
+                  <a16:creationId xmlns:a16="http://schemas.microsoft.com/office/drawing/2014/main" id="{FAE84420-E672-4A16-8384-42BDDC4A9627}"/>
                 </a:ext>
                 <a:ext uri="{C183D7F6-B498-43B3-948B-1728B52AA6E4}">
                   <adec:decorative xmlns:adec="http://schemas.microsoft.com/office/drawing/2017/decorative" val="1"/>
@@ -8647,10 +7356,10 @@
         </p:cxnSp>
         <p:cxnSp>
           <p:nvCxnSpPr>
-            <p:cNvPr id="30" name="Straight Connector 29">
+            <p:cNvPr id="16" name="Straight Connector 15">
               <a:extLst>
                 <a:ext uri="{FF2B5EF4-FFF2-40B4-BE49-F238E27FC236}">
-                  <a16:creationId xmlns:a16="http://schemas.microsoft.com/office/drawing/2014/main" id="{E9016FDD-D596-484A-87E8-CC1E7BAD84AA}"/>
+                  <a16:creationId xmlns:a16="http://schemas.microsoft.com/office/drawing/2014/main" id="{044D91EB-FA8D-4FD3-88F8-053F9962BD40}"/>
                 </a:ext>
                 <a:ext uri="{C183D7F6-B498-43B3-948B-1728B52AA6E4}">
                   <adec:decorative xmlns:adec="http://schemas.microsoft.com/office/drawing/2017/decorative" val="1"/>
@@ -8697,10 +7406,820 @@
         </p:cxnSp>
         <p:cxnSp>
           <p:nvCxnSpPr>
-            <p:cNvPr id="31" name="Straight Connector 30">
+            <p:cNvPr id="17" name="Straight Connector 16">
               <a:extLst>
                 <a:ext uri="{FF2B5EF4-FFF2-40B4-BE49-F238E27FC236}">
-                  <a16:creationId xmlns:a16="http://schemas.microsoft.com/office/drawing/2014/main" id="{8D7E80C5-88F9-44F8-A8D1-0F2F223A7693}"/>
+                  <a16:creationId xmlns:a16="http://schemas.microsoft.com/office/drawing/2014/main" id="{756B711F-46BD-4789-926C-CF2F01F71D68}"/>
+                </a:ext>
+                <a:ext uri="{C183D7F6-B498-43B3-948B-1728B52AA6E4}">
+                  <adec:decorative xmlns:adec="http://schemas.microsoft.com/office/drawing/2017/decorative" val="1"/>
+                </a:ext>
+              </a:extLst>
+            </p:cNvPr>
+            <p:cNvCxnSpPr/>
+            <p:nvPr>
+              <p:extLst>
+                <p:ext uri="{386F3935-93C4-4BCD-93E2-E3B085C9AB24}">
+                  <p16:designElem xmlns:p16="http://schemas.microsoft.com/office/powerpoint/2015/main" val="1"/>
+                </p:ext>
+              </p:extLst>
+            </p:nvPr>
+          </p:nvCxnSpPr>
+          <p:spPr>
+            <a:xfrm flipH="1">
+              <a:off x="10918826" y="3683001"/>
+              <a:ext cx="1270001" cy="1269999"/>
+            </a:xfrm>
+            <a:prstGeom prst="line">
+              <a:avLst/>
+            </a:prstGeom>
+            <a:ln w="28575">
+              <a:solidFill>
+                <a:schemeClr val="tx1"/>
+              </a:solidFill>
+            </a:ln>
+          </p:spPr>
+          <p:style>
+            <a:lnRef idx="2">
+              <a:schemeClr val="accent1"/>
+            </a:lnRef>
+            <a:fillRef idx="0">
+              <a:schemeClr val="accent1"/>
+            </a:fillRef>
+            <a:effectRef idx="1">
+              <a:schemeClr val="accent1"/>
+            </a:effectRef>
+            <a:fontRef idx="minor">
+              <a:schemeClr val="tx1"/>
+            </a:fontRef>
+          </p:style>
+        </p:cxnSp>
+      </p:grpSp>
+      <p:pic>
+        <p:nvPicPr>
+          <p:cNvPr id="7" name="Picture 6" descr="A close up of a keyboard&#10;&#10;Description generated with very high confidence">
+            <a:extLst>
+              <a:ext uri="{FF2B5EF4-FFF2-40B4-BE49-F238E27FC236}">
+                <a16:creationId xmlns:a16="http://schemas.microsoft.com/office/drawing/2014/main" id="{0BDD3AED-492F-41BA-8F5F-CD4221A1A33B}"/>
+              </a:ext>
+            </a:extLst>
+          </p:cNvPr>
+          <p:cNvPicPr>
+            <a:picLocks noChangeAspect="1"/>
+          </p:cNvPicPr>
+          <p:nvPr/>
+        </p:nvPicPr>
+        <p:blipFill>
+          <a:blip r:embed="rId3"/>
+          <a:stretch>
+            <a:fillRect/>
+          </a:stretch>
+        </p:blipFill>
+        <p:spPr>
+          <a:xfrm>
+            <a:off x="6905744" y="3683001"/>
+            <a:ext cx="1853246" cy="2863099"/>
+          </a:xfrm>
+          <a:prstGeom prst="rect">
+            <a:avLst/>
+          </a:prstGeom>
+        </p:spPr>
+      </p:pic>
+    </p:spTree>
+    <p:extLst>
+      <p:ext uri="{BB962C8B-B14F-4D97-AF65-F5344CB8AC3E}">
+        <p14:creationId xmlns:p14="http://schemas.microsoft.com/office/powerpoint/2010/main" val="2680825796"/>
+      </p:ext>
+    </p:extLst>
+  </p:cSld>
+  <p:clrMapOvr>
+    <a:masterClrMapping/>
+  </p:clrMapOvr>
+</p:sld>
+</file>
+
+<file path=ppt/slides/slide6.xml><?xml version="1.0" encoding="utf-8"?>
+<p:sld xmlns:a="http://schemas.openxmlformats.org/drawingml/2006/main" xmlns:r="http://schemas.openxmlformats.org/officeDocument/2006/relationships" xmlns:p="http://schemas.openxmlformats.org/presentationml/2006/main">
+  <p:cSld>
+    <p:bg>
+      <p:bgPr>
+        <a:gradFill rotWithShape="1">
+          <a:gsLst>
+            <a:gs pos="10000">
+              <a:schemeClr val="bg2">
+                <a:tint val="97000"/>
+                <a:hueMod val="92000"/>
+                <a:satMod val="169000"/>
+                <a:lumMod val="164000"/>
+              </a:schemeClr>
+            </a:gs>
+            <a:gs pos="100000">
+              <a:schemeClr val="bg2">
+                <a:shade val="96000"/>
+                <a:satMod val="120000"/>
+                <a:lumMod val="90000"/>
+              </a:schemeClr>
+            </a:gs>
+          </a:gsLst>
+          <a:lin ang="6120000" scaled="1"/>
+        </a:gradFill>
+        <a:effectLst/>
+      </p:bgPr>
+    </p:bg>
+    <p:spTree>
+      <p:nvGrpSpPr>
+        <p:cNvPr id="1" name=""/>
+        <p:cNvGrpSpPr/>
+        <p:nvPr/>
+      </p:nvGrpSpPr>
+      <p:grpSpPr>
+        <a:xfrm>
+          <a:off x="0" y="0"/>
+          <a:ext cx="0" cy="0"/>
+          <a:chOff x="0" y="0"/>
+          <a:chExt cx="0" cy="0"/>
+        </a:xfrm>
+      </p:grpSpPr>
+      <p:cxnSp>
+        <p:nvCxnSpPr>
+          <p:cNvPr id="49" name="Straight Connector 48">
+            <a:extLst>
+              <a:ext uri="{FF2B5EF4-FFF2-40B4-BE49-F238E27FC236}">
+                <a16:creationId xmlns:a16="http://schemas.microsoft.com/office/drawing/2014/main" id="{8FD48FB1-66D8-4676-B0AA-C139A1DB78D1}"/>
+              </a:ext>
+              <a:ext uri="{C183D7F6-B498-43B3-948B-1728B52AA6E4}">
+                <adec:decorative xmlns:adec="http://schemas.microsoft.com/office/drawing/2017/decorative" val="1"/>
+              </a:ext>
+            </a:extLst>
+          </p:cNvPr>
+          <p:cNvCxnSpPr>
+            <a:cxnSpLocks noGrp="1" noRot="1" noChangeAspect="1" noMove="1" noResize="1" noEditPoints="1" noAdjustHandles="1" noChangeArrowheads="1" noChangeShapeType="1"/>
+          </p:cNvCxnSpPr>
+          <p:nvPr>
+            <p:extLst>
+              <p:ext uri="{386F3935-93C4-4BCD-93E2-E3B085C9AB24}">
+                <p16:designElem xmlns:p16="http://schemas.microsoft.com/office/powerpoint/2015/main" val="1"/>
+              </p:ext>
+            </p:extLst>
+          </p:nvPr>
+        </p:nvCxnSpPr>
+        <p:spPr>
+          <a:xfrm flipH="1">
+            <a:off x="8228012" y="8467"/>
+            <a:ext cx="3810000" cy="3810000"/>
+          </a:xfrm>
+          <a:prstGeom prst="line">
+            <a:avLst/>
+          </a:prstGeom>
+          <a:ln w="12700">
+            <a:solidFill>
+              <a:schemeClr val="tx1"/>
+            </a:solidFill>
+          </a:ln>
+        </p:spPr>
+        <p:style>
+          <a:lnRef idx="2">
+            <a:schemeClr val="accent1"/>
+          </a:lnRef>
+          <a:fillRef idx="0">
+            <a:schemeClr val="accent1"/>
+          </a:fillRef>
+          <a:effectRef idx="1">
+            <a:schemeClr val="accent1"/>
+          </a:effectRef>
+          <a:fontRef idx="minor">
+            <a:schemeClr val="tx1"/>
+          </a:fontRef>
+        </p:style>
+      </p:cxnSp>
+      <p:cxnSp>
+        <p:nvCxnSpPr>
+          <p:cNvPr id="51" name="Straight Connector 50">
+            <a:extLst>
+              <a:ext uri="{FF2B5EF4-FFF2-40B4-BE49-F238E27FC236}">
+                <a16:creationId xmlns:a16="http://schemas.microsoft.com/office/drawing/2014/main" id="{F033F5AE-6728-4F19-8DED-658E674B31B9}"/>
+              </a:ext>
+              <a:ext uri="{C183D7F6-B498-43B3-948B-1728B52AA6E4}">
+                <adec:decorative xmlns:adec="http://schemas.microsoft.com/office/drawing/2017/decorative" val="1"/>
+              </a:ext>
+            </a:extLst>
+          </p:cNvPr>
+          <p:cNvCxnSpPr>
+            <a:cxnSpLocks noGrp="1" noRot="1" noChangeAspect="1" noMove="1" noResize="1" noEditPoints="1" noAdjustHandles="1" noChangeArrowheads="1" noChangeShapeType="1"/>
+          </p:cNvCxnSpPr>
+          <p:nvPr>
+            <p:extLst>
+              <p:ext uri="{386F3935-93C4-4BCD-93E2-E3B085C9AB24}">
+                <p16:designElem xmlns:p16="http://schemas.microsoft.com/office/powerpoint/2015/main" val="1"/>
+              </p:ext>
+            </p:extLst>
+          </p:nvPr>
+        </p:nvCxnSpPr>
+        <p:spPr>
+          <a:xfrm flipH="1">
+            <a:off x="6108170" y="91545"/>
+            <a:ext cx="6080655" cy="6080655"/>
+          </a:xfrm>
+          <a:prstGeom prst="line">
+            <a:avLst/>
+          </a:prstGeom>
+          <a:ln w="12700">
+            <a:solidFill>
+              <a:schemeClr val="tx1"/>
+            </a:solidFill>
+          </a:ln>
+        </p:spPr>
+        <p:style>
+          <a:lnRef idx="2">
+            <a:schemeClr val="accent1"/>
+          </a:lnRef>
+          <a:fillRef idx="0">
+            <a:schemeClr val="accent1"/>
+          </a:fillRef>
+          <a:effectRef idx="1">
+            <a:schemeClr val="accent1"/>
+          </a:effectRef>
+          <a:fontRef idx="minor">
+            <a:schemeClr val="tx1"/>
+          </a:fontRef>
+        </p:style>
+      </p:cxnSp>
+      <p:cxnSp>
+        <p:nvCxnSpPr>
+          <p:cNvPr id="53" name="Straight Connector 52">
+            <a:extLst>
+              <a:ext uri="{FF2B5EF4-FFF2-40B4-BE49-F238E27FC236}">
+                <a16:creationId xmlns:a16="http://schemas.microsoft.com/office/drawing/2014/main" id="{82C7D74A-18BA-4709-A808-44E8815C4430}"/>
+              </a:ext>
+              <a:ext uri="{C183D7F6-B498-43B3-948B-1728B52AA6E4}">
+                <adec:decorative xmlns:adec="http://schemas.microsoft.com/office/drawing/2017/decorative" val="1"/>
+              </a:ext>
+            </a:extLst>
+          </p:cNvPr>
+          <p:cNvCxnSpPr>
+            <a:cxnSpLocks noGrp="1" noRot="1" noChangeAspect="1" noMove="1" noResize="1" noEditPoints="1" noAdjustHandles="1" noChangeArrowheads="1" noChangeShapeType="1"/>
+          </p:cNvCxnSpPr>
+          <p:nvPr>
+            <p:extLst>
+              <p:ext uri="{386F3935-93C4-4BCD-93E2-E3B085C9AB24}">
+                <p16:designElem xmlns:p16="http://schemas.microsoft.com/office/powerpoint/2015/main" val="1"/>
+              </p:ext>
+            </p:extLst>
+          </p:nvPr>
+        </p:nvCxnSpPr>
+        <p:spPr>
+          <a:xfrm flipH="1">
+            <a:off x="7235825" y="228600"/>
+            <a:ext cx="4953000" cy="4953000"/>
+          </a:xfrm>
+          <a:prstGeom prst="line">
+            <a:avLst/>
+          </a:prstGeom>
+          <a:ln w="12700">
+            <a:solidFill>
+              <a:schemeClr val="tx1"/>
+            </a:solidFill>
+          </a:ln>
+        </p:spPr>
+        <p:style>
+          <a:lnRef idx="2">
+            <a:schemeClr val="accent1"/>
+          </a:lnRef>
+          <a:fillRef idx="0">
+            <a:schemeClr val="accent1"/>
+          </a:fillRef>
+          <a:effectRef idx="1">
+            <a:schemeClr val="accent1"/>
+          </a:effectRef>
+          <a:fontRef idx="minor">
+            <a:schemeClr val="tx1"/>
+          </a:fontRef>
+        </p:style>
+      </p:cxnSp>
+      <p:cxnSp>
+        <p:nvCxnSpPr>
+          <p:cNvPr id="55" name="Straight Connector 54">
+            <a:extLst>
+              <a:ext uri="{FF2B5EF4-FFF2-40B4-BE49-F238E27FC236}">
+                <a16:creationId xmlns:a16="http://schemas.microsoft.com/office/drawing/2014/main" id="{B5164A3F-1561-4039-8185-AB0EEB713EA7}"/>
+              </a:ext>
+              <a:ext uri="{C183D7F6-B498-43B3-948B-1728B52AA6E4}">
+                <adec:decorative xmlns:adec="http://schemas.microsoft.com/office/drawing/2017/decorative" val="1"/>
+              </a:ext>
+            </a:extLst>
+          </p:cNvPr>
+          <p:cNvCxnSpPr>
+            <a:cxnSpLocks noGrp="1" noRot="1" noChangeAspect="1" noMove="1" noResize="1" noEditPoints="1" noAdjustHandles="1" noChangeArrowheads="1" noChangeShapeType="1"/>
+          </p:cNvCxnSpPr>
+          <p:nvPr>
+            <p:extLst>
+              <p:ext uri="{386F3935-93C4-4BCD-93E2-E3B085C9AB24}">
+                <p16:designElem xmlns:p16="http://schemas.microsoft.com/office/powerpoint/2015/main" val="1"/>
+              </p:ext>
+            </p:extLst>
+          </p:nvPr>
+        </p:nvCxnSpPr>
+        <p:spPr>
+          <a:xfrm flipH="1">
+            <a:off x="7335837" y="32278"/>
+            <a:ext cx="4852989" cy="4852989"/>
+          </a:xfrm>
+          <a:prstGeom prst="line">
+            <a:avLst/>
+          </a:prstGeom>
+          <a:ln w="31750">
+            <a:solidFill>
+              <a:schemeClr val="tx1"/>
+            </a:solidFill>
+          </a:ln>
+        </p:spPr>
+        <p:style>
+          <a:lnRef idx="2">
+            <a:schemeClr val="accent1"/>
+          </a:lnRef>
+          <a:fillRef idx="0">
+            <a:schemeClr val="accent1"/>
+          </a:fillRef>
+          <a:effectRef idx="1">
+            <a:schemeClr val="accent1"/>
+          </a:effectRef>
+          <a:fontRef idx="minor">
+            <a:schemeClr val="tx1"/>
+          </a:fontRef>
+        </p:style>
+      </p:cxnSp>
+      <p:cxnSp>
+        <p:nvCxnSpPr>
+          <p:cNvPr id="57" name="Straight Connector 56">
+            <a:extLst>
+              <a:ext uri="{FF2B5EF4-FFF2-40B4-BE49-F238E27FC236}">
+                <a16:creationId xmlns:a16="http://schemas.microsoft.com/office/drawing/2014/main" id="{2A35DB53-42BE-460E-9CA1-1294C98463CB}"/>
+              </a:ext>
+              <a:ext uri="{C183D7F6-B498-43B3-948B-1728B52AA6E4}">
+                <adec:decorative xmlns:adec="http://schemas.microsoft.com/office/drawing/2017/decorative" val="1"/>
+              </a:ext>
+            </a:extLst>
+          </p:cNvPr>
+          <p:cNvCxnSpPr>
+            <a:cxnSpLocks noGrp="1" noRot="1" noChangeAspect="1" noMove="1" noResize="1" noEditPoints="1" noAdjustHandles="1" noChangeArrowheads="1" noChangeShapeType="1"/>
+          </p:cNvCxnSpPr>
+          <p:nvPr>
+            <p:extLst>
+              <p:ext uri="{386F3935-93C4-4BCD-93E2-E3B085C9AB24}">
+                <p16:designElem xmlns:p16="http://schemas.microsoft.com/office/powerpoint/2015/main" val="1"/>
+              </p:ext>
+            </p:extLst>
+          </p:nvPr>
+        </p:nvCxnSpPr>
+        <p:spPr>
+          <a:xfrm flipH="1">
+            <a:off x="7845426" y="609601"/>
+            <a:ext cx="4343399" cy="4343399"/>
+          </a:xfrm>
+          <a:prstGeom prst="line">
+            <a:avLst/>
+          </a:prstGeom>
+          <a:ln w="31750">
+            <a:solidFill>
+              <a:schemeClr val="tx1"/>
+            </a:solidFill>
+          </a:ln>
+        </p:spPr>
+        <p:style>
+          <a:lnRef idx="2">
+            <a:schemeClr val="accent1"/>
+          </a:lnRef>
+          <a:fillRef idx="0">
+            <a:schemeClr val="accent1"/>
+          </a:fillRef>
+          <a:effectRef idx="1">
+            <a:schemeClr val="accent1"/>
+          </a:effectRef>
+          <a:fontRef idx="minor">
+            <a:schemeClr val="tx1"/>
+          </a:fontRef>
+        </p:style>
+      </p:cxnSp>
+      <p:sp useBgFill="1">
+        <p:nvSpPr>
+          <p:cNvPr id="59" name="Rectangle 58">
+            <a:extLst>
+              <a:ext uri="{FF2B5EF4-FFF2-40B4-BE49-F238E27FC236}">
+                <a16:creationId xmlns:a16="http://schemas.microsoft.com/office/drawing/2014/main" id="{ED2D7C63-562A-41C7-892E-0C73F5D59870}"/>
+              </a:ext>
+              <a:ext uri="{C183D7F6-B498-43B3-948B-1728B52AA6E4}">
+                <adec:decorative xmlns:adec="http://schemas.microsoft.com/office/drawing/2017/decorative" val="1"/>
+              </a:ext>
+            </a:extLst>
+          </p:cNvPr>
+          <p:cNvSpPr>
+            <a:spLocks noGrp="1" noRot="1" noChangeAspect="1" noMove="1" noResize="1" noEditPoints="1" noAdjustHandles="1" noChangeArrowheads="1" noChangeShapeType="1" noTextEdit="1"/>
+          </p:cNvSpPr>
+          <p:nvPr>
+            <p:extLst>
+              <p:ext uri="{386F3935-93C4-4BCD-93E2-E3B085C9AB24}">
+                <p16:designElem xmlns:p16="http://schemas.microsoft.com/office/powerpoint/2015/main" val="1"/>
+              </p:ext>
+            </p:extLst>
+          </p:nvPr>
+        </p:nvSpPr>
+        <p:spPr>
+          <a:xfrm>
+            <a:off x="0" y="0"/>
+            <a:ext cx="12192000" cy="6858000"/>
+          </a:xfrm>
+          <a:prstGeom prst="rect">
+            <a:avLst/>
+          </a:prstGeom>
+          <a:ln>
+            <a:noFill/>
+          </a:ln>
+        </p:spPr>
+        <p:style>
+          <a:lnRef idx="2">
+            <a:schemeClr val="accent1">
+              <a:shade val="50000"/>
+            </a:schemeClr>
+          </a:lnRef>
+          <a:fillRef idx="1">
+            <a:schemeClr val="accent1"/>
+          </a:fillRef>
+          <a:effectRef idx="0">
+            <a:schemeClr val="accent1"/>
+          </a:effectRef>
+          <a:fontRef idx="minor">
+            <a:schemeClr val="lt1"/>
+          </a:fontRef>
+        </p:style>
+        <p:txBody>
+          <a:bodyPr rtlCol="0" anchor="ctr"/>
+          <a:lstStyle/>
+          <a:p>
+            <a:pPr algn="ctr"/>
+            <a:endParaRPr lang="en-US"/>
+          </a:p>
+        </p:txBody>
+      </p:sp>
+      <p:sp>
+        <p:nvSpPr>
+          <p:cNvPr id="2" name="Title 1">
+            <a:extLst>
+              <a:ext uri="{FF2B5EF4-FFF2-40B4-BE49-F238E27FC236}">
+                <a16:creationId xmlns:a16="http://schemas.microsoft.com/office/drawing/2014/main" id="{2ECF768E-9BEA-458F-BA03-0369B7F7991E}"/>
+              </a:ext>
+            </a:extLst>
+          </p:cNvPr>
+          <p:cNvSpPr>
+            <a:spLocks noGrp="1"/>
+          </p:cNvSpPr>
+          <p:nvPr>
+            <p:ph type="title"/>
+          </p:nvPr>
+        </p:nvSpPr>
+        <p:spPr>
+          <a:xfrm>
+            <a:off x="5098370" y="220928"/>
+            <a:ext cx="6159273" cy="1268411"/>
+          </a:xfrm>
+        </p:spPr>
+        <p:txBody>
+          <a:bodyPr vert="horz" lIns="91440" tIns="45720" rIns="91440" bIns="45720" rtlCol="0" anchor="b">
+            <a:noAutofit/>
+          </a:bodyPr>
+          <a:lstStyle/>
+          <a:p>
+            <a:pPr>
+              <a:lnSpc>
+                <a:spcPct val="90000"/>
+              </a:lnSpc>
+            </a:pPr>
+            <a:r>
+              <a:rPr lang="en-US" dirty="0"/>
+              <a:t>Data Transformation – Attribute Construction</a:t>
+            </a:r>
+          </a:p>
+        </p:txBody>
+      </p:sp>
+      <p:sp>
+        <p:nvSpPr>
+          <p:cNvPr id="32" name="Content Placeholder 31">
+            <a:extLst>
+              <a:ext uri="{FF2B5EF4-FFF2-40B4-BE49-F238E27FC236}">
+                <a16:creationId xmlns:a16="http://schemas.microsoft.com/office/drawing/2014/main" id="{361B9C96-C6C0-4F1A-9CA3-93BC6B9BBE58}"/>
+              </a:ext>
+            </a:extLst>
+          </p:cNvPr>
+          <p:cNvSpPr>
+            <a:spLocks noGrp="1"/>
+          </p:cNvSpPr>
+          <p:nvPr>
+            <p:ph idx="1"/>
+          </p:nvPr>
+        </p:nvSpPr>
+        <p:spPr>
+          <a:xfrm>
+            <a:off x="5199831" y="2092702"/>
+            <a:ext cx="6167930" cy="1947333"/>
+          </a:xfrm>
+        </p:spPr>
+        <p:txBody>
+          <a:bodyPr vert="horz" lIns="91440" tIns="45720" rIns="91440" bIns="45720" rtlCol="0" anchor="t">
+            <a:normAutofit/>
+          </a:bodyPr>
+          <a:lstStyle/>
+          <a:p>
+            <a:r>
+              <a:rPr lang="en-US" sz="2100" dirty="0"/>
+              <a:t>Form generated from FTR</a:t>
+            </a:r>
+          </a:p>
+          <a:p>
+            <a:r>
+              <a:rPr lang="en-US" sz="2100" dirty="0"/>
+              <a:t>New feature is constructed </a:t>
+            </a:r>
+          </a:p>
+          <a:p>
+            <a:r>
+              <a:rPr lang="en-US" sz="2100" dirty="0"/>
+              <a:t>Similar to aggregation, but not a summarization</a:t>
+            </a:r>
+          </a:p>
+        </p:txBody>
+      </p:sp>
+      <p:pic>
+        <p:nvPicPr>
+          <p:cNvPr id="30" name="Content Placeholder 4" descr="A screenshot of a cell phone&#10;&#10;Description generated with very high confidence">
+            <a:extLst>
+              <a:ext uri="{FF2B5EF4-FFF2-40B4-BE49-F238E27FC236}">
+                <a16:creationId xmlns:a16="http://schemas.microsoft.com/office/drawing/2014/main" id="{E5E9E5F9-492A-4E51-BA6F-29529FB74AD7}"/>
+              </a:ext>
+            </a:extLst>
+          </p:cNvPr>
+          <p:cNvPicPr>
+            <a:picLocks noChangeAspect="1"/>
+          </p:cNvPicPr>
+          <p:nvPr/>
+        </p:nvPicPr>
+        <p:blipFill rotWithShape="1">
+          <a:blip r:embed="rId2"/>
+          <a:srcRect r="7171" b="5"/>
+          <a:stretch/>
+        </p:blipFill>
+        <p:spPr>
+          <a:xfrm>
+            <a:off x="20" y="10"/>
+            <a:ext cx="4639713" cy="6857990"/>
+          </a:xfrm>
+          <a:prstGeom prst="rect">
+            <a:avLst/>
+          </a:prstGeom>
+          <a:effectLst>
+            <a:innerShdw blurRad="57150" dist="38100" dir="14460000">
+              <a:prstClr val="black">
+                <a:alpha val="70000"/>
+              </a:prstClr>
+            </a:innerShdw>
+          </a:effectLst>
+        </p:spPr>
+      </p:pic>
+      <p:grpSp>
+        <p:nvGrpSpPr>
+          <p:cNvPr id="61" name="Group 60">
+            <a:extLst>
+              <a:ext uri="{FF2B5EF4-FFF2-40B4-BE49-F238E27FC236}">
+                <a16:creationId xmlns:a16="http://schemas.microsoft.com/office/drawing/2014/main" id="{6DF25E23-BE15-4E36-A700-59F0CE8C54A8}"/>
+              </a:ext>
+              <a:ext uri="{C183D7F6-B498-43B3-948B-1728B52AA6E4}">
+                <adec:decorative xmlns:adec="http://schemas.microsoft.com/office/drawing/2017/decorative" val="1"/>
+              </a:ext>
+            </a:extLst>
+          </p:cNvPr>
+          <p:cNvGrpSpPr>
+            <a:grpSpLocks noGrp="1" noUngrp="1" noRot="1" noChangeAspect="1" noMove="1" noResize="1"/>
+          </p:cNvGrpSpPr>
+          <p:nvPr>
+            <p:extLst>
+              <p:ext uri="{386F3935-93C4-4BCD-93E2-E3B085C9AB24}">
+                <p16:designElem xmlns:p16="http://schemas.microsoft.com/office/powerpoint/2015/main" val="1"/>
+              </p:ext>
+            </p:extLst>
+          </p:nvPr>
+        </p:nvGrpSpPr>
+        <p:grpSpPr>
+          <a:xfrm>
+            <a:off x="9206969" y="2963333"/>
+            <a:ext cx="2981858" cy="3208867"/>
+            <a:chOff x="9206969" y="2963333"/>
+            <a:chExt cx="2981858" cy="3208867"/>
+          </a:xfrm>
+        </p:grpSpPr>
+        <p:cxnSp>
+          <p:nvCxnSpPr>
+            <p:cNvPr id="62" name="Straight Connector 61">
+              <a:extLst>
+                <a:ext uri="{FF2B5EF4-FFF2-40B4-BE49-F238E27FC236}">
+                  <a16:creationId xmlns:a16="http://schemas.microsoft.com/office/drawing/2014/main" id="{2CE9353A-F333-4305-BED0-D126D75F5D8D}"/>
+                </a:ext>
+                <a:ext uri="{C183D7F6-B498-43B3-948B-1728B52AA6E4}">
+                  <adec:decorative xmlns:adec="http://schemas.microsoft.com/office/drawing/2017/decorative" val="1"/>
+                </a:ext>
+              </a:extLst>
+            </p:cNvPr>
+            <p:cNvCxnSpPr/>
+            <p:nvPr>
+              <p:extLst>
+                <p:ext uri="{386F3935-93C4-4BCD-93E2-E3B085C9AB24}">
+                  <p16:designElem xmlns:p16="http://schemas.microsoft.com/office/powerpoint/2015/main" val="1"/>
+                </p:ext>
+              </p:extLst>
+            </p:nvPr>
+          </p:nvCxnSpPr>
+          <p:spPr>
+            <a:xfrm flipH="1">
+              <a:off x="11276012" y="2963333"/>
+              <a:ext cx="912814" cy="912812"/>
+            </a:xfrm>
+            <a:prstGeom prst="line">
+              <a:avLst/>
+            </a:prstGeom>
+            <a:ln w="9525">
+              <a:solidFill>
+                <a:schemeClr val="tx1"/>
+              </a:solidFill>
+            </a:ln>
+          </p:spPr>
+          <p:style>
+            <a:lnRef idx="2">
+              <a:schemeClr val="accent1"/>
+            </a:lnRef>
+            <a:fillRef idx="0">
+              <a:schemeClr val="accent1"/>
+            </a:fillRef>
+            <a:effectRef idx="1">
+              <a:schemeClr val="accent1"/>
+            </a:effectRef>
+            <a:fontRef idx="minor">
+              <a:schemeClr val="tx1"/>
+            </a:fontRef>
+          </p:style>
+        </p:cxnSp>
+        <p:cxnSp>
+          <p:nvCxnSpPr>
+            <p:cNvPr id="63" name="Straight Connector 62">
+              <a:extLst>
+                <a:ext uri="{FF2B5EF4-FFF2-40B4-BE49-F238E27FC236}">
+                  <a16:creationId xmlns:a16="http://schemas.microsoft.com/office/drawing/2014/main" id="{95D1D327-6D34-4AB1-BBCB-FFD18B927BA6}"/>
+                </a:ext>
+                <a:ext uri="{C183D7F6-B498-43B3-948B-1728B52AA6E4}">
+                  <adec:decorative xmlns:adec="http://schemas.microsoft.com/office/drawing/2017/decorative" val="1"/>
+                </a:ext>
+              </a:extLst>
+            </p:cNvPr>
+            <p:cNvCxnSpPr/>
+            <p:nvPr>
+              <p:extLst>
+                <p:ext uri="{386F3935-93C4-4BCD-93E2-E3B085C9AB24}">
+                  <p16:designElem xmlns:p16="http://schemas.microsoft.com/office/powerpoint/2015/main" val="1"/>
+                </p:ext>
+              </p:extLst>
+            </p:nvPr>
+          </p:nvCxnSpPr>
+          <p:spPr>
+            <a:xfrm flipH="1">
+              <a:off x="9206969" y="3190344"/>
+              <a:ext cx="2981857" cy="2981856"/>
+            </a:xfrm>
+            <a:prstGeom prst="line">
+              <a:avLst/>
+            </a:prstGeom>
+            <a:ln w="9525">
+              <a:solidFill>
+                <a:schemeClr val="tx1"/>
+              </a:solidFill>
+            </a:ln>
+          </p:spPr>
+          <p:style>
+            <a:lnRef idx="2">
+              <a:schemeClr val="accent1"/>
+            </a:lnRef>
+            <a:fillRef idx="0">
+              <a:schemeClr val="accent1"/>
+            </a:fillRef>
+            <a:effectRef idx="1">
+              <a:schemeClr val="accent1"/>
+            </a:effectRef>
+            <a:fontRef idx="minor">
+              <a:schemeClr val="tx1"/>
+            </a:fontRef>
+          </p:style>
+        </p:cxnSp>
+        <p:cxnSp>
+          <p:nvCxnSpPr>
+            <p:cNvPr id="64" name="Straight Connector 63">
+              <a:extLst>
+                <a:ext uri="{FF2B5EF4-FFF2-40B4-BE49-F238E27FC236}">
+                  <a16:creationId xmlns:a16="http://schemas.microsoft.com/office/drawing/2014/main" id="{C3D4CCB5-F27F-4868-B1D4-55D8654F07D7}"/>
+                </a:ext>
+                <a:ext uri="{C183D7F6-B498-43B3-948B-1728B52AA6E4}">
+                  <adec:decorative xmlns:adec="http://schemas.microsoft.com/office/drawing/2017/decorative" val="1"/>
+                </a:ext>
+              </a:extLst>
+            </p:cNvPr>
+            <p:cNvCxnSpPr/>
+            <p:nvPr>
+              <p:extLst>
+                <p:ext uri="{386F3935-93C4-4BCD-93E2-E3B085C9AB24}">
+                  <p16:designElem xmlns:p16="http://schemas.microsoft.com/office/powerpoint/2015/main" val="1"/>
+                </p:ext>
+              </p:extLst>
+            </p:nvPr>
+          </p:nvCxnSpPr>
+          <p:spPr>
+            <a:xfrm flipH="1">
+              <a:off x="10292292" y="3285067"/>
+              <a:ext cx="1896534" cy="1896533"/>
+            </a:xfrm>
+            <a:prstGeom prst="line">
+              <a:avLst/>
+            </a:prstGeom>
+            <a:ln w="9525">
+              <a:solidFill>
+                <a:schemeClr val="tx1"/>
+              </a:solidFill>
+            </a:ln>
+          </p:spPr>
+          <p:style>
+            <a:lnRef idx="2">
+              <a:schemeClr val="accent1"/>
+            </a:lnRef>
+            <a:fillRef idx="0">
+              <a:schemeClr val="accent1"/>
+            </a:fillRef>
+            <a:effectRef idx="1">
+              <a:schemeClr val="accent1"/>
+            </a:effectRef>
+            <a:fontRef idx="minor">
+              <a:schemeClr val="tx1"/>
+            </a:fontRef>
+          </p:style>
+        </p:cxnSp>
+        <p:cxnSp>
+          <p:nvCxnSpPr>
+            <p:cNvPr id="65" name="Straight Connector 64">
+              <a:extLst>
+                <a:ext uri="{FF2B5EF4-FFF2-40B4-BE49-F238E27FC236}">
+                  <a16:creationId xmlns:a16="http://schemas.microsoft.com/office/drawing/2014/main" id="{55F00F96-8833-4C32-AD31-05286BC80051}"/>
+                </a:ext>
+                <a:ext uri="{C183D7F6-B498-43B3-948B-1728B52AA6E4}">
+                  <adec:decorative xmlns:adec="http://schemas.microsoft.com/office/drawing/2017/decorative" val="1"/>
+                </a:ext>
+              </a:extLst>
+            </p:cNvPr>
+            <p:cNvCxnSpPr/>
+            <p:nvPr>
+              <p:extLst>
+                <p:ext uri="{386F3935-93C4-4BCD-93E2-E3B085C9AB24}">
+                  <p16:designElem xmlns:p16="http://schemas.microsoft.com/office/powerpoint/2015/main" val="1"/>
+                </p:ext>
+              </p:extLst>
+            </p:nvPr>
+          </p:nvCxnSpPr>
+          <p:spPr>
+            <a:xfrm flipH="1">
+              <a:off x="10443103" y="3131080"/>
+              <a:ext cx="1745722" cy="1745720"/>
+            </a:xfrm>
+            <a:prstGeom prst="line">
+              <a:avLst/>
+            </a:prstGeom>
+            <a:ln w="28575">
+              <a:solidFill>
+                <a:schemeClr val="tx1"/>
+              </a:solidFill>
+            </a:ln>
+          </p:spPr>
+          <p:style>
+            <a:lnRef idx="2">
+              <a:schemeClr val="accent1"/>
+            </a:lnRef>
+            <a:fillRef idx="0">
+              <a:schemeClr val="accent1"/>
+            </a:fillRef>
+            <a:effectRef idx="1">
+              <a:schemeClr val="accent1"/>
+            </a:effectRef>
+            <a:fontRef idx="minor">
+              <a:schemeClr val="tx1"/>
+            </a:fontRef>
+          </p:style>
+        </p:cxnSp>
+        <p:cxnSp>
+          <p:nvCxnSpPr>
+            <p:cNvPr id="66" name="Straight Connector 65">
+              <a:extLst>
+                <a:ext uri="{FF2B5EF4-FFF2-40B4-BE49-F238E27FC236}">
+                  <a16:creationId xmlns:a16="http://schemas.microsoft.com/office/drawing/2014/main" id="{C22EE3D4-FE2C-4B01-BC8C-3CE2C6CC1122}"/>
                 </a:ext>
                 <a:ext uri="{C183D7F6-B498-43B3-948B-1728B52AA6E4}">
                   <adec:decorative xmlns:adec="http://schemas.microsoft.com/office/drawing/2017/decorative" val="1"/>
@@ -8749,7 +8268,445 @@
     </p:spTree>
     <p:extLst>
       <p:ext uri="{BB962C8B-B14F-4D97-AF65-F5344CB8AC3E}">
-        <p14:creationId xmlns:p14="http://schemas.microsoft.com/office/powerpoint/2010/main" val="2830255302"/>
+        <p14:creationId xmlns:p14="http://schemas.microsoft.com/office/powerpoint/2010/main" val="1020959429"/>
+      </p:ext>
+    </p:extLst>
+  </p:cSld>
+  <p:clrMapOvr>
+    <a:masterClrMapping/>
+  </p:clrMapOvr>
+</p:sld>
+</file>
+
+<file path=ppt/slides/slide7.xml><?xml version="1.0" encoding="utf-8"?>
+<p:sld xmlns:a="http://schemas.openxmlformats.org/drawingml/2006/main" xmlns:r="http://schemas.openxmlformats.org/officeDocument/2006/relationships" xmlns:p="http://schemas.openxmlformats.org/presentationml/2006/main">
+  <p:cSld>
+    <p:bg>
+      <p:bgPr>
+        <a:gradFill rotWithShape="1">
+          <a:gsLst>
+            <a:gs pos="10000">
+              <a:schemeClr val="bg2">
+                <a:tint val="97000"/>
+                <a:hueMod val="92000"/>
+                <a:satMod val="169000"/>
+                <a:lumMod val="164000"/>
+              </a:schemeClr>
+            </a:gs>
+            <a:gs pos="100000">
+              <a:schemeClr val="bg2">
+                <a:shade val="96000"/>
+                <a:satMod val="120000"/>
+                <a:lumMod val="90000"/>
+              </a:schemeClr>
+            </a:gs>
+          </a:gsLst>
+          <a:lin ang="6120000" scaled="1"/>
+        </a:gradFill>
+        <a:effectLst/>
+      </p:bgPr>
+    </p:bg>
+    <p:spTree>
+      <p:nvGrpSpPr>
+        <p:cNvPr id="1" name=""/>
+        <p:cNvGrpSpPr/>
+        <p:nvPr/>
+      </p:nvGrpSpPr>
+      <p:grpSpPr>
+        <a:xfrm>
+          <a:off x="0" y="0"/>
+          <a:ext cx="0" cy="0"/>
+          <a:chOff x="0" y="0"/>
+          <a:chExt cx="0" cy="0"/>
+        </a:xfrm>
+      </p:grpSpPr>
+      <p:sp>
+        <p:nvSpPr>
+          <p:cNvPr id="2" name="Title 1">
+            <a:extLst>
+              <a:ext uri="{FF2B5EF4-FFF2-40B4-BE49-F238E27FC236}">
+                <a16:creationId xmlns:a16="http://schemas.microsoft.com/office/drawing/2014/main" id="{73BCA3E8-B163-4626-AB15-C2F610CF26B4}"/>
+              </a:ext>
+            </a:extLst>
+          </p:cNvPr>
+          <p:cNvSpPr>
+            <a:spLocks noGrp="1"/>
+          </p:cNvSpPr>
+          <p:nvPr>
+            <p:ph type="title"/>
+          </p:nvPr>
+        </p:nvSpPr>
+        <p:spPr>
+          <a:xfrm>
+            <a:off x="353683" y="37578"/>
+            <a:ext cx="11490385" cy="1507067"/>
+          </a:xfrm>
+        </p:spPr>
+        <p:txBody>
+          <a:bodyPr>
+            <a:normAutofit/>
+          </a:bodyPr>
+          <a:lstStyle/>
+          <a:p>
+            <a:r>
+              <a:rPr lang="en-GB" dirty="0"/>
+              <a:t>Data Integration – Premier League Standings</a:t>
+            </a:r>
+          </a:p>
+        </p:txBody>
+      </p:sp>
+      <p:pic>
+        <p:nvPicPr>
+          <p:cNvPr id="7" name="Picture 6" descr="A close up of a street&#10;&#10;Description generated with high confidence">
+            <a:extLst>
+              <a:ext uri="{FF2B5EF4-FFF2-40B4-BE49-F238E27FC236}">
+                <a16:creationId xmlns:a16="http://schemas.microsoft.com/office/drawing/2014/main" id="{F59C0CE2-6B21-48D7-9DF6-2A781A5A5BD5}"/>
+              </a:ext>
+            </a:extLst>
+          </p:cNvPr>
+          <p:cNvPicPr>
+            <a:picLocks noChangeAspect="1"/>
+          </p:cNvPicPr>
+          <p:nvPr/>
+        </p:nvPicPr>
+        <p:blipFill>
+          <a:blip r:embed="rId2"/>
+          <a:stretch>
+            <a:fillRect/>
+          </a:stretch>
+        </p:blipFill>
+        <p:spPr>
+          <a:xfrm>
+            <a:off x="512809" y="1544645"/>
+            <a:ext cx="1108506" cy="4905358"/>
+          </a:xfrm>
+          <a:prstGeom prst="rect">
+            <a:avLst/>
+          </a:prstGeom>
+          <a:effectLst>
+            <a:innerShdw blurRad="57150" dist="38100" dir="14460000">
+              <a:prstClr val="black">
+                <a:alpha val="70000"/>
+              </a:prstClr>
+            </a:innerShdw>
+          </a:effectLst>
+        </p:spPr>
+      </p:pic>
+      <p:sp>
+        <p:nvSpPr>
+          <p:cNvPr id="3" name="Content Placeholder 2">
+            <a:extLst>
+              <a:ext uri="{FF2B5EF4-FFF2-40B4-BE49-F238E27FC236}">
+                <a16:creationId xmlns:a16="http://schemas.microsoft.com/office/drawing/2014/main" id="{3E3CE4C3-BF0A-4957-95D7-FBC24D682FEA}"/>
+              </a:ext>
+            </a:extLst>
+          </p:cNvPr>
+          <p:cNvSpPr>
+            <a:spLocks noGrp="1"/>
+          </p:cNvSpPr>
+          <p:nvPr>
+            <p:ph idx="1"/>
+          </p:nvPr>
+        </p:nvSpPr>
+        <p:spPr>
+          <a:xfrm>
+            <a:off x="1901673" y="1368868"/>
+            <a:ext cx="6593129" cy="3575884"/>
+          </a:xfrm>
+        </p:spPr>
+        <p:txBody>
+          <a:bodyPr>
+            <a:normAutofit/>
+          </a:bodyPr>
+          <a:lstStyle/>
+          <a:p>
+            <a:pPr lvl="1"/>
+            <a:r>
+              <a:rPr lang="en-GB" dirty="0"/>
+              <a:t>Dataset with Premier League Standings for each team in last 18 years. </a:t>
+            </a:r>
+          </a:p>
+          <a:p>
+            <a:pPr lvl="1"/>
+            <a:r>
+              <a:rPr lang="en-GB" dirty="0"/>
+              <a:t>Difference in league position – previous year</a:t>
+            </a:r>
+          </a:p>
+          <a:p>
+            <a:pPr lvl="1"/>
+            <a:r>
+              <a:rPr lang="en-GB" dirty="0"/>
+              <a:t>Dealing with Null values</a:t>
+            </a:r>
+          </a:p>
+          <a:p>
+            <a:pPr lvl="1"/>
+            <a:r>
+              <a:rPr lang="en-GB" dirty="0"/>
+              <a:t>Correlation analysis (Pearson) - ensure we were not introducing a redundancy into our dataset.</a:t>
+            </a:r>
+          </a:p>
+        </p:txBody>
+      </p:sp>
+      <p:pic>
+        <p:nvPicPr>
+          <p:cNvPr id="5" name="Picture 4" descr="A picture containing wall, indoor, sky&#10;&#10;Description generated with very high confidence">
+            <a:extLst>
+              <a:ext uri="{FF2B5EF4-FFF2-40B4-BE49-F238E27FC236}">
+                <a16:creationId xmlns:a16="http://schemas.microsoft.com/office/drawing/2014/main" id="{909F097A-F2CB-4A58-B21D-E78760FD1A1D}"/>
+              </a:ext>
+            </a:extLst>
+          </p:cNvPr>
+          <p:cNvPicPr>
+            <a:picLocks noChangeAspect="1"/>
+          </p:cNvPicPr>
+          <p:nvPr/>
+        </p:nvPicPr>
+        <p:blipFill>
+          <a:blip r:embed="rId3"/>
+          <a:stretch>
+            <a:fillRect/>
+          </a:stretch>
+        </p:blipFill>
+        <p:spPr>
+          <a:xfrm>
+            <a:off x="2540030" y="5046506"/>
+            <a:ext cx="6360214" cy="1403497"/>
+          </a:xfrm>
+          <a:prstGeom prst="rect">
+            <a:avLst/>
+          </a:prstGeom>
+        </p:spPr>
+      </p:pic>
+      <p:pic>
+        <p:nvPicPr>
+          <p:cNvPr id="8" name="Picture 7" descr="A close up of text on a black background&#10;&#10;Description generated with very high confidence">
+            <a:extLst>
+              <a:ext uri="{FF2B5EF4-FFF2-40B4-BE49-F238E27FC236}">
+                <a16:creationId xmlns:a16="http://schemas.microsoft.com/office/drawing/2014/main" id="{37F7D3B8-E224-48E7-9270-0565345A21AA}"/>
+              </a:ext>
+            </a:extLst>
+          </p:cNvPr>
+          <p:cNvPicPr>
+            <a:picLocks noChangeAspect="1"/>
+          </p:cNvPicPr>
+          <p:nvPr/>
+        </p:nvPicPr>
+        <p:blipFill>
+          <a:blip r:embed="rId4"/>
+          <a:stretch>
+            <a:fillRect/>
+          </a:stretch>
+        </p:blipFill>
+        <p:spPr>
+          <a:xfrm>
+            <a:off x="9156627" y="1457864"/>
+            <a:ext cx="2681690" cy="3794219"/>
+          </a:xfrm>
+          <a:prstGeom prst="rect">
+            <a:avLst/>
+          </a:prstGeom>
+        </p:spPr>
+      </p:pic>
+    </p:spTree>
+    <p:extLst>
+      <p:ext uri="{BB962C8B-B14F-4D97-AF65-F5344CB8AC3E}">
+        <p14:creationId xmlns:p14="http://schemas.microsoft.com/office/powerpoint/2010/main" val="1186590324"/>
+      </p:ext>
+    </p:extLst>
+  </p:cSld>
+  <p:clrMapOvr>
+    <a:masterClrMapping/>
+  </p:clrMapOvr>
+</p:sld>
+</file>
+
+<file path=ppt/slides/slide8.xml><?xml version="1.0" encoding="utf-8"?>
+<p:sld xmlns:a="http://schemas.openxmlformats.org/drawingml/2006/main" xmlns:r="http://schemas.openxmlformats.org/officeDocument/2006/relationships" xmlns:p="http://schemas.openxmlformats.org/presentationml/2006/main">
+  <p:cSld>
+    <p:spTree>
+      <p:nvGrpSpPr>
+        <p:cNvPr id="1" name=""/>
+        <p:cNvGrpSpPr/>
+        <p:nvPr/>
+      </p:nvGrpSpPr>
+      <p:grpSpPr>
+        <a:xfrm>
+          <a:off x="0" y="0"/>
+          <a:ext cx="0" cy="0"/>
+          <a:chOff x="0" y="0"/>
+          <a:chExt cx="0" cy="0"/>
+        </a:xfrm>
+      </p:grpSpPr>
+      <p:sp>
+        <p:nvSpPr>
+          <p:cNvPr id="10" name="Title 1">
+            <a:extLst>
+              <a:ext uri="{FF2B5EF4-FFF2-40B4-BE49-F238E27FC236}">
+                <a16:creationId xmlns:a16="http://schemas.microsoft.com/office/drawing/2014/main" id="{86059B1E-C75A-4F74-85BA-E6FC371DF32F}"/>
+              </a:ext>
+            </a:extLst>
+          </p:cNvPr>
+          <p:cNvSpPr>
+            <a:spLocks noGrp="1"/>
+          </p:cNvSpPr>
+          <p:nvPr>
+            <p:ph type="title"/>
+          </p:nvPr>
+        </p:nvSpPr>
+        <p:spPr>
+          <a:xfrm>
+            <a:off x="174838" y="99817"/>
+            <a:ext cx="11455687" cy="1507067"/>
+          </a:xfrm>
+        </p:spPr>
+        <p:txBody>
+          <a:bodyPr>
+            <a:normAutofit/>
+          </a:bodyPr>
+          <a:lstStyle/>
+          <a:p>
+            <a:r>
+              <a:rPr lang="en-GB" dirty="0"/>
+              <a:t>Data Integration – Premier League Results 2000/01 – 2017/18</a:t>
+            </a:r>
+          </a:p>
+        </p:txBody>
+      </p:sp>
+      <p:pic>
+        <p:nvPicPr>
+          <p:cNvPr id="11" name="Picture 10">
+            <a:extLst>
+              <a:ext uri="{FF2B5EF4-FFF2-40B4-BE49-F238E27FC236}">
+                <a16:creationId xmlns:a16="http://schemas.microsoft.com/office/drawing/2014/main" id="{8F60D6CC-252E-47C8-8F5F-33998770EA0F}"/>
+              </a:ext>
+            </a:extLst>
+          </p:cNvPr>
+          <p:cNvPicPr/>
+          <p:nvPr/>
+        </p:nvPicPr>
+        <p:blipFill>
+          <a:blip r:embed="rId2">
+            <a:extLst>
+              <a:ext uri="{28A0092B-C50C-407E-A947-70E740481C1C}">
+                <a14:useLocalDpi xmlns:a14="http://schemas.microsoft.com/office/drawing/2010/main" val="0"/>
+              </a:ext>
+            </a:extLst>
+          </a:blip>
+          <a:srcRect/>
+          <a:stretch>
+            <a:fillRect/>
+          </a:stretch>
+        </p:blipFill>
+        <p:spPr bwMode="auto">
+          <a:xfrm>
+            <a:off x="7082287" y="4018555"/>
+            <a:ext cx="4684144" cy="2465132"/>
+          </a:xfrm>
+          <a:prstGeom prst="rect">
+            <a:avLst/>
+          </a:prstGeom>
+          <a:noFill/>
+          <a:effectLst>
+            <a:innerShdw blurRad="57150" dist="38100" dir="14460000">
+              <a:prstClr val="black">
+                <a:alpha val="70000"/>
+              </a:prstClr>
+            </a:innerShdw>
+          </a:effectLst>
+        </p:spPr>
+      </p:pic>
+      <p:sp>
+        <p:nvSpPr>
+          <p:cNvPr id="12" name="Content Placeholder 2">
+            <a:extLst>
+              <a:ext uri="{FF2B5EF4-FFF2-40B4-BE49-F238E27FC236}">
+                <a16:creationId xmlns:a16="http://schemas.microsoft.com/office/drawing/2014/main" id="{19607874-F9EB-49DA-8835-67FC941E2206}"/>
+              </a:ext>
+            </a:extLst>
+          </p:cNvPr>
+          <p:cNvSpPr>
+            <a:spLocks noGrp="1"/>
+          </p:cNvSpPr>
+          <p:nvPr>
+            <p:ph idx="1"/>
+          </p:nvPr>
+        </p:nvSpPr>
+        <p:spPr>
+          <a:xfrm>
+            <a:off x="495680" y="1768363"/>
+            <a:ext cx="7574046" cy="2637210"/>
+          </a:xfrm>
+        </p:spPr>
+        <p:txBody>
+          <a:bodyPr>
+            <a:normAutofit/>
+          </a:bodyPr>
+          <a:lstStyle/>
+          <a:p>
+            <a:r>
+              <a:rPr lang="en-GB" dirty="0"/>
+              <a:t>We need to convert 18 datasets to 1 dataset.</a:t>
+            </a:r>
+          </a:p>
+          <a:p>
+            <a:r>
+              <a:rPr lang="en-GB" dirty="0"/>
+              <a:t>Schema Integration/Object Matching – tricky</a:t>
+            </a:r>
+          </a:p>
+          <a:p>
+            <a:r>
+              <a:rPr lang="en-GB" dirty="0"/>
+              <a:t>Dates in different datasets were formatted differently</a:t>
+            </a:r>
+          </a:p>
+          <a:p>
+            <a:r>
+              <a:rPr lang="en-GB" dirty="0"/>
+              <a:t>Dropped irrelevant columns </a:t>
+            </a:r>
+          </a:p>
+          <a:p>
+            <a:endParaRPr lang="en-GB" dirty="0"/>
+          </a:p>
+        </p:txBody>
+      </p:sp>
+      <p:pic>
+        <p:nvPicPr>
+          <p:cNvPr id="14" name="Picture 13" descr="A picture containing wall&#10;&#10;Description generated with high confidence">
+            <a:extLst>
+              <a:ext uri="{FF2B5EF4-FFF2-40B4-BE49-F238E27FC236}">
+                <a16:creationId xmlns:a16="http://schemas.microsoft.com/office/drawing/2014/main" id="{79C775FA-B3E4-41CF-9E73-0B8AE002AC45}"/>
+              </a:ext>
+            </a:extLst>
+          </p:cNvPr>
+          <p:cNvPicPr>
+            <a:picLocks noChangeAspect="1"/>
+          </p:cNvPicPr>
+          <p:nvPr/>
+        </p:nvPicPr>
+        <p:blipFill>
+          <a:blip r:embed="rId3"/>
+          <a:stretch>
+            <a:fillRect/>
+          </a:stretch>
+        </p:blipFill>
+        <p:spPr>
+          <a:xfrm>
+            <a:off x="594573" y="4018555"/>
+            <a:ext cx="6224297" cy="2465133"/>
+          </a:xfrm>
+          <a:prstGeom prst="rect">
+            <a:avLst/>
+          </a:prstGeom>
+        </p:spPr>
+      </p:pic>
+    </p:spTree>
+    <p:extLst>
+      <p:ext uri="{BB962C8B-B14F-4D97-AF65-F5344CB8AC3E}">
+        <p14:creationId xmlns:p14="http://schemas.microsoft.com/office/powerpoint/2010/main" val="2046658650"/>
       </p:ext>
     </p:extLst>
   </p:cSld>
@@ -8801,6 +8758,66 @@
           <a:chExt cx="0" cy="0"/>
         </a:xfrm>
       </p:grpSpPr>
+      <p:sp useBgFill="1">
+        <p:nvSpPr>
+          <p:cNvPr id="118" name="Rectangle 117">
+            <a:extLst>
+              <a:ext uri="{FF2B5EF4-FFF2-40B4-BE49-F238E27FC236}">
+                <a16:creationId xmlns:a16="http://schemas.microsoft.com/office/drawing/2014/main" id="{321515B3-D7DF-4C4F-A467-0453818807FB}"/>
+              </a:ext>
+              <a:ext uri="{C183D7F6-B498-43B3-948B-1728B52AA6E4}">
+                <adec:decorative xmlns:adec="http://schemas.microsoft.com/office/drawing/2017/decorative" val="1"/>
+              </a:ext>
+            </a:extLst>
+          </p:cNvPr>
+          <p:cNvSpPr>
+            <a:spLocks noGrp="1" noRot="1" noChangeAspect="1" noMove="1" noResize="1" noEditPoints="1" noAdjustHandles="1" noChangeArrowheads="1" noChangeShapeType="1" noTextEdit="1"/>
+          </p:cNvSpPr>
+          <p:nvPr>
+            <p:extLst>
+              <p:ext uri="{386F3935-93C4-4BCD-93E2-E3B085C9AB24}">
+                <p16:designElem xmlns:p16="http://schemas.microsoft.com/office/powerpoint/2015/main" val="1"/>
+              </p:ext>
+            </p:extLst>
+          </p:nvPr>
+        </p:nvSpPr>
+        <p:spPr>
+          <a:xfrm>
+            <a:off x="0" y="0"/>
+            <a:ext cx="12192000" cy="6858000"/>
+          </a:xfrm>
+          <a:prstGeom prst="rect">
+            <a:avLst/>
+          </a:prstGeom>
+          <a:ln>
+            <a:noFill/>
+          </a:ln>
+        </p:spPr>
+        <p:style>
+          <a:lnRef idx="2">
+            <a:schemeClr val="accent1">
+              <a:shade val="50000"/>
+            </a:schemeClr>
+          </a:lnRef>
+          <a:fillRef idx="1">
+            <a:schemeClr val="accent1"/>
+          </a:fillRef>
+          <a:effectRef idx="0">
+            <a:schemeClr val="accent1"/>
+          </a:effectRef>
+          <a:fontRef idx="minor">
+            <a:schemeClr val="lt1"/>
+          </a:fontRef>
+        </p:style>
+        <p:txBody>
+          <a:bodyPr rtlCol="0" anchor="ctr"/>
+          <a:lstStyle/>
+          <a:p>
+            <a:pPr algn="ctr"/>
+            <a:endParaRPr lang="en-US"/>
+          </a:p>
+        </p:txBody>
+      </p:sp>
       <p:sp>
         <p:nvSpPr>
           <p:cNvPr id="2" name="Title 1">
@@ -8819,29 +8836,369 @@
         </p:nvSpPr>
         <p:spPr>
           <a:xfrm>
-            <a:off x="3576702" y="4515324"/>
-            <a:ext cx="8534400" cy="1507067"/>
-          </a:xfrm>
-        </p:spPr>
-        <p:txBody>
-          <a:bodyPr>
+            <a:off x="234036" y="0"/>
+            <a:ext cx="11081928" cy="999544"/>
+          </a:xfrm>
+        </p:spPr>
+        <p:txBody>
+          <a:bodyPr vert="horz" lIns="91440" tIns="45720" rIns="91440" bIns="45720" rtlCol="0">
             <a:normAutofit/>
           </a:bodyPr>
           <a:lstStyle/>
           <a:p>
             <a:r>
-              <a:rPr lang="en-GB" dirty="0"/>
-              <a:t>Data Integration – Premier League Standings</a:t>
-            </a:r>
-          </a:p>
-        </p:txBody>
-      </p:sp>
+              <a:rPr lang="en-US" dirty="0"/>
+              <a:t>Attribute Analysis </a:t>
+            </a:r>
+          </a:p>
+        </p:txBody>
+      </p:sp>
+      <p:grpSp>
+        <p:nvGrpSpPr>
+          <p:cNvPr id="120" name="Group 119">
+            <a:extLst>
+              <a:ext uri="{FF2B5EF4-FFF2-40B4-BE49-F238E27FC236}">
+                <a16:creationId xmlns:a16="http://schemas.microsoft.com/office/drawing/2014/main" id="{1D0D9B5C-0C7A-4DB1-BD34-5F267130C71B}"/>
+              </a:ext>
+              <a:ext uri="{C183D7F6-B498-43B3-948B-1728B52AA6E4}">
+                <adec:decorative xmlns:adec="http://schemas.microsoft.com/office/drawing/2017/decorative" val="1"/>
+              </a:ext>
+            </a:extLst>
+          </p:cNvPr>
+          <p:cNvGrpSpPr>
+            <a:grpSpLocks noGrp="1" noUngrp="1" noRot="1" noChangeAspect="1" noMove="1" noResize="1"/>
+          </p:cNvGrpSpPr>
+          <p:nvPr>
+            <p:extLst>
+              <p:ext uri="{386F3935-93C4-4BCD-93E2-E3B085C9AB24}">
+                <p16:designElem xmlns:p16="http://schemas.microsoft.com/office/powerpoint/2015/main" val="1"/>
+              </p:ext>
+            </p:extLst>
+          </p:nvPr>
+        </p:nvGrpSpPr>
+        <p:grpSpPr>
+          <a:xfrm>
+            <a:off x="9206969" y="2963333"/>
+            <a:ext cx="2981858" cy="3208867"/>
+            <a:chOff x="9206969" y="2963333"/>
+            <a:chExt cx="2981858" cy="3208867"/>
+          </a:xfrm>
+        </p:grpSpPr>
+        <p:cxnSp>
+          <p:nvCxnSpPr>
+            <p:cNvPr id="121" name="Straight Connector 120">
+              <a:extLst>
+                <a:ext uri="{FF2B5EF4-FFF2-40B4-BE49-F238E27FC236}">
+                  <a16:creationId xmlns:a16="http://schemas.microsoft.com/office/drawing/2014/main" id="{B9667085-F7BD-4A03-92CF-22ED6F2B460A}"/>
+                </a:ext>
+                <a:ext uri="{C183D7F6-B498-43B3-948B-1728B52AA6E4}">
+                  <adec:decorative xmlns:adec="http://schemas.microsoft.com/office/drawing/2017/decorative" val="1"/>
+                </a:ext>
+              </a:extLst>
+            </p:cNvPr>
+            <p:cNvCxnSpPr/>
+            <p:nvPr>
+              <p:extLst>
+                <p:ext uri="{386F3935-93C4-4BCD-93E2-E3B085C9AB24}">
+                  <p16:designElem xmlns:p16="http://schemas.microsoft.com/office/powerpoint/2015/main" val="1"/>
+                </p:ext>
+              </p:extLst>
+            </p:nvPr>
+          </p:nvCxnSpPr>
+          <p:spPr>
+            <a:xfrm flipH="1">
+              <a:off x="11276012" y="2963333"/>
+              <a:ext cx="912814" cy="912812"/>
+            </a:xfrm>
+            <a:prstGeom prst="line">
+              <a:avLst/>
+            </a:prstGeom>
+            <a:ln w="9525">
+              <a:solidFill>
+                <a:schemeClr val="tx1"/>
+              </a:solidFill>
+            </a:ln>
+          </p:spPr>
+          <p:style>
+            <a:lnRef idx="2">
+              <a:schemeClr val="accent1"/>
+            </a:lnRef>
+            <a:fillRef idx="0">
+              <a:schemeClr val="accent1"/>
+            </a:fillRef>
+            <a:effectRef idx="1">
+              <a:schemeClr val="accent1"/>
+            </a:effectRef>
+            <a:fontRef idx="minor">
+              <a:schemeClr val="tx1"/>
+            </a:fontRef>
+          </p:style>
+        </p:cxnSp>
+        <p:cxnSp>
+          <p:nvCxnSpPr>
+            <p:cNvPr id="122" name="Straight Connector 121">
+              <a:extLst>
+                <a:ext uri="{FF2B5EF4-FFF2-40B4-BE49-F238E27FC236}">
+                  <a16:creationId xmlns:a16="http://schemas.microsoft.com/office/drawing/2014/main" id="{54411341-4997-4B9D-BB9B-4BF14574AC0B}"/>
+                </a:ext>
+                <a:ext uri="{C183D7F6-B498-43B3-948B-1728B52AA6E4}">
+                  <adec:decorative xmlns:adec="http://schemas.microsoft.com/office/drawing/2017/decorative" val="1"/>
+                </a:ext>
+              </a:extLst>
+            </p:cNvPr>
+            <p:cNvCxnSpPr/>
+            <p:nvPr>
+              <p:extLst>
+                <p:ext uri="{386F3935-93C4-4BCD-93E2-E3B085C9AB24}">
+                  <p16:designElem xmlns:p16="http://schemas.microsoft.com/office/powerpoint/2015/main" val="1"/>
+                </p:ext>
+              </p:extLst>
+            </p:nvPr>
+          </p:nvCxnSpPr>
+          <p:spPr>
+            <a:xfrm flipH="1">
+              <a:off x="9206969" y="3190344"/>
+              <a:ext cx="2981857" cy="2981856"/>
+            </a:xfrm>
+            <a:prstGeom prst="line">
+              <a:avLst/>
+            </a:prstGeom>
+            <a:ln w="9525">
+              <a:solidFill>
+                <a:schemeClr val="tx1"/>
+              </a:solidFill>
+            </a:ln>
+          </p:spPr>
+          <p:style>
+            <a:lnRef idx="2">
+              <a:schemeClr val="accent1"/>
+            </a:lnRef>
+            <a:fillRef idx="0">
+              <a:schemeClr val="accent1"/>
+            </a:fillRef>
+            <a:effectRef idx="1">
+              <a:schemeClr val="accent1"/>
+            </a:effectRef>
+            <a:fontRef idx="minor">
+              <a:schemeClr val="tx1"/>
+            </a:fontRef>
+          </p:style>
+        </p:cxnSp>
+        <p:cxnSp>
+          <p:nvCxnSpPr>
+            <p:cNvPr id="123" name="Straight Connector 122">
+              <a:extLst>
+                <a:ext uri="{FF2B5EF4-FFF2-40B4-BE49-F238E27FC236}">
+                  <a16:creationId xmlns:a16="http://schemas.microsoft.com/office/drawing/2014/main" id="{F868991E-A4D1-4796-86E1-C2DC1C97E99F}"/>
+                </a:ext>
+                <a:ext uri="{C183D7F6-B498-43B3-948B-1728B52AA6E4}">
+                  <adec:decorative xmlns:adec="http://schemas.microsoft.com/office/drawing/2017/decorative" val="1"/>
+                </a:ext>
+              </a:extLst>
+            </p:cNvPr>
+            <p:cNvCxnSpPr/>
+            <p:nvPr>
+              <p:extLst>
+                <p:ext uri="{386F3935-93C4-4BCD-93E2-E3B085C9AB24}">
+                  <p16:designElem xmlns:p16="http://schemas.microsoft.com/office/powerpoint/2015/main" val="1"/>
+                </p:ext>
+              </p:extLst>
+            </p:nvPr>
+          </p:nvCxnSpPr>
+          <p:spPr>
+            <a:xfrm flipH="1">
+              <a:off x="10292292" y="3285067"/>
+              <a:ext cx="1896534" cy="1896533"/>
+            </a:xfrm>
+            <a:prstGeom prst="line">
+              <a:avLst/>
+            </a:prstGeom>
+            <a:ln w="9525">
+              <a:solidFill>
+                <a:schemeClr val="tx1"/>
+              </a:solidFill>
+            </a:ln>
+          </p:spPr>
+          <p:style>
+            <a:lnRef idx="2">
+              <a:schemeClr val="accent1"/>
+            </a:lnRef>
+            <a:fillRef idx="0">
+              <a:schemeClr val="accent1"/>
+            </a:fillRef>
+            <a:effectRef idx="1">
+              <a:schemeClr val="accent1"/>
+            </a:effectRef>
+            <a:fontRef idx="minor">
+              <a:schemeClr val="tx1"/>
+            </a:fontRef>
+          </p:style>
+        </p:cxnSp>
+        <p:cxnSp>
+          <p:nvCxnSpPr>
+            <p:cNvPr id="124" name="Straight Connector 123">
+              <a:extLst>
+                <a:ext uri="{FF2B5EF4-FFF2-40B4-BE49-F238E27FC236}">
+                  <a16:creationId xmlns:a16="http://schemas.microsoft.com/office/drawing/2014/main" id="{CC468045-48FC-43D1-9CAC-BB8A5598B60E}"/>
+                </a:ext>
+                <a:ext uri="{C183D7F6-B498-43B3-948B-1728B52AA6E4}">
+                  <adec:decorative xmlns:adec="http://schemas.microsoft.com/office/drawing/2017/decorative" val="1"/>
+                </a:ext>
+              </a:extLst>
+            </p:cNvPr>
+            <p:cNvCxnSpPr/>
+            <p:nvPr>
+              <p:extLst>
+                <p:ext uri="{386F3935-93C4-4BCD-93E2-E3B085C9AB24}">
+                  <p16:designElem xmlns:p16="http://schemas.microsoft.com/office/powerpoint/2015/main" val="1"/>
+                </p:ext>
+              </p:extLst>
+            </p:nvPr>
+          </p:nvCxnSpPr>
+          <p:spPr>
+            <a:xfrm flipH="1">
+              <a:off x="10443103" y="3131080"/>
+              <a:ext cx="1745722" cy="1745720"/>
+            </a:xfrm>
+            <a:prstGeom prst="line">
+              <a:avLst/>
+            </a:prstGeom>
+            <a:ln w="28575">
+              <a:solidFill>
+                <a:schemeClr val="tx1"/>
+              </a:solidFill>
+            </a:ln>
+          </p:spPr>
+          <p:style>
+            <a:lnRef idx="2">
+              <a:schemeClr val="accent1"/>
+            </a:lnRef>
+            <a:fillRef idx="0">
+              <a:schemeClr val="accent1"/>
+            </a:fillRef>
+            <a:effectRef idx="1">
+              <a:schemeClr val="accent1"/>
+            </a:effectRef>
+            <a:fontRef idx="minor">
+              <a:schemeClr val="tx1"/>
+            </a:fontRef>
+          </p:style>
+        </p:cxnSp>
+        <p:cxnSp>
+          <p:nvCxnSpPr>
+            <p:cNvPr id="125" name="Straight Connector 124">
+              <a:extLst>
+                <a:ext uri="{FF2B5EF4-FFF2-40B4-BE49-F238E27FC236}">
+                  <a16:creationId xmlns:a16="http://schemas.microsoft.com/office/drawing/2014/main" id="{8E9FBD81-3F27-4C7D-8DEA-3E15112C50F9}"/>
+                </a:ext>
+                <a:ext uri="{C183D7F6-B498-43B3-948B-1728B52AA6E4}">
+                  <adec:decorative xmlns:adec="http://schemas.microsoft.com/office/drawing/2017/decorative" val="1"/>
+                </a:ext>
+              </a:extLst>
+            </p:cNvPr>
+            <p:cNvCxnSpPr/>
+            <p:nvPr>
+              <p:extLst>
+                <p:ext uri="{386F3935-93C4-4BCD-93E2-E3B085C9AB24}">
+                  <p16:designElem xmlns:p16="http://schemas.microsoft.com/office/powerpoint/2015/main" val="1"/>
+                </p:ext>
+              </p:extLst>
+            </p:nvPr>
+          </p:nvCxnSpPr>
+          <p:spPr>
+            <a:xfrm flipH="1">
+              <a:off x="10918826" y="3683001"/>
+              <a:ext cx="1270001" cy="1269999"/>
+            </a:xfrm>
+            <a:prstGeom prst="line">
+              <a:avLst/>
+            </a:prstGeom>
+            <a:ln w="28575">
+              <a:solidFill>
+                <a:schemeClr val="tx1"/>
+              </a:solidFill>
+            </a:ln>
+          </p:spPr>
+          <p:style>
+            <a:lnRef idx="2">
+              <a:schemeClr val="accent1"/>
+            </a:lnRef>
+            <a:fillRef idx="0">
+              <a:schemeClr val="accent1"/>
+            </a:fillRef>
+            <a:effectRef idx="1">
+              <a:schemeClr val="accent1"/>
+            </a:effectRef>
+            <a:fontRef idx="minor">
+              <a:schemeClr val="tx1"/>
+            </a:fontRef>
+          </p:style>
+        </p:cxnSp>
+      </p:grpSp>
       <p:pic>
         <p:nvPicPr>
-          <p:cNvPr id="7" name="Picture 6" descr="A close up of a street&#10;&#10;Description generated with high confidence">
+          <p:cNvPr id="4" name="Picture 3">
             <a:extLst>
               <a:ext uri="{FF2B5EF4-FFF2-40B4-BE49-F238E27FC236}">
-                <a16:creationId xmlns:a16="http://schemas.microsoft.com/office/drawing/2014/main" id="{F59C0CE2-6B21-48D7-9DF6-2A781A5A5BD5}"/>
+                <a16:creationId xmlns:a16="http://schemas.microsoft.com/office/drawing/2014/main" id="{7E10F504-E548-4182-979C-F7CA943D02CA}"/>
+              </a:ext>
+            </a:extLst>
+          </p:cNvPr>
+          <p:cNvPicPr>
+            <a:picLocks noChangeAspect="1"/>
+          </p:cNvPicPr>
+          <p:nvPr/>
+        </p:nvPicPr>
+        <p:blipFill rotWithShape="1">
+          <a:blip r:embed="rId2"/>
+          <a:srcRect l="9114" t="5566" r="8117"/>
+          <a:stretch/>
+        </p:blipFill>
+        <p:spPr>
+          <a:xfrm>
+            <a:off x="475255" y="4745759"/>
+            <a:ext cx="4850724" cy="1844787"/>
+          </a:xfrm>
+          <a:prstGeom prst="rect">
+            <a:avLst/>
+          </a:prstGeom>
+        </p:spPr>
+      </p:pic>
+      <p:pic>
+        <p:nvPicPr>
+          <p:cNvPr id="7" name="Picture 6">
+            <a:extLst>
+              <a:ext uri="{FF2B5EF4-FFF2-40B4-BE49-F238E27FC236}">
+                <a16:creationId xmlns:a16="http://schemas.microsoft.com/office/drawing/2014/main" id="{F43A2E7A-D348-4832-BD32-B31335E724AA}"/>
+              </a:ext>
+            </a:extLst>
+          </p:cNvPr>
+          <p:cNvPicPr>
+            <a:picLocks noChangeAspect="1"/>
+          </p:cNvPicPr>
+          <p:nvPr/>
+        </p:nvPicPr>
+        <p:blipFill rotWithShape="1">
+          <a:blip r:embed="rId3"/>
+          <a:srcRect l="9367" r="8634"/>
+          <a:stretch/>
+        </p:blipFill>
+        <p:spPr>
+          <a:xfrm>
+            <a:off x="5736820" y="4745759"/>
+            <a:ext cx="4552298" cy="1850562"/>
+          </a:xfrm>
+          <a:prstGeom prst="rect">
+            <a:avLst/>
+          </a:prstGeom>
+        </p:spPr>
+      </p:pic>
+      <p:pic>
+        <p:nvPicPr>
+          <p:cNvPr id="41" name="Picture 40" descr="A close up of text on a white background&#10;&#10;Description generated with very high confidence">
+            <a:extLst>
+              <a:ext uri="{FF2B5EF4-FFF2-40B4-BE49-F238E27FC236}">
+                <a16:creationId xmlns:a16="http://schemas.microsoft.com/office/drawing/2014/main" id="{1F0D1DA1-A32C-4CEF-BE49-9156BAE4EDD4}"/>
               </a:ext>
             </a:extLst>
           </p:cNvPr>
@@ -8851,101 +9208,55 @@
           <p:nvPr/>
         </p:nvPicPr>
         <p:blipFill>
-          <a:blip r:embed="rId2"/>
+          <a:blip r:embed="rId4"/>
           <a:stretch>
             <a:fillRect/>
           </a:stretch>
         </p:blipFill>
         <p:spPr>
           <a:xfrm>
-            <a:off x="1427584" y="394607"/>
-            <a:ext cx="1361232" cy="6023721"/>
+            <a:off x="5794738" y="917070"/>
+            <a:ext cx="4248052" cy="3662846"/>
           </a:xfrm>
           <a:prstGeom prst="rect">
             <a:avLst/>
           </a:prstGeom>
-          <a:effectLst>
-            <a:innerShdw blurRad="57150" dist="38100" dir="14460000">
-              <a:prstClr val="black">
-                <a:alpha val="70000"/>
-              </a:prstClr>
-            </a:innerShdw>
-          </a:effectLst>
         </p:spPr>
       </p:pic>
-      <p:sp>
-        <p:nvSpPr>
-          <p:cNvPr id="3" name="Content Placeholder 2">
+      <p:pic>
+        <p:nvPicPr>
+          <p:cNvPr id="11" name="Picture 10">
             <a:extLst>
               <a:ext uri="{FF2B5EF4-FFF2-40B4-BE49-F238E27FC236}">
-                <a16:creationId xmlns:a16="http://schemas.microsoft.com/office/drawing/2014/main" id="{3E3CE4C3-BF0A-4957-95D7-FBC24D682FEA}"/>
+                <a16:creationId xmlns:a16="http://schemas.microsoft.com/office/drawing/2014/main" id="{30E272FD-A8FD-4D3C-B234-6B750DD95A26}"/>
               </a:ext>
             </a:extLst>
           </p:cNvPr>
-          <p:cNvSpPr>
-            <a:spLocks noGrp="1"/>
-          </p:cNvSpPr>
-          <p:nvPr>
-            <p:ph idx="1"/>
-          </p:nvPr>
-        </p:nvSpPr>
+          <p:cNvPicPr>
+            <a:picLocks noChangeAspect="1"/>
+          </p:cNvPicPr>
+          <p:nvPr/>
+        </p:nvPicPr>
+        <p:blipFill>
+          <a:blip r:embed="rId5"/>
+          <a:stretch>
+            <a:fillRect/>
+          </a:stretch>
+        </p:blipFill>
         <p:spPr>
           <a:xfrm>
-            <a:off x="4325696" y="733647"/>
-            <a:ext cx="6593129" cy="3575884"/>
-          </a:xfrm>
-        </p:spPr>
-        <p:txBody>
-          <a:bodyPr>
-            <a:normAutofit lnSpcReduction="10000"/>
-          </a:bodyPr>
-          <a:lstStyle/>
-          <a:p>
-            <a:pPr lvl="1"/>
-            <a:r>
-              <a:rPr lang="en-GB" dirty="0"/>
-              <a:t>Created our own dataset that pertained to Premier League Standings for the relevant years.</a:t>
-            </a:r>
-          </a:p>
-          <a:p>
-            <a:pPr lvl="1"/>
-            <a:r>
-              <a:rPr lang="en-GB" dirty="0"/>
-              <a:t>Contains data for all 46 teams that participated in that time.</a:t>
-            </a:r>
-          </a:p>
-          <a:p>
-            <a:pPr lvl="1"/>
-            <a:r>
-              <a:rPr lang="en-GB" dirty="0"/>
-              <a:t>Potential attribute - difference in league position from the previous year as an attribute in our prediction.</a:t>
-            </a:r>
-          </a:p>
-          <a:p>
-            <a:pPr lvl="1"/>
-            <a:r>
-              <a:rPr lang="en-GB" dirty="0"/>
-              <a:t>Performed correlation analysis (Pearson) to ensure we were not introducing a redundancy into our dataset.</a:t>
-            </a:r>
-          </a:p>
-          <a:p>
-            <a:pPr lvl="1"/>
-            <a:r>
-              <a:rPr lang="en-US" dirty="0"/>
-              <a:t>18 datasets</a:t>
-            </a:r>
-            <a:endParaRPr lang="en-GB" dirty="0"/>
-          </a:p>
-          <a:p>
-            <a:pPr lvl="1"/>
-            <a:endParaRPr lang="en-GB" dirty="0"/>
-          </a:p>
-        </p:txBody>
-      </p:sp>
+            <a:off x="472007" y="941872"/>
+            <a:ext cx="4850724" cy="3638044"/>
+          </a:xfrm>
+          <a:prstGeom prst="rect">
+            <a:avLst/>
+          </a:prstGeom>
+        </p:spPr>
+      </p:pic>
     </p:spTree>
     <p:extLst>
       <p:ext uri="{BB962C8B-B14F-4D97-AF65-F5344CB8AC3E}">
-        <p14:creationId xmlns:p14="http://schemas.microsoft.com/office/powerpoint/2010/main" val="1186590324"/>
+        <p14:creationId xmlns:p14="http://schemas.microsoft.com/office/powerpoint/2010/main" val="305579644"/>
       </p:ext>
     </p:extLst>
   </p:cSld>
